--- a/decidability.pptx
+++ b/decidability.pptx
@@ -15,22 +15,22 @@
   </p:handoutMasterIdLst>
   <p:sldIdLst>
     <p:sldId id="409" r:id="rId9"/>
-    <p:sldId id="481" r:id="rId10"/>
-    <p:sldId id="483" r:id="rId11"/>
-    <p:sldId id="493" r:id="rId12"/>
-    <p:sldId id="485" r:id="rId13"/>
-    <p:sldId id="486" r:id="rId14"/>
-    <p:sldId id="487" r:id="rId15"/>
-    <p:sldId id="488" r:id="rId16"/>
-    <p:sldId id="489" r:id="rId17"/>
-    <p:sldId id="490" r:id="rId18"/>
-    <p:sldId id="491" r:id="rId19"/>
-    <p:sldId id="498" r:id="rId20"/>
-    <p:sldId id="492" r:id="rId21"/>
-    <p:sldId id="494" r:id="rId22"/>
-    <p:sldId id="495" r:id="rId23"/>
-    <p:sldId id="496" r:id="rId24"/>
-    <p:sldId id="497" r:id="rId25"/>
+    <p:sldId id="485" r:id="rId10"/>
+    <p:sldId id="486" r:id="rId11"/>
+    <p:sldId id="487" r:id="rId12"/>
+    <p:sldId id="488" r:id="rId13"/>
+    <p:sldId id="489" r:id="rId14"/>
+    <p:sldId id="490" r:id="rId15"/>
+    <p:sldId id="491" r:id="rId16"/>
+    <p:sldId id="498" r:id="rId17"/>
+    <p:sldId id="492" r:id="rId18"/>
+    <p:sldId id="494" r:id="rId19"/>
+    <p:sldId id="495" r:id="rId20"/>
+    <p:sldId id="496" r:id="rId21"/>
+    <p:sldId id="497" r:id="rId22"/>
+    <p:sldId id="481" r:id="rId23"/>
+    <p:sldId id="483" r:id="rId24"/>
+    <p:sldId id="493" r:id="rId25"/>
   </p:sldIdLst>
   <p:sldSz cx="9144000" cy="5143500" type="screen16x9"/>
   <p:notesSz cx="6797675" cy="9926638"/>
@@ -135,9 +135,6 @@
         <p14:section name="SAFRAN_Bleu" id="{1586124D-6FE6-4F7A-BAA3-1A64DCEA8F8D}">
           <p14:sldIdLst>
             <p14:sldId id="409"/>
-            <p14:sldId id="481"/>
-            <p14:sldId id="483"/>
-            <p14:sldId id="493"/>
             <p14:sldId id="485"/>
             <p14:sldId id="486"/>
             <p14:sldId id="487"/>
@@ -157,13 +154,18 @@
           <p14:sldIdLst/>
         </p14:section>
         <p14:section name="SAFRAN_Vert_foncé" id="{E8FFF585-2E74-4CFD-AA84-2D56271D5136}">
-          <p14:sldIdLst/>
+          <p14:sldIdLst>
+            <p14:sldId id="481"/>
+          </p14:sldIdLst>
         </p14:section>
         <p14:section name="SAFRAN_Vert" id="{AEAED9FF-D98E-4A8B-A1BA-F0602EA03F85}">
           <p14:sldIdLst/>
         </p14:section>
         <p14:section name="Méthodologie" id="{B59A9594-C203-4CF9-AEF4-0E1940CD21E7}">
-          <p14:sldIdLst/>
+          <p14:sldIdLst>
+            <p14:sldId id="483"/>
+            <p14:sldId id="493"/>
+          </p14:sldIdLst>
         </p14:section>
       </p14:sectionLst>
     </p:ext>
@@ -390,7 +392,7 @@
           <a:p>
             <a:fld id="{0971EF12-5369-4F7D-8386-2BAB2912270B}" type="datetimeFigureOut">
               <a:rPr lang="fr-FR" smtClean="0"/>
-              <a:t>16/08/2021</a:t>
+              <a:t>07/09/2021</a:t>
             </a:fld>
             <a:endParaRPr lang="fr-FR"/>
           </a:p>
@@ -560,7 +562,7 @@
             <a:fld id="{D680E798-53FF-4C51-A981-953463752515}" type="datetimeFigureOut">
               <a:rPr lang="fr-FR" smtClean="0"/>
               <a:pPr/>
-              <a:t>16/08/2021</a:t>
+              <a:t>07/09/2021</a:t>
             </a:fld>
             <a:endParaRPr lang="fr-FR" dirty="0"/>
           </a:p>
@@ -1150,7 +1152,7 @@
             <a:fld id="{1B06CD8F-B7ED-4A05-9FB1-A01CC0EF02CC}" type="slidenum">
               <a:rPr lang="fr-FR" smtClean="0"/>
               <a:pPr/>
-              <a:t>2</a:t>
+              <a:t>15</a:t>
             </a:fld>
             <a:endParaRPr lang="fr-FR" dirty="0"/>
           </a:p>
@@ -19366,36 +19368,6 @@
           </a:p>
         </p:txBody>
       </p:sp>
-      <p:pic>
-        <p:nvPicPr>
-          <p:cNvPr id="3" name="Image 2"/>
-          <p:cNvPicPr>
-            <a:picLocks noChangeAspect="1"/>
-          </p:cNvPicPr>
-          <p:nvPr/>
-        </p:nvPicPr>
-        <p:blipFill>
-          <a:blip r:embed="rId2">
-            <a:extLst>
-              <a:ext uri="{28A0092B-C50C-407E-A947-70E740481C1C}">
-                <a14:useLocalDpi xmlns:a14="http://schemas.microsoft.com/office/drawing/2010/main" val="0"/>
-              </a:ext>
-            </a:extLst>
-          </a:blip>
-          <a:stretch>
-            <a:fillRect/>
-          </a:stretch>
-        </p:blipFill>
-        <p:spPr>
-          <a:xfrm>
-            <a:off x="323528" y="1851670"/>
-            <a:ext cx="2249194" cy="2253604"/>
-          </a:xfrm>
-          <a:prstGeom prst="rect">
-            <a:avLst/>
-          </a:prstGeom>
-        </p:spPr>
-      </p:pic>
     </p:spTree>
     <p:extLst>
       <p:ext uri="{BB962C8B-B14F-4D97-AF65-F5344CB8AC3E}">
@@ -19529,7 +19501,11 @@
           <a:p>
             <a:r>
               <a:rPr lang="fr-FR" dirty="0" smtClean="0"/>
-              <a:t>1936 : Turing</a:t>
+              <a:t>1971 : </a:t>
+            </a:r>
+            <a:r>
+              <a:rPr lang="fr-FR" dirty="0" err="1" smtClean="0"/>
+              <a:t>Matyiasevich</a:t>
             </a:r>
             <a:endParaRPr lang="fr-FR" dirty="0"/>
           </a:p>
@@ -19686,8 +19662,8 @@
         </p:nvSpPr>
         <p:spPr>
           <a:xfrm>
-            <a:off x="35496" y="2760898"/>
-            <a:ext cx="4428491" cy="1575048"/>
+            <a:off x="107504" y="1989570"/>
+            <a:ext cx="5724636" cy="1575048"/>
           </a:xfrm>
         </p:spPr>
         <p:txBody>
@@ -19696,7 +19672,31 @@
           <a:p>
             <a:r>
               <a:rPr lang="fr-FR" dirty="0" smtClean="0"/>
-              <a:t>Fonction « A sens unique »</a:t>
+              <a:t>1</a:t>
+            </a:r>
+            <a:r>
+              <a:rPr lang="fr-FR" baseline="30000" dirty="0" smtClean="0"/>
+              <a:t>ier</a:t>
+            </a:r>
+            <a:r>
+              <a:rPr lang="fr-FR" dirty="0" smtClean="0"/>
+              <a:t> problème ‘real-life’ indécidable</a:t>
+            </a:r>
+          </a:p>
+          <a:p>
+            <a:endParaRPr lang="fr-FR" dirty="0"/>
+          </a:p>
+          <a:p>
+            <a:r>
+              <a:rPr lang="fr-FR" dirty="0" smtClean="0"/>
+              <a:t>Précieux pour les preuves par réduction</a:t>
+            </a:r>
+          </a:p>
+          <a:p>
+            <a:pPr lvl="1"/>
+            <a:r>
+              <a:rPr lang="fr-FR" dirty="0" smtClean="0"/>
+              <a:t>Ex : planification/tarification des voyages aériens</a:t>
             </a:r>
             <a:endParaRPr lang="fr-FR" dirty="0"/>
           </a:p>
@@ -19729,8 +19729,80 @@
         </p:blipFill>
         <p:spPr>
           <a:xfrm>
-            <a:off x="6238875" y="51470"/>
-            <a:ext cx="2857500" cy="1600200"/>
+            <a:off x="2809813" y="3327834"/>
+            <a:ext cx="1905000" cy="1362075"/>
+          </a:xfrm>
+          <a:prstGeom prst="rect">
+            <a:avLst/>
+          </a:prstGeom>
+        </p:spPr>
+      </p:pic>
+      <p:pic>
+        <p:nvPicPr>
+          <p:cNvPr id="4" name="Image 3"/>
+          <p:cNvPicPr>
+            <a:picLocks noChangeAspect="1"/>
+          </p:cNvPicPr>
+          <p:nvPr/>
+        </p:nvPicPr>
+        <p:blipFill>
+          <a:blip r:link="rId3"/>
+          <a:stretch>
+            <a:fillRect/>
+          </a:stretch>
+        </p:blipFill>
+        <p:spPr>
+          <a:xfrm>
+            <a:off x="4507300" y="1970757"/>
+            <a:ext cx="2095500" cy="2981325"/>
+          </a:xfrm>
+          <a:prstGeom prst="rect">
+            <a:avLst/>
+          </a:prstGeom>
+        </p:spPr>
+      </p:pic>
+      <p:pic>
+        <p:nvPicPr>
+          <p:cNvPr id="6" name="Image 5"/>
+          <p:cNvPicPr>
+            <a:picLocks noChangeAspect="1"/>
+          </p:cNvPicPr>
+          <p:nvPr/>
+        </p:nvPicPr>
+        <p:blipFill>
+          <a:blip r:link="rId4"/>
+          <a:stretch>
+            <a:fillRect/>
+          </a:stretch>
+        </p:blipFill>
+        <p:spPr>
+          <a:xfrm>
+            <a:off x="3912800" y="116131"/>
+            <a:ext cx="2540000" cy="1739900"/>
+          </a:xfrm>
+          <a:prstGeom prst="rect">
+            <a:avLst/>
+          </a:prstGeom>
+        </p:spPr>
+      </p:pic>
+      <p:pic>
+        <p:nvPicPr>
+          <p:cNvPr id="7" name="Image 6"/>
+          <p:cNvPicPr>
+            <a:picLocks noChangeAspect="1"/>
+          </p:cNvPicPr>
+          <p:nvPr/>
+        </p:nvPicPr>
+        <p:blipFill>
+          <a:blip r:link="rId5"/>
+          <a:stretch>
+            <a:fillRect/>
+          </a:stretch>
+        </p:blipFill>
+        <p:spPr>
+          <a:xfrm>
+            <a:off x="6602800" y="51470"/>
+            <a:ext cx="2476500" cy="3409950"/>
           </a:xfrm>
           <a:prstGeom prst="rect">
             <a:avLst/>
@@ -19740,394 +19812,7 @@
     </p:spTree>
     <p:extLst>
       <p:ext uri="{BB962C8B-B14F-4D97-AF65-F5344CB8AC3E}">
-        <p14:creationId xmlns:p14="http://schemas.microsoft.com/office/powerpoint/2010/main" val="4206735828"/>
-      </p:ext>
-    </p:extLst>
-  </p:cSld>
-  <p:clrMapOvr>
-    <a:masterClrMapping/>
-  </p:clrMapOvr>
-  <p:timing>
-    <p:tnLst>
-      <p:par>
-        <p:cTn id="1" dur="indefinite" restart="never" nodeType="tmRoot">
-          <p:childTnLst>
-            <p:seq concurrent="1" nextAc="seek">
-              <p:cTn id="2" dur="indefinite" nodeType="mainSeq">
-                <p:childTnLst>
-                  <p:par>
-                    <p:cTn id="3" fill="hold">
-                      <p:stCondLst>
-                        <p:cond delay="indefinite"/>
-                      </p:stCondLst>
-                      <p:childTnLst>
-                        <p:par>
-                          <p:cTn id="4" fill="hold">
-                            <p:stCondLst>
-                              <p:cond delay="0"/>
-                            </p:stCondLst>
-                            <p:childTnLst>
-                              <p:par>
-                                <p:cTn id="5" presetID="1" presetClass="entr" presetSubtype="0" fill="hold" grpId="0" nodeType="clickEffect">
-                                  <p:stCondLst>
-                                    <p:cond delay="0"/>
-                                  </p:stCondLst>
-                                  <p:childTnLst>
-                                    <p:set>
-                                      <p:cBhvr>
-                                        <p:cTn id="6" dur="1" fill="hold">
-                                          <p:stCondLst>
-                                            <p:cond delay="0"/>
-                                          </p:stCondLst>
-                                        </p:cTn>
-                                        <p:tgtEl>
-                                          <p:spTgt spid="2">
-                                            <p:txEl>
-                                              <p:pRg st="0" end="0"/>
-                                            </p:txEl>
-                                          </p:spTgt>
-                                        </p:tgtEl>
-                                        <p:attrNameLst>
-                                          <p:attrName>style.visibility</p:attrName>
-                                        </p:attrNameLst>
-                                      </p:cBhvr>
-                                      <p:to>
-                                        <p:strVal val="visible"/>
-                                      </p:to>
-                                    </p:set>
-                                  </p:childTnLst>
-                                </p:cTn>
-                              </p:par>
-                            </p:childTnLst>
-                          </p:cTn>
-                        </p:par>
-                      </p:childTnLst>
-                    </p:cTn>
-                  </p:par>
-                </p:childTnLst>
-              </p:cTn>
-              <p:prevCondLst>
-                <p:cond evt="onPrev" delay="0">
-                  <p:tgtEl>
-                    <p:sldTgt/>
-                  </p:tgtEl>
-                </p:cond>
-              </p:prevCondLst>
-              <p:nextCondLst>
-                <p:cond evt="onNext" delay="0">
-                  <p:tgtEl>
-                    <p:sldTgt/>
-                  </p:tgtEl>
-                </p:cond>
-              </p:nextCondLst>
-            </p:seq>
-          </p:childTnLst>
-        </p:cTn>
-      </p:par>
-    </p:tnLst>
-    <p:bldLst>
-      <p:bldP spid="2" grpId="0" build="p" bldLvl="3"/>
-    </p:bldLst>
-  </p:timing>
-</p:sld>
-</file>
-
-<file path=ppt/slides/slide11.xml><?xml version="1.0" encoding="utf-8"?>
-<p:sld xmlns:a="http://schemas.openxmlformats.org/drawingml/2006/main" xmlns:r="http://schemas.openxmlformats.org/officeDocument/2006/relationships" xmlns:p="http://schemas.openxmlformats.org/presentationml/2006/main">
-  <p:cSld>
-    <p:spTree>
-      <p:nvGrpSpPr>
-        <p:cNvPr id="1" name=""/>
-        <p:cNvGrpSpPr/>
-        <p:nvPr/>
-      </p:nvGrpSpPr>
-      <p:grpSpPr>
-        <a:xfrm>
-          <a:off x="0" y="0"/>
-          <a:ext cx="0" cy="0"/>
-          <a:chOff x="0" y="0"/>
-          <a:chExt cx="0" cy="0"/>
-        </a:xfrm>
-      </p:grpSpPr>
-      <p:sp>
-        <p:nvSpPr>
-          <p:cNvPr id="8" name="Titre 7"/>
-          <p:cNvSpPr>
-            <a:spLocks noGrp="1"/>
-          </p:cNvSpPr>
-          <p:nvPr>
-            <p:ph type="title"/>
-          </p:nvPr>
-        </p:nvSpPr>
-        <p:spPr>
-          <a:xfrm>
-            <a:off x="359532" y="411163"/>
-            <a:ext cx="8533643" cy="540000"/>
-          </a:xfrm>
-        </p:spPr>
-        <p:txBody>
-          <a:bodyPr/>
-          <a:lstStyle/>
-          <a:p>
-            <a:r>
-              <a:rPr lang="fr-FR" dirty="0" smtClean="0"/>
-              <a:t>‘Turing </a:t>
-            </a:r>
-            <a:r>
-              <a:rPr lang="fr-FR" dirty="0" err="1" smtClean="0"/>
-              <a:t>completeness</a:t>
-            </a:r>
-            <a:r>
-              <a:rPr lang="fr-FR" dirty="0" smtClean="0"/>
-              <a:t>’</a:t>
-            </a:r>
-            <a:endParaRPr lang="fr-FR" dirty="0"/>
-          </a:p>
-        </p:txBody>
-      </p:sp>
-      <p:sp>
-        <p:nvSpPr>
-          <p:cNvPr id="10" name="Espace réservé de la date 9"/>
-          <p:cNvSpPr>
-            <a:spLocks noGrp="1"/>
-          </p:cNvSpPr>
-          <p:nvPr>
-            <p:ph type="dt" sz="half" idx="10"/>
-          </p:nvPr>
-        </p:nvSpPr>
-        <p:spPr/>
-        <p:txBody>
-          <a:bodyPr/>
-          <a:lstStyle/>
-          <a:p>
-            <a:r>
-              <a:rPr lang="fr-FR" smtClean="0"/>
-              <a:t>27 sept. 2019, Jean-Louis DUFOUR</a:t>
-            </a:r>
-            <a:endParaRPr lang="fr-FR" dirty="0"/>
-          </a:p>
-        </p:txBody>
-      </p:sp>
-      <p:sp>
-        <p:nvSpPr>
-          <p:cNvPr id="11" name="Espace réservé du pied de page 10"/>
-          <p:cNvSpPr>
-            <a:spLocks noGrp="1"/>
-          </p:cNvSpPr>
-          <p:nvPr>
-            <p:ph type="ftr" sz="quarter" idx="11"/>
-          </p:nvPr>
-        </p:nvSpPr>
-        <p:spPr/>
-        <p:txBody>
-          <a:bodyPr/>
-          <a:lstStyle/>
-          <a:p>
-            <a:pPr algn="l"/>
-            <a:r>
-              <a:rPr lang="en-US" dirty="0"/>
-              <a:t>Comment </a:t>
-            </a:r>
-            <a:r>
-              <a:rPr lang="en-US" dirty="0" err="1"/>
-              <a:t>réussir</a:t>
-            </a:r>
-            <a:r>
-              <a:rPr lang="en-US" dirty="0"/>
-              <a:t> </a:t>
-            </a:r>
-            <a:r>
-              <a:rPr lang="en-US" dirty="0" err="1"/>
-              <a:t>vos</a:t>
-            </a:r>
-            <a:r>
-              <a:rPr lang="en-US" dirty="0"/>
-              <a:t> </a:t>
-            </a:r>
-            <a:r>
-              <a:rPr lang="en-US" dirty="0" err="1"/>
-              <a:t>sudokus</a:t>
-            </a:r>
-            <a:r>
-              <a:rPr lang="en-US" dirty="0"/>
-              <a:t> ? </a:t>
-            </a:r>
-            <a:r>
-              <a:rPr lang="en-US" dirty="0" smtClean="0"/>
-              <a:t>[2ième </a:t>
-            </a:r>
-            <a:r>
-              <a:rPr lang="en-US" dirty="0" err="1" smtClean="0"/>
-              <a:t>partie</a:t>
-            </a:r>
-            <a:r>
-              <a:rPr lang="en-US" dirty="0" smtClean="0"/>
-              <a:t>] P </a:t>
-            </a:r>
-            <a:r>
-              <a:rPr lang="en-US" dirty="0" err="1" smtClean="0"/>
-              <a:t>est-il</a:t>
-            </a:r>
-            <a:r>
-              <a:rPr lang="en-US" dirty="0" smtClean="0"/>
-              <a:t> </a:t>
-            </a:r>
-            <a:r>
-              <a:rPr lang="en-US" dirty="0" err="1" smtClean="0"/>
-              <a:t>égal</a:t>
-            </a:r>
-            <a:r>
-              <a:rPr lang="en-US" dirty="0" smtClean="0"/>
-              <a:t> à NP ? </a:t>
-            </a:r>
-            <a:r>
-              <a:rPr lang="en-US" dirty="0"/>
-              <a:t>-- </a:t>
-            </a:r>
-            <a:r>
-              <a:rPr lang="en-US" dirty="0" smtClean="0"/>
-              <a:t>6 </a:t>
-            </a:r>
-            <a:r>
-              <a:rPr lang="en-US" dirty="0" err="1" smtClean="0"/>
-              <a:t>mai</a:t>
-            </a:r>
-            <a:r>
-              <a:rPr lang="en-US" dirty="0" smtClean="0"/>
-              <a:t> 2021, Jean-Louis DUFOUR</a:t>
-            </a:r>
-            <a:endParaRPr lang="fr-FR" dirty="0"/>
-          </a:p>
-        </p:txBody>
-      </p:sp>
-      <p:sp>
-        <p:nvSpPr>
-          <p:cNvPr id="12" name="Espace réservé du numéro de diapositive 11"/>
-          <p:cNvSpPr>
-            <a:spLocks noGrp="1"/>
-          </p:cNvSpPr>
-          <p:nvPr>
-            <p:ph type="sldNum" sz="quarter" idx="12"/>
-          </p:nvPr>
-        </p:nvSpPr>
-        <p:spPr/>
-        <p:txBody>
-          <a:bodyPr/>
-          <a:lstStyle/>
-          <a:p>
-            <a:fld id="{733122C9-A0B9-462F-8757-0847AD287B63}" type="slidenum">
-              <a:rPr lang="fr-FR" smtClean="0"/>
-              <a:pPr/>
-              <a:t>11</a:t>
-            </a:fld>
-            <a:endParaRPr lang="fr-FR" dirty="0"/>
-          </a:p>
-        </p:txBody>
-      </p:sp>
-      <p:sp>
-        <p:nvSpPr>
-          <p:cNvPr id="2" name="Espace réservé du contenu 1"/>
-          <p:cNvSpPr>
-            <a:spLocks noGrp="1"/>
-          </p:cNvSpPr>
-          <p:nvPr>
-            <p:ph idx="1"/>
-          </p:nvPr>
-        </p:nvSpPr>
-        <p:spPr>
-          <a:xfrm>
-            <a:off x="107504" y="1023578"/>
-            <a:ext cx="7452828" cy="3312368"/>
-          </a:xfrm>
-        </p:spPr>
-        <p:txBody>
-          <a:bodyPr/>
-          <a:lstStyle/>
-          <a:p>
-            <a:r>
-              <a:rPr lang="fr-FR" dirty="0" err="1" smtClean="0"/>
-              <a:t>Haskell</a:t>
-            </a:r>
-            <a:r>
-              <a:rPr lang="fr-FR" dirty="0" smtClean="0"/>
-              <a:t> == </a:t>
-            </a:r>
-            <a:r>
-              <a:rPr lang="fr-FR" dirty="0" err="1" smtClean="0"/>
-              <a:t>asm</a:t>
-            </a:r>
-            <a:r>
-              <a:rPr lang="fr-FR" dirty="0" smtClean="0"/>
-              <a:t> x86</a:t>
-            </a:r>
-          </a:p>
-          <a:p>
-            <a:endParaRPr lang="fr-FR" dirty="0"/>
-          </a:p>
-          <a:p>
-            <a:r>
-              <a:rPr lang="fr-FR" dirty="0" err="1" smtClean="0"/>
-              <a:t>Minecraft</a:t>
-            </a:r>
-            <a:endParaRPr lang="fr-FR" dirty="0" smtClean="0"/>
-          </a:p>
-          <a:p>
-            <a:endParaRPr lang="fr-FR" dirty="0"/>
-          </a:p>
-          <a:p>
-            <a:r>
-              <a:rPr lang="fr-FR" dirty="0" smtClean="0"/>
-              <a:t>CSS3 (+ user interaction)</a:t>
-            </a:r>
-          </a:p>
-          <a:p>
-            <a:pPr lvl="1"/>
-            <a:r>
-              <a:rPr lang="fr-FR" dirty="0" smtClean="0"/>
-              <a:t>Google « </a:t>
-            </a:r>
-            <a:r>
-              <a:rPr lang="en-US" dirty="0"/>
-              <a:t>css3-proven-to-be-turing-complete</a:t>
-            </a:r>
-            <a:r>
-              <a:rPr lang="fr-FR" dirty="0" smtClean="0"/>
-              <a:t> »</a:t>
-            </a:r>
-          </a:p>
-          <a:p>
-            <a:pPr lvl="1"/>
-            <a:r>
-              <a:rPr lang="fr-FR" dirty="0" smtClean="0"/>
-              <a:t>Un concepteur de page HTML5+CSS3 (sans </a:t>
-            </a:r>
-            <a:r>
-              <a:rPr lang="fr-FR" dirty="0" err="1" smtClean="0"/>
-              <a:t>Javascript</a:t>
-            </a:r>
-            <a:r>
-              <a:rPr lang="fr-FR" dirty="0" smtClean="0"/>
-              <a:t>) est PRESQUE un PROGRAMMEUR !!!</a:t>
-            </a:r>
-            <a:endParaRPr lang="fr-FR" dirty="0"/>
-          </a:p>
-          <a:p>
-            <a:pPr lvl="1"/>
-            <a:endParaRPr lang="fr-FR" dirty="0" smtClean="0"/>
-          </a:p>
-          <a:p>
-            <a:endParaRPr lang="fr-FR" i="1" u="sng" dirty="0">
-              <a:solidFill>
-                <a:srgbClr val="FF0000"/>
-              </a:solidFill>
-            </a:endParaRPr>
-          </a:p>
-        </p:txBody>
-      </p:sp>
-    </p:spTree>
-    <p:extLst>
-      <p:ext uri="{BB962C8B-B14F-4D97-AF65-F5344CB8AC3E}">
-        <p14:creationId xmlns:p14="http://schemas.microsoft.com/office/powerpoint/2010/main" val="3416661777"/>
+        <p14:creationId xmlns:p14="http://schemas.microsoft.com/office/powerpoint/2010/main" val="691368932"/>
       </p:ext>
     </p:extLst>
   </p:cSld>
@@ -20268,7 +19953,7 @@
                                         <p:tgtEl>
                                           <p:spTgt spid="2">
                                             <p:txEl>
-                                              <p:pRg st="4" end="4"/>
+                                              <p:pRg st="3" end="3"/>
                                             </p:txEl>
                                           </p:spTgt>
                                         </p:tgtEl>
@@ -20289,27 +19974,316 @@
                       </p:childTnLst>
                     </p:cTn>
                   </p:par>
+                </p:childTnLst>
+              </p:cTn>
+              <p:prevCondLst>
+                <p:cond evt="onPrev" delay="0">
+                  <p:tgtEl>
+                    <p:sldTgt/>
+                  </p:tgtEl>
+                </p:cond>
+              </p:prevCondLst>
+              <p:nextCondLst>
+                <p:cond evt="onNext" delay="0">
+                  <p:tgtEl>
+                    <p:sldTgt/>
+                  </p:tgtEl>
+                </p:cond>
+              </p:nextCondLst>
+            </p:seq>
+          </p:childTnLst>
+        </p:cTn>
+      </p:par>
+    </p:tnLst>
+    <p:bldLst>
+      <p:bldP spid="2" grpId="0" build="p" bldLvl="3"/>
+    </p:bldLst>
+  </p:timing>
+</p:sld>
+</file>
+
+<file path=ppt/slides/slide11.xml><?xml version="1.0" encoding="utf-8"?>
+<p:sld xmlns:a="http://schemas.openxmlformats.org/drawingml/2006/main" xmlns:r="http://schemas.openxmlformats.org/officeDocument/2006/relationships" xmlns:p="http://schemas.openxmlformats.org/presentationml/2006/main">
+  <p:cSld>
+    <p:spTree>
+      <p:nvGrpSpPr>
+        <p:cNvPr id="1" name=""/>
+        <p:cNvGrpSpPr/>
+        <p:nvPr/>
+      </p:nvGrpSpPr>
+      <p:grpSpPr>
+        <a:xfrm>
+          <a:off x="0" y="0"/>
+          <a:ext cx="0" cy="0"/>
+          <a:chOff x="0" y="0"/>
+          <a:chExt cx="0" cy="0"/>
+        </a:xfrm>
+      </p:grpSpPr>
+      <p:sp>
+        <p:nvSpPr>
+          <p:cNvPr id="8" name="Titre 7"/>
+          <p:cNvSpPr>
+            <a:spLocks noGrp="1"/>
+          </p:cNvSpPr>
+          <p:nvPr>
+            <p:ph type="title"/>
+          </p:nvPr>
+        </p:nvSpPr>
+        <p:spPr>
+          <a:xfrm>
+            <a:off x="359532" y="411163"/>
+            <a:ext cx="8533643" cy="540000"/>
+          </a:xfrm>
+        </p:spPr>
+        <p:txBody>
+          <a:bodyPr/>
+          <a:lstStyle/>
+          <a:p>
+            <a:r>
+              <a:rPr lang="fr-FR" dirty="0" smtClean="0"/>
+              <a:t>Que faire alors ?</a:t>
+            </a:r>
+            <a:endParaRPr lang="fr-FR" dirty="0"/>
+          </a:p>
+        </p:txBody>
+      </p:sp>
+      <p:sp>
+        <p:nvSpPr>
+          <p:cNvPr id="10" name="Espace réservé de la date 9"/>
+          <p:cNvSpPr>
+            <a:spLocks noGrp="1"/>
+          </p:cNvSpPr>
+          <p:nvPr>
+            <p:ph type="dt" sz="half" idx="10"/>
+          </p:nvPr>
+        </p:nvSpPr>
+        <p:spPr/>
+        <p:txBody>
+          <a:bodyPr/>
+          <a:lstStyle/>
+          <a:p>
+            <a:r>
+              <a:rPr lang="fr-FR" smtClean="0"/>
+              <a:t>27 sept. 2019, Jean-Louis DUFOUR</a:t>
+            </a:r>
+            <a:endParaRPr lang="fr-FR" dirty="0"/>
+          </a:p>
+        </p:txBody>
+      </p:sp>
+      <p:sp>
+        <p:nvSpPr>
+          <p:cNvPr id="11" name="Espace réservé du pied de page 10"/>
+          <p:cNvSpPr>
+            <a:spLocks noGrp="1"/>
+          </p:cNvSpPr>
+          <p:nvPr>
+            <p:ph type="ftr" sz="quarter" idx="11"/>
+          </p:nvPr>
+        </p:nvSpPr>
+        <p:spPr/>
+        <p:txBody>
+          <a:bodyPr/>
+          <a:lstStyle/>
+          <a:p>
+            <a:pPr algn="l"/>
+            <a:r>
+              <a:rPr lang="en-US" dirty="0"/>
+              <a:t>Comment </a:t>
+            </a:r>
+            <a:r>
+              <a:rPr lang="en-US" dirty="0" err="1"/>
+              <a:t>réussir</a:t>
+            </a:r>
+            <a:r>
+              <a:rPr lang="en-US" dirty="0"/>
+              <a:t> </a:t>
+            </a:r>
+            <a:r>
+              <a:rPr lang="en-US" dirty="0" err="1"/>
+              <a:t>vos</a:t>
+            </a:r>
+            <a:r>
+              <a:rPr lang="en-US" dirty="0"/>
+              <a:t> </a:t>
+            </a:r>
+            <a:r>
+              <a:rPr lang="en-US" dirty="0" err="1"/>
+              <a:t>sudokus</a:t>
+            </a:r>
+            <a:r>
+              <a:rPr lang="en-US" dirty="0"/>
+              <a:t> ? </a:t>
+            </a:r>
+            <a:r>
+              <a:rPr lang="en-US" dirty="0" smtClean="0"/>
+              <a:t>[2ième </a:t>
+            </a:r>
+            <a:r>
+              <a:rPr lang="en-US" dirty="0" err="1" smtClean="0"/>
+              <a:t>partie</a:t>
+            </a:r>
+            <a:r>
+              <a:rPr lang="en-US" dirty="0" smtClean="0"/>
+              <a:t>] P </a:t>
+            </a:r>
+            <a:r>
+              <a:rPr lang="en-US" dirty="0" err="1" smtClean="0"/>
+              <a:t>est-il</a:t>
+            </a:r>
+            <a:r>
+              <a:rPr lang="en-US" dirty="0" smtClean="0"/>
+              <a:t> </a:t>
+            </a:r>
+            <a:r>
+              <a:rPr lang="en-US" dirty="0" err="1" smtClean="0"/>
+              <a:t>égal</a:t>
+            </a:r>
+            <a:r>
+              <a:rPr lang="en-US" dirty="0" smtClean="0"/>
+              <a:t> à NP ? </a:t>
+            </a:r>
+            <a:r>
+              <a:rPr lang="en-US" dirty="0"/>
+              <a:t>-- </a:t>
+            </a:r>
+            <a:r>
+              <a:rPr lang="en-US" dirty="0" smtClean="0"/>
+              <a:t>6 </a:t>
+            </a:r>
+            <a:r>
+              <a:rPr lang="en-US" dirty="0" err="1" smtClean="0"/>
+              <a:t>mai</a:t>
+            </a:r>
+            <a:r>
+              <a:rPr lang="en-US" dirty="0" smtClean="0"/>
+              <a:t> 2021, Jean-Louis DUFOUR</a:t>
+            </a:r>
+            <a:endParaRPr lang="fr-FR" dirty="0"/>
+          </a:p>
+        </p:txBody>
+      </p:sp>
+      <p:sp>
+        <p:nvSpPr>
+          <p:cNvPr id="12" name="Espace réservé du numéro de diapositive 11"/>
+          <p:cNvSpPr>
+            <a:spLocks noGrp="1"/>
+          </p:cNvSpPr>
+          <p:nvPr>
+            <p:ph type="sldNum" sz="quarter" idx="12"/>
+          </p:nvPr>
+        </p:nvSpPr>
+        <p:spPr/>
+        <p:txBody>
+          <a:bodyPr/>
+          <a:lstStyle/>
+          <a:p>
+            <a:fld id="{733122C9-A0B9-462F-8757-0847AD287B63}" type="slidenum">
+              <a:rPr lang="fr-FR" smtClean="0"/>
+              <a:pPr/>
+              <a:t>11</a:t>
+            </a:fld>
+            <a:endParaRPr lang="fr-FR" dirty="0"/>
+          </a:p>
+        </p:txBody>
+      </p:sp>
+      <p:sp>
+        <p:nvSpPr>
+          <p:cNvPr id="2" name="Espace réservé du contenu 1"/>
+          <p:cNvSpPr>
+            <a:spLocks noGrp="1"/>
+          </p:cNvSpPr>
+          <p:nvPr>
+            <p:ph idx="1"/>
+          </p:nvPr>
+        </p:nvSpPr>
+        <p:spPr>
+          <a:xfrm>
+            <a:off x="611560" y="1815666"/>
+            <a:ext cx="4428491" cy="1575048"/>
+          </a:xfrm>
+        </p:spPr>
+        <p:txBody>
+          <a:bodyPr/>
+          <a:lstStyle/>
+          <a:p>
+            <a:r>
+              <a:rPr lang="fr-FR" dirty="0" smtClean="0"/>
+              <a:t>Cheap / </a:t>
+            </a:r>
+            <a:r>
+              <a:rPr lang="fr-FR" dirty="0" err="1" smtClean="0"/>
+              <a:t>Fast</a:t>
+            </a:r>
+            <a:r>
+              <a:rPr lang="fr-FR" dirty="0" smtClean="0"/>
+              <a:t> / </a:t>
+            </a:r>
+            <a:r>
+              <a:rPr lang="fr-FR" dirty="0" err="1" smtClean="0"/>
+              <a:t>Reliable</a:t>
+            </a:r>
+            <a:r>
+              <a:rPr lang="fr-FR" dirty="0" smtClean="0"/>
+              <a:t> : </a:t>
+            </a:r>
+            <a:r>
+              <a:rPr lang="fr-FR" dirty="0" err="1" smtClean="0"/>
+              <a:t>choose</a:t>
+            </a:r>
+            <a:r>
+              <a:rPr lang="fr-FR" dirty="0" smtClean="0"/>
+              <a:t> 2 ! </a:t>
+            </a:r>
+            <a:endParaRPr lang="fr-FR" dirty="0" smtClean="0"/>
+          </a:p>
+          <a:p>
+            <a:endParaRPr lang="fr-FR" i="1" u="sng" dirty="0">
+              <a:solidFill>
+                <a:srgbClr val="FF0000"/>
+              </a:solidFill>
+            </a:endParaRPr>
+          </a:p>
+        </p:txBody>
+      </p:sp>
+    </p:spTree>
+    <p:extLst>
+      <p:ext uri="{BB962C8B-B14F-4D97-AF65-F5344CB8AC3E}">
+        <p14:creationId xmlns:p14="http://schemas.microsoft.com/office/powerpoint/2010/main" val="1793782353"/>
+      </p:ext>
+    </p:extLst>
+  </p:cSld>
+  <p:clrMapOvr>
+    <a:masterClrMapping/>
+  </p:clrMapOvr>
+  <p:timing>
+    <p:tnLst>
+      <p:par>
+        <p:cTn id="1" dur="indefinite" restart="never" nodeType="tmRoot">
+          <p:childTnLst>
+            <p:seq concurrent="1" nextAc="seek">
+              <p:cTn id="2" dur="indefinite" nodeType="mainSeq">
+                <p:childTnLst>
                   <p:par>
-                    <p:cTn id="15" fill="hold">
+                    <p:cTn id="3" fill="hold">
                       <p:stCondLst>
                         <p:cond delay="indefinite"/>
                       </p:stCondLst>
                       <p:childTnLst>
                         <p:par>
-                          <p:cTn id="16" fill="hold">
+                          <p:cTn id="4" fill="hold">
                             <p:stCondLst>
                               <p:cond delay="0"/>
                             </p:stCondLst>
                             <p:childTnLst>
                               <p:par>
-                                <p:cTn id="17" presetID="1" presetClass="entr" presetSubtype="0" fill="hold" grpId="0" nodeType="clickEffect">
+                                <p:cTn id="5" presetID="1" presetClass="entr" presetSubtype="0" fill="hold" grpId="0" nodeType="clickEffect">
                                   <p:stCondLst>
                                     <p:cond delay="0"/>
                                   </p:stCondLst>
                                   <p:childTnLst>
                                     <p:set>
                                       <p:cBhvr>
-                                        <p:cTn id="18" dur="1" fill="hold">
+                                        <p:cTn id="6" dur="1" fill="hold">
                                           <p:stCondLst>
                                             <p:cond delay="0"/>
                                           </p:stCondLst>
@@ -20317,56 +20291,7 @@
                                         <p:tgtEl>
                                           <p:spTgt spid="2">
                                             <p:txEl>
-                                              <p:pRg st="5" end="5"/>
-                                            </p:txEl>
-                                          </p:spTgt>
-                                        </p:tgtEl>
-                                        <p:attrNameLst>
-                                          <p:attrName>style.visibility</p:attrName>
-                                        </p:attrNameLst>
-                                      </p:cBhvr>
-                                      <p:to>
-                                        <p:strVal val="visible"/>
-                                      </p:to>
-                                    </p:set>
-                                  </p:childTnLst>
-                                </p:cTn>
-                              </p:par>
-                            </p:childTnLst>
-                          </p:cTn>
-                        </p:par>
-                      </p:childTnLst>
-                    </p:cTn>
-                  </p:par>
-                  <p:par>
-                    <p:cTn id="19" fill="hold">
-                      <p:stCondLst>
-                        <p:cond delay="indefinite"/>
-                      </p:stCondLst>
-                      <p:childTnLst>
-                        <p:par>
-                          <p:cTn id="20" fill="hold">
-                            <p:stCondLst>
-                              <p:cond delay="0"/>
-                            </p:stCondLst>
-                            <p:childTnLst>
-                              <p:par>
-                                <p:cTn id="21" presetID="1" presetClass="entr" presetSubtype="0" fill="hold" grpId="0" nodeType="clickEffect">
-                                  <p:stCondLst>
-                                    <p:cond delay="0"/>
-                                  </p:stCondLst>
-                                  <p:childTnLst>
-                                    <p:set>
-                                      <p:cBhvr>
-                                        <p:cTn id="22" dur="1" fill="hold">
-                                          <p:stCondLst>
-                                            <p:cond delay="0"/>
-                                          </p:stCondLst>
-                                        </p:cTn>
-                                        <p:tgtEl>
-                                          <p:spTgt spid="2">
-                                            <p:txEl>
-                                              <p:pRg st="6" end="6"/>
+                                              <p:pRg st="0" end="0"/>
                                             </p:txEl>
                                           </p:spTgt>
                                         </p:tgtEl>
@@ -20453,12 +20378,8 @@
           <a:lstStyle/>
           <a:p>
             <a:r>
-              <a:rPr lang="fr-FR" dirty="0" smtClean="0"/>
-              <a:t>1953 : </a:t>
-            </a:r>
-            <a:r>
               <a:rPr lang="fr-FR" dirty="0" err="1" smtClean="0"/>
-              <a:t>Rice</a:t>
+              <a:t>References</a:t>
             </a:r>
             <a:endParaRPr lang="fr-FR" dirty="0"/>
           </a:p>
@@ -20615,7 +20536,7 @@
         </p:nvSpPr>
         <p:spPr>
           <a:xfrm>
-            <a:off x="35496" y="2760898"/>
+            <a:off x="575556" y="1992155"/>
             <a:ext cx="4428491" cy="1575048"/>
           </a:xfrm>
         </p:spPr>
@@ -20624,13 +20545,13 @@
           <a:lstStyle/>
           <a:p>
             <a:r>
+              <a:rPr lang="fr-FR" dirty="0" err="1" smtClean="0"/>
+              <a:t>Sipser</a:t>
+            </a:r>
+            <a:r>
               <a:rPr lang="fr-FR" dirty="0" smtClean="0"/>
-              <a:t>Fonction « A sens unique »</a:t>
-            </a:r>
-            <a:endParaRPr lang="fr-FR" dirty="0"/>
-          </a:p>
-          <a:p>
-            <a:pPr lvl="1"/>
+              <a:t>, Moore/Mertens, Martin </a:t>
+            </a:r>
             <a:endParaRPr lang="fr-FR" dirty="0" smtClean="0"/>
           </a:p>
           <a:p>
@@ -20645,7 +20566,7 @@
     </p:spTree>
     <p:extLst>
       <p:ext uri="{BB962C8B-B14F-4D97-AF65-F5344CB8AC3E}">
-        <p14:creationId xmlns:p14="http://schemas.microsoft.com/office/powerpoint/2010/main" val="2757221063"/>
+        <p14:creationId xmlns:p14="http://schemas.microsoft.com/office/powerpoint/2010/main" val="778088210"/>
       </p:ext>
     </p:extLst>
   </p:cSld>
@@ -20776,11 +20697,7 @@
           <a:p>
             <a:r>
               <a:rPr lang="fr-FR" dirty="0" smtClean="0"/>
-              <a:t>1971 : </a:t>
-            </a:r>
-            <a:r>
-              <a:rPr lang="fr-FR" dirty="0" err="1" smtClean="0"/>
-              <a:t>Matyiasevich</a:t>
+              <a:t>xx</a:t>
             </a:r>
             <a:endParaRPr lang="fr-FR" dirty="0"/>
           </a:p>
@@ -20937,7 +20854,7 @@
         </p:nvSpPr>
         <p:spPr>
           <a:xfrm>
-            <a:off x="35496" y="2760898"/>
+            <a:off x="107504" y="771550"/>
             <a:ext cx="4428491" cy="1575048"/>
           </a:xfrm>
         </p:spPr>
@@ -20947,13 +20864,8 @@
           <a:p>
             <a:r>
               <a:rPr lang="fr-FR" dirty="0" smtClean="0"/>
-              <a:t>Fonction « A sens unique »</a:t>
-            </a:r>
-            <a:endParaRPr lang="fr-FR" dirty="0"/>
-          </a:p>
-          <a:p>
-            <a:pPr lvl="1"/>
-            <a:endParaRPr lang="fr-FR" dirty="0" smtClean="0"/>
+              <a:t>xx </a:t>
+            </a:r>
           </a:p>
           <a:p>
             <a:endParaRPr lang="fr-FR" i="1" u="sng" dirty="0">
@@ -20964,106 +20876,10 @@
           </a:p>
         </p:txBody>
       </p:sp>
-      <p:pic>
-        <p:nvPicPr>
-          <p:cNvPr id="3" name="Image 2"/>
-          <p:cNvPicPr>
-            <a:picLocks noChangeAspect="1"/>
-          </p:cNvPicPr>
-          <p:nvPr/>
-        </p:nvPicPr>
-        <p:blipFill>
-          <a:blip r:link="rId2"/>
-          <a:stretch>
-            <a:fillRect/>
-          </a:stretch>
-        </p:blipFill>
-        <p:spPr>
-          <a:xfrm>
-            <a:off x="2809813" y="3327834"/>
-            <a:ext cx="1905000" cy="1362075"/>
-          </a:xfrm>
-          <a:prstGeom prst="rect">
-            <a:avLst/>
-          </a:prstGeom>
-        </p:spPr>
-      </p:pic>
-      <p:pic>
-        <p:nvPicPr>
-          <p:cNvPr id="4" name="Image 3"/>
-          <p:cNvPicPr>
-            <a:picLocks noChangeAspect="1"/>
-          </p:cNvPicPr>
-          <p:nvPr/>
-        </p:nvPicPr>
-        <p:blipFill>
-          <a:blip r:link="rId3"/>
-          <a:stretch>
-            <a:fillRect/>
-          </a:stretch>
-        </p:blipFill>
-        <p:spPr>
-          <a:xfrm>
-            <a:off x="4507300" y="1970757"/>
-            <a:ext cx="2095500" cy="2981325"/>
-          </a:xfrm>
-          <a:prstGeom prst="rect">
-            <a:avLst/>
-          </a:prstGeom>
-        </p:spPr>
-      </p:pic>
-      <p:pic>
-        <p:nvPicPr>
-          <p:cNvPr id="6" name="Image 5"/>
-          <p:cNvPicPr>
-            <a:picLocks noChangeAspect="1"/>
-          </p:cNvPicPr>
-          <p:nvPr/>
-        </p:nvPicPr>
-        <p:blipFill>
-          <a:blip r:link="rId4"/>
-          <a:stretch>
-            <a:fillRect/>
-          </a:stretch>
-        </p:blipFill>
-        <p:spPr>
-          <a:xfrm>
-            <a:off x="3912800" y="116131"/>
-            <a:ext cx="2540000" cy="1739900"/>
-          </a:xfrm>
-          <a:prstGeom prst="rect">
-            <a:avLst/>
-          </a:prstGeom>
-        </p:spPr>
-      </p:pic>
-      <p:pic>
-        <p:nvPicPr>
-          <p:cNvPr id="7" name="Image 6"/>
-          <p:cNvPicPr>
-            <a:picLocks noChangeAspect="1"/>
-          </p:cNvPicPr>
-          <p:nvPr/>
-        </p:nvPicPr>
-        <p:blipFill>
-          <a:blip r:link="rId5"/>
-          <a:stretch>
-            <a:fillRect/>
-          </a:stretch>
-        </p:blipFill>
-        <p:spPr>
-          <a:xfrm>
-            <a:off x="6602800" y="51470"/>
-            <a:ext cx="2476500" cy="3409950"/>
-          </a:xfrm>
-          <a:prstGeom prst="rect">
-            <a:avLst/>
-          </a:prstGeom>
-        </p:spPr>
-      </p:pic>
     </p:spTree>
     <p:extLst>
       <p:ext uri="{BB962C8B-B14F-4D97-AF65-F5344CB8AC3E}">
-        <p14:creationId xmlns:p14="http://schemas.microsoft.com/office/powerpoint/2010/main" val="691368932"/>
+        <p14:creationId xmlns:p14="http://schemas.microsoft.com/office/powerpoint/2010/main" val="1318023808"/>
       </p:ext>
     </p:extLst>
   </p:cSld>
@@ -21194,7 +21010,7 @@
           <a:p>
             <a:r>
               <a:rPr lang="fr-FR" dirty="0" smtClean="0"/>
-              <a:t>xx</a:t>
+              <a:t>Annexe : preuve alternative du th. D’incomplétude</a:t>
             </a:r>
             <a:endParaRPr lang="fr-FR" dirty="0"/>
           </a:p>
@@ -21334,945 +21150,6 @@
               <a:rPr lang="fr-FR" smtClean="0"/>
               <a:pPr/>
               <a:t>14</a:t>
-            </a:fld>
-            <a:endParaRPr lang="fr-FR" dirty="0"/>
-          </a:p>
-        </p:txBody>
-      </p:sp>
-      <p:sp>
-        <p:nvSpPr>
-          <p:cNvPr id="2" name="Espace réservé du contenu 1"/>
-          <p:cNvSpPr>
-            <a:spLocks noGrp="1"/>
-          </p:cNvSpPr>
-          <p:nvPr>
-            <p:ph idx="1"/>
-          </p:nvPr>
-        </p:nvSpPr>
-        <p:spPr>
-          <a:xfrm>
-            <a:off x="107504" y="771550"/>
-            <a:ext cx="4428491" cy="1575048"/>
-          </a:xfrm>
-        </p:spPr>
-        <p:txBody>
-          <a:bodyPr/>
-          <a:lstStyle/>
-          <a:p>
-            <a:r>
-              <a:rPr lang="fr-FR" dirty="0" smtClean="0"/>
-              <a:t>xx </a:t>
-            </a:r>
-          </a:p>
-          <a:p>
-            <a:endParaRPr lang="fr-FR" i="1" u="sng" dirty="0">
-              <a:solidFill>
-                <a:srgbClr val="FF0000"/>
-              </a:solidFill>
-            </a:endParaRPr>
-          </a:p>
-        </p:txBody>
-      </p:sp>
-    </p:spTree>
-    <p:extLst>
-      <p:ext uri="{BB962C8B-B14F-4D97-AF65-F5344CB8AC3E}">
-        <p14:creationId xmlns:p14="http://schemas.microsoft.com/office/powerpoint/2010/main" val="1793782353"/>
-      </p:ext>
-    </p:extLst>
-  </p:cSld>
-  <p:clrMapOvr>
-    <a:masterClrMapping/>
-  </p:clrMapOvr>
-  <p:timing>
-    <p:tnLst>
-      <p:par>
-        <p:cTn id="1" dur="indefinite" restart="never" nodeType="tmRoot">
-          <p:childTnLst>
-            <p:seq concurrent="1" nextAc="seek">
-              <p:cTn id="2" dur="indefinite" nodeType="mainSeq">
-                <p:childTnLst>
-                  <p:par>
-                    <p:cTn id="3" fill="hold">
-                      <p:stCondLst>
-                        <p:cond delay="indefinite"/>
-                      </p:stCondLst>
-                      <p:childTnLst>
-                        <p:par>
-                          <p:cTn id="4" fill="hold">
-                            <p:stCondLst>
-                              <p:cond delay="0"/>
-                            </p:stCondLst>
-                            <p:childTnLst>
-                              <p:par>
-                                <p:cTn id="5" presetID="1" presetClass="entr" presetSubtype="0" fill="hold" grpId="0" nodeType="clickEffect">
-                                  <p:stCondLst>
-                                    <p:cond delay="0"/>
-                                  </p:stCondLst>
-                                  <p:childTnLst>
-                                    <p:set>
-                                      <p:cBhvr>
-                                        <p:cTn id="6" dur="1" fill="hold">
-                                          <p:stCondLst>
-                                            <p:cond delay="0"/>
-                                          </p:stCondLst>
-                                        </p:cTn>
-                                        <p:tgtEl>
-                                          <p:spTgt spid="2">
-                                            <p:txEl>
-                                              <p:pRg st="0" end="0"/>
-                                            </p:txEl>
-                                          </p:spTgt>
-                                        </p:tgtEl>
-                                        <p:attrNameLst>
-                                          <p:attrName>style.visibility</p:attrName>
-                                        </p:attrNameLst>
-                                      </p:cBhvr>
-                                      <p:to>
-                                        <p:strVal val="visible"/>
-                                      </p:to>
-                                    </p:set>
-                                  </p:childTnLst>
-                                </p:cTn>
-                              </p:par>
-                            </p:childTnLst>
-                          </p:cTn>
-                        </p:par>
-                      </p:childTnLst>
-                    </p:cTn>
-                  </p:par>
-                </p:childTnLst>
-              </p:cTn>
-              <p:prevCondLst>
-                <p:cond evt="onPrev" delay="0">
-                  <p:tgtEl>
-                    <p:sldTgt/>
-                  </p:tgtEl>
-                </p:cond>
-              </p:prevCondLst>
-              <p:nextCondLst>
-                <p:cond evt="onNext" delay="0">
-                  <p:tgtEl>
-                    <p:sldTgt/>
-                  </p:tgtEl>
-                </p:cond>
-              </p:nextCondLst>
-            </p:seq>
-          </p:childTnLst>
-        </p:cTn>
-      </p:par>
-    </p:tnLst>
-    <p:bldLst>
-      <p:bldP spid="2" grpId="0" build="p" bldLvl="3"/>
-    </p:bldLst>
-  </p:timing>
-</p:sld>
-</file>
-
-<file path=ppt/slides/slide15.xml><?xml version="1.0" encoding="utf-8"?>
-<p:sld xmlns:a="http://schemas.openxmlformats.org/drawingml/2006/main" xmlns:r="http://schemas.openxmlformats.org/officeDocument/2006/relationships" xmlns:p="http://schemas.openxmlformats.org/presentationml/2006/main">
-  <p:cSld>
-    <p:spTree>
-      <p:nvGrpSpPr>
-        <p:cNvPr id="1" name=""/>
-        <p:cNvGrpSpPr/>
-        <p:nvPr/>
-      </p:nvGrpSpPr>
-      <p:grpSpPr>
-        <a:xfrm>
-          <a:off x="0" y="0"/>
-          <a:ext cx="0" cy="0"/>
-          <a:chOff x="0" y="0"/>
-          <a:chExt cx="0" cy="0"/>
-        </a:xfrm>
-      </p:grpSpPr>
-      <p:sp>
-        <p:nvSpPr>
-          <p:cNvPr id="8" name="Titre 7"/>
-          <p:cNvSpPr>
-            <a:spLocks noGrp="1"/>
-          </p:cNvSpPr>
-          <p:nvPr>
-            <p:ph type="title"/>
-          </p:nvPr>
-        </p:nvSpPr>
-        <p:spPr>
-          <a:xfrm>
-            <a:off x="359532" y="411163"/>
-            <a:ext cx="8533643" cy="540000"/>
-          </a:xfrm>
-        </p:spPr>
-        <p:txBody>
-          <a:bodyPr/>
-          <a:lstStyle/>
-          <a:p>
-            <a:r>
-              <a:rPr lang="fr-FR" dirty="0" smtClean="0"/>
-              <a:t>xx</a:t>
-            </a:r>
-            <a:endParaRPr lang="fr-FR" dirty="0"/>
-          </a:p>
-        </p:txBody>
-      </p:sp>
-      <p:sp>
-        <p:nvSpPr>
-          <p:cNvPr id="10" name="Espace réservé de la date 9"/>
-          <p:cNvSpPr>
-            <a:spLocks noGrp="1"/>
-          </p:cNvSpPr>
-          <p:nvPr>
-            <p:ph type="dt" sz="half" idx="10"/>
-          </p:nvPr>
-        </p:nvSpPr>
-        <p:spPr/>
-        <p:txBody>
-          <a:bodyPr/>
-          <a:lstStyle/>
-          <a:p>
-            <a:r>
-              <a:rPr lang="fr-FR" smtClean="0"/>
-              <a:t>27 sept. 2019, Jean-Louis DUFOUR</a:t>
-            </a:r>
-            <a:endParaRPr lang="fr-FR" dirty="0"/>
-          </a:p>
-        </p:txBody>
-      </p:sp>
-      <p:sp>
-        <p:nvSpPr>
-          <p:cNvPr id="11" name="Espace réservé du pied de page 10"/>
-          <p:cNvSpPr>
-            <a:spLocks noGrp="1"/>
-          </p:cNvSpPr>
-          <p:nvPr>
-            <p:ph type="ftr" sz="quarter" idx="11"/>
-          </p:nvPr>
-        </p:nvSpPr>
-        <p:spPr/>
-        <p:txBody>
-          <a:bodyPr/>
-          <a:lstStyle/>
-          <a:p>
-            <a:pPr algn="l"/>
-            <a:r>
-              <a:rPr lang="en-US" dirty="0"/>
-              <a:t>Comment </a:t>
-            </a:r>
-            <a:r>
-              <a:rPr lang="en-US" dirty="0" err="1"/>
-              <a:t>réussir</a:t>
-            </a:r>
-            <a:r>
-              <a:rPr lang="en-US" dirty="0"/>
-              <a:t> </a:t>
-            </a:r>
-            <a:r>
-              <a:rPr lang="en-US" dirty="0" err="1"/>
-              <a:t>vos</a:t>
-            </a:r>
-            <a:r>
-              <a:rPr lang="en-US" dirty="0"/>
-              <a:t> </a:t>
-            </a:r>
-            <a:r>
-              <a:rPr lang="en-US" dirty="0" err="1"/>
-              <a:t>sudokus</a:t>
-            </a:r>
-            <a:r>
-              <a:rPr lang="en-US" dirty="0"/>
-              <a:t> ? </a:t>
-            </a:r>
-            <a:r>
-              <a:rPr lang="en-US" dirty="0" smtClean="0"/>
-              <a:t>[2ième </a:t>
-            </a:r>
-            <a:r>
-              <a:rPr lang="en-US" dirty="0" err="1" smtClean="0"/>
-              <a:t>partie</a:t>
-            </a:r>
-            <a:r>
-              <a:rPr lang="en-US" dirty="0" smtClean="0"/>
-              <a:t>] P </a:t>
-            </a:r>
-            <a:r>
-              <a:rPr lang="en-US" dirty="0" err="1" smtClean="0"/>
-              <a:t>est-il</a:t>
-            </a:r>
-            <a:r>
-              <a:rPr lang="en-US" dirty="0" smtClean="0"/>
-              <a:t> </a:t>
-            </a:r>
-            <a:r>
-              <a:rPr lang="en-US" dirty="0" err="1" smtClean="0"/>
-              <a:t>égal</a:t>
-            </a:r>
-            <a:r>
-              <a:rPr lang="en-US" dirty="0" smtClean="0"/>
-              <a:t> à NP ? </a:t>
-            </a:r>
-            <a:r>
-              <a:rPr lang="en-US" dirty="0"/>
-              <a:t>-- </a:t>
-            </a:r>
-            <a:r>
-              <a:rPr lang="en-US" dirty="0" smtClean="0"/>
-              <a:t>6 </a:t>
-            </a:r>
-            <a:r>
-              <a:rPr lang="en-US" dirty="0" err="1" smtClean="0"/>
-              <a:t>mai</a:t>
-            </a:r>
-            <a:r>
-              <a:rPr lang="en-US" dirty="0" smtClean="0"/>
-              <a:t> 2021, Jean-Louis DUFOUR</a:t>
-            </a:r>
-            <a:endParaRPr lang="fr-FR" dirty="0"/>
-          </a:p>
-        </p:txBody>
-      </p:sp>
-      <p:sp>
-        <p:nvSpPr>
-          <p:cNvPr id="12" name="Espace réservé du numéro de diapositive 11"/>
-          <p:cNvSpPr>
-            <a:spLocks noGrp="1"/>
-          </p:cNvSpPr>
-          <p:nvPr>
-            <p:ph type="sldNum" sz="quarter" idx="12"/>
-          </p:nvPr>
-        </p:nvSpPr>
-        <p:spPr/>
-        <p:txBody>
-          <a:bodyPr/>
-          <a:lstStyle/>
-          <a:p>
-            <a:fld id="{733122C9-A0B9-462F-8757-0847AD287B63}" type="slidenum">
-              <a:rPr lang="fr-FR" smtClean="0"/>
-              <a:pPr/>
-              <a:t>15</a:t>
-            </a:fld>
-            <a:endParaRPr lang="fr-FR" dirty="0"/>
-          </a:p>
-        </p:txBody>
-      </p:sp>
-      <p:sp>
-        <p:nvSpPr>
-          <p:cNvPr id="2" name="Espace réservé du contenu 1"/>
-          <p:cNvSpPr>
-            <a:spLocks noGrp="1"/>
-          </p:cNvSpPr>
-          <p:nvPr>
-            <p:ph idx="1"/>
-          </p:nvPr>
-        </p:nvSpPr>
-        <p:spPr>
-          <a:xfrm>
-            <a:off x="107504" y="771550"/>
-            <a:ext cx="4428491" cy="1575048"/>
-          </a:xfrm>
-        </p:spPr>
-        <p:txBody>
-          <a:bodyPr/>
-          <a:lstStyle/>
-          <a:p>
-            <a:r>
-              <a:rPr lang="fr-FR" dirty="0" smtClean="0"/>
-              <a:t>xx </a:t>
-            </a:r>
-          </a:p>
-          <a:p>
-            <a:endParaRPr lang="fr-FR" i="1" u="sng" dirty="0">
-              <a:solidFill>
-                <a:srgbClr val="FF0000"/>
-              </a:solidFill>
-            </a:endParaRPr>
-          </a:p>
-        </p:txBody>
-      </p:sp>
-    </p:spTree>
-    <p:extLst>
-      <p:ext uri="{BB962C8B-B14F-4D97-AF65-F5344CB8AC3E}">
-        <p14:creationId xmlns:p14="http://schemas.microsoft.com/office/powerpoint/2010/main" val="778088210"/>
-      </p:ext>
-    </p:extLst>
-  </p:cSld>
-  <p:clrMapOvr>
-    <a:masterClrMapping/>
-  </p:clrMapOvr>
-  <p:timing>
-    <p:tnLst>
-      <p:par>
-        <p:cTn id="1" dur="indefinite" restart="never" nodeType="tmRoot">
-          <p:childTnLst>
-            <p:seq concurrent="1" nextAc="seek">
-              <p:cTn id="2" dur="indefinite" nodeType="mainSeq">
-                <p:childTnLst>
-                  <p:par>
-                    <p:cTn id="3" fill="hold">
-                      <p:stCondLst>
-                        <p:cond delay="indefinite"/>
-                      </p:stCondLst>
-                      <p:childTnLst>
-                        <p:par>
-                          <p:cTn id="4" fill="hold">
-                            <p:stCondLst>
-                              <p:cond delay="0"/>
-                            </p:stCondLst>
-                            <p:childTnLst>
-                              <p:par>
-                                <p:cTn id="5" presetID="1" presetClass="entr" presetSubtype="0" fill="hold" grpId="0" nodeType="clickEffect">
-                                  <p:stCondLst>
-                                    <p:cond delay="0"/>
-                                  </p:stCondLst>
-                                  <p:childTnLst>
-                                    <p:set>
-                                      <p:cBhvr>
-                                        <p:cTn id="6" dur="1" fill="hold">
-                                          <p:stCondLst>
-                                            <p:cond delay="0"/>
-                                          </p:stCondLst>
-                                        </p:cTn>
-                                        <p:tgtEl>
-                                          <p:spTgt spid="2">
-                                            <p:txEl>
-                                              <p:pRg st="0" end="0"/>
-                                            </p:txEl>
-                                          </p:spTgt>
-                                        </p:tgtEl>
-                                        <p:attrNameLst>
-                                          <p:attrName>style.visibility</p:attrName>
-                                        </p:attrNameLst>
-                                      </p:cBhvr>
-                                      <p:to>
-                                        <p:strVal val="visible"/>
-                                      </p:to>
-                                    </p:set>
-                                  </p:childTnLst>
-                                </p:cTn>
-                              </p:par>
-                            </p:childTnLst>
-                          </p:cTn>
-                        </p:par>
-                      </p:childTnLst>
-                    </p:cTn>
-                  </p:par>
-                </p:childTnLst>
-              </p:cTn>
-              <p:prevCondLst>
-                <p:cond evt="onPrev" delay="0">
-                  <p:tgtEl>
-                    <p:sldTgt/>
-                  </p:tgtEl>
-                </p:cond>
-              </p:prevCondLst>
-              <p:nextCondLst>
-                <p:cond evt="onNext" delay="0">
-                  <p:tgtEl>
-                    <p:sldTgt/>
-                  </p:tgtEl>
-                </p:cond>
-              </p:nextCondLst>
-            </p:seq>
-          </p:childTnLst>
-        </p:cTn>
-      </p:par>
-    </p:tnLst>
-    <p:bldLst>
-      <p:bldP spid="2" grpId="0" build="p" bldLvl="3"/>
-    </p:bldLst>
-  </p:timing>
-</p:sld>
-</file>
-
-<file path=ppt/slides/slide16.xml><?xml version="1.0" encoding="utf-8"?>
-<p:sld xmlns:a="http://schemas.openxmlformats.org/drawingml/2006/main" xmlns:r="http://schemas.openxmlformats.org/officeDocument/2006/relationships" xmlns:p="http://schemas.openxmlformats.org/presentationml/2006/main">
-  <p:cSld>
-    <p:spTree>
-      <p:nvGrpSpPr>
-        <p:cNvPr id="1" name=""/>
-        <p:cNvGrpSpPr/>
-        <p:nvPr/>
-      </p:nvGrpSpPr>
-      <p:grpSpPr>
-        <a:xfrm>
-          <a:off x="0" y="0"/>
-          <a:ext cx="0" cy="0"/>
-          <a:chOff x="0" y="0"/>
-          <a:chExt cx="0" cy="0"/>
-        </a:xfrm>
-      </p:grpSpPr>
-      <p:sp>
-        <p:nvSpPr>
-          <p:cNvPr id="8" name="Titre 7"/>
-          <p:cNvSpPr>
-            <a:spLocks noGrp="1"/>
-          </p:cNvSpPr>
-          <p:nvPr>
-            <p:ph type="title"/>
-          </p:nvPr>
-        </p:nvSpPr>
-        <p:spPr>
-          <a:xfrm>
-            <a:off x="359532" y="411163"/>
-            <a:ext cx="8533643" cy="540000"/>
-          </a:xfrm>
-        </p:spPr>
-        <p:txBody>
-          <a:bodyPr/>
-          <a:lstStyle/>
-          <a:p>
-            <a:r>
-              <a:rPr lang="fr-FR" dirty="0" smtClean="0"/>
-              <a:t>xx</a:t>
-            </a:r>
-            <a:endParaRPr lang="fr-FR" dirty="0"/>
-          </a:p>
-        </p:txBody>
-      </p:sp>
-      <p:sp>
-        <p:nvSpPr>
-          <p:cNvPr id="10" name="Espace réservé de la date 9"/>
-          <p:cNvSpPr>
-            <a:spLocks noGrp="1"/>
-          </p:cNvSpPr>
-          <p:nvPr>
-            <p:ph type="dt" sz="half" idx="10"/>
-          </p:nvPr>
-        </p:nvSpPr>
-        <p:spPr/>
-        <p:txBody>
-          <a:bodyPr/>
-          <a:lstStyle/>
-          <a:p>
-            <a:r>
-              <a:rPr lang="fr-FR" smtClean="0"/>
-              <a:t>27 sept. 2019, Jean-Louis DUFOUR</a:t>
-            </a:r>
-            <a:endParaRPr lang="fr-FR" dirty="0"/>
-          </a:p>
-        </p:txBody>
-      </p:sp>
-      <p:sp>
-        <p:nvSpPr>
-          <p:cNvPr id="11" name="Espace réservé du pied de page 10"/>
-          <p:cNvSpPr>
-            <a:spLocks noGrp="1"/>
-          </p:cNvSpPr>
-          <p:nvPr>
-            <p:ph type="ftr" sz="quarter" idx="11"/>
-          </p:nvPr>
-        </p:nvSpPr>
-        <p:spPr/>
-        <p:txBody>
-          <a:bodyPr/>
-          <a:lstStyle/>
-          <a:p>
-            <a:pPr algn="l"/>
-            <a:r>
-              <a:rPr lang="en-US" dirty="0"/>
-              <a:t>Comment </a:t>
-            </a:r>
-            <a:r>
-              <a:rPr lang="en-US" dirty="0" err="1"/>
-              <a:t>réussir</a:t>
-            </a:r>
-            <a:r>
-              <a:rPr lang="en-US" dirty="0"/>
-              <a:t> </a:t>
-            </a:r>
-            <a:r>
-              <a:rPr lang="en-US" dirty="0" err="1"/>
-              <a:t>vos</a:t>
-            </a:r>
-            <a:r>
-              <a:rPr lang="en-US" dirty="0"/>
-              <a:t> </a:t>
-            </a:r>
-            <a:r>
-              <a:rPr lang="en-US" dirty="0" err="1"/>
-              <a:t>sudokus</a:t>
-            </a:r>
-            <a:r>
-              <a:rPr lang="en-US" dirty="0"/>
-              <a:t> ? </a:t>
-            </a:r>
-            <a:r>
-              <a:rPr lang="en-US" dirty="0" smtClean="0"/>
-              <a:t>[2ième </a:t>
-            </a:r>
-            <a:r>
-              <a:rPr lang="en-US" dirty="0" err="1" smtClean="0"/>
-              <a:t>partie</a:t>
-            </a:r>
-            <a:r>
-              <a:rPr lang="en-US" dirty="0" smtClean="0"/>
-              <a:t>] P </a:t>
-            </a:r>
-            <a:r>
-              <a:rPr lang="en-US" dirty="0" err="1" smtClean="0"/>
-              <a:t>est-il</a:t>
-            </a:r>
-            <a:r>
-              <a:rPr lang="en-US" dirty="0" smtClean="0"/>
-              <a:t> </a:t>
-            </a:r>
-            <a:r>
-              <a:rPr lang="en-US" dirty="0" err="1" smtClean="0"/>
-              <a:t>égal</a:t>
-            </a:r>
-            <a:r>
-              <a:rPr lang="en-US" dirty="0" smtClean="0"/>
-              <a:t> à NP ? </a:t>
-            </a:r>
-            <a:r>
-              <a:rPr lang="en-US" dirty="0"/>
-              <a:t>-- </a:t>
-            </a:r>
-            <a:r>
-              <a:rPr lang="en-US" dirty="0" smtClean="0"/>
-              <a:t>6 </a:t>
-            </a:r>
-            <a:r>
-              <a:rPr lang="en-US" dirty="0" err="1" smtClean="0"/>
-              <a:t>mai</a:t>
-            </a:r>
-            <a:r>
-              <a:rPr lang="en-US" dirty="0" smtClean="0"/>
-              <a:t> 2021, Jean-Louis DUFOUR</a:t>
-            </a:r>
-            <a:endParaRPr lang="fr-FR" dirty="0"/>
-          </a:p>
-        </p:txBody>
-      </p:sp>
-      <p:sp>
-        <p:nvSpPr>
-          <p:cNvPr id="12" name="Espace réservé du numéro de diapositive 11"/>
-          <p:cNvSpPr>
-            <a:spLocks noGrp="1"/>
-          </p:cNvSpPr>
-          <p:nvPr>
-            <p:ph type="sldNum" sz="quarter" idx="12"/>
-          </p:nvPr>
-        </p:nvSpPr>
-        <p:spPr/>
-        <p:txBody>
-          <a:bodyPr/>
-          <a:lstStyle/>
-          <a:p>
-            <a:fld id="{733122C9-A0B9-462F-8757-0847AD287B63}" type="slidenum">
-              <a:rPr lang="fr-FR" smtClean="0"/>
-              <a:pPr/>
-              <a:t>16</a:t>
-            </a:fld>
-            <a:endParaRPr lang="fr-FR" dirty="0"/>
-          </a:p>
-        </p:txBody>
-      </p:sp>
-      <p:sp>
-        <p:nvSpPr>
-          <p:cNvPr id="2" name="Espace réservé du contenu 1"/>
-          <p:cNvSpPr>
-            <a:spLocks noGrp="1"/>
-          </p:cNvSpPr>
-          <p:nvPr>
-            <p:ph idx="1"/>
-          </p:nvPr>
-        </p:nvSpPr>
-        <p:spPr>
-          <a:xfrm>
-            <a:off x="107504" y="771550"/>
-            <a:ext cx="4428491" cy="1575048"/>
-          </a:xfrm>
-        </p:spPr>
-        <p:txBody>
-          <a:bodyPr/>
-          <a:lstStyle/>
-          <a:p>
-            <a:r>
-              <a:rPr lang="fr-FR" dirty="0" smtClean="0"/>
-              <a:t>xx </a:t>
-            </a:r>
-          </a:p>
-          <a:p>
-            <a:endParaRPr lang="fr-FR" i="1" u="sng" dirty="0">
-              <a:solidFill>
-                <a:srgbClr val="FF0000"/>
-              </a:solidFill>
-            </a:endParaRPr>
-          </a:p>
-        </p:txBody>
-      </p:sp>
-    </p:spTree>
-    <p:extLst>
-      <p:ext uri="{BB962C8B-B14F-4D97-AF65-F5344CB8AC3E}">
-        <p14:creationId xmlns:p14="http://schemas.microsoft.com/office/powerpoint/2010/main" val="1318023808"/>
-      </p:ext>
-    </p:extLst>
-  </p:cSld>
-  <p:clrMapOvr>
-    <a:masterClrMapping/>
-  </p:clrMapOvr>
-  <p:timing>
-    <p:tnLst>
-      <p:par>
-        <p:cTn id="1" dur="indefinite" restart="never" nodeType="tmRoot">
-          <p:childTnLst>
-            <p:seq concurrent="1" nextAc="seek">
-              <p:cTn id="2" dur="indefinite" nodeType="mainSeq">
-                <p:childTnLst>
-                  <p:par>
-                    <p:cTn id="3" fill="hold">
-                      <p:stCondLst>
-                        <p:cond delay="indefinite"/>
-                      </p:stCondLst>
-                      <p:childTnLst>
-                        <p:par>
-                          <p:cTn id="4" fill="hold">
-                            <p:stCondLst>
-                              <p:cond delay="0"/>
-                            </p:stCondLst>
-                            <p:childTnLst>
-                              <p:par>
-                                <p:cTn id="5" presetID="1" presetClass="entr" presetSubtype="0" fill="hold" grpId="0" nodeType="clickEffect">
-                                  <p:stCondLst>
-                                    <p:cond delay="0"/>
-                                  </p:stCondLst>
-                                  <p:childTnLst>
-                                    <p:set>
-                                      <p:cBhvr>
-                                        <p:cTn id="6" dur="1" fill="hold">
-                                          <p:stCondLst>
-                                            <p:cond delay="0"/>
-                                          </p:stCondLst>
-                                        </p:cTn>
-                                        <p:tgtEl>
-                                          <p:spTgt spid="2">
-                                            <p:txEl>
-                                              <p:pRg st="0" end="0"/>
-                                            </p:txEl>
-                                          </p:spTgt>
-                                        </p:tgtEl>
-                                        <p:attrNameLst>
-                                          <p:attrName>style.visibility</p:attrName>
-                                        </p:attrNameLst>
-                                      </p:cBhvr>
-                                      <p:to>
-                                        <p:strVal val="visible"/>
-                                      </p:to>
-                                    </p:set>
-                                  </p:childTnLst>
-                                </p:cTn>
-                              </p:par>
-                            </p:childTnLst>
-                          </p:cTn>
-                        </p:par>
-                      </p:childTnLst>
-                    </p:cTn>
-                  </p:par>
-                </p:childTnLst>
-              </p:cTn>
-              <p:prevCondLst>
-                <p:cond evt="onPrev" delay="0">
-                  <p:tgtEl>
-                    <p:sldTgt/>
-                  </p:tgtEl>
-                </p:cond>
-              </p:prevCondLst>
-              <p:nextCondLst>
-                <p:cond evt="onNext" delay="0">
-                  <p:tgtEl>
-                    <p:sldTgt/>
-                  </p:tgtEl>
-                </p:cond>
-              </p:nextCondLst>
-            </p:seq>
-          </p:childTnLst>
-        </p:cTn>
-      </p:par>
-    </p:tnLst>
-    <p:bldLst>
-      <p:bldP spid="2" grpId="0" build="p" bldLvl="3"/>
-    </p:bldLst>
-  </p:timing>
-</p:sld>
-</file>
-
-<file path=ppt/slides/slide17.xml><?xml version="1.0" encoding="utf-8"?>
-<p:sld xmlns:a="http://schemas.openxmlformats.org/drawingml/2006/main" xmlns:r="http://schemas.openxmlformats.org/officeDocument/2006/relationships" xmlns:p="http://schemas.openxmlformats.org/presentationml/2006/main">
-  <p:cSld>
-    <p:spTree>
-      <p:nvGrpSpPr>
-        <p:cNvPr id="1" name=""/>
-        <p:cNvGrpSpPr/>
-        <p:nvPr/>
-      </p:nvGrpSpPr>
-      <p:grpSpPr>
-        <a:xfrm>
-          <a:off x="0" y="0"/>
-          <a:ext cx="0" cy="0"/>
-          <a:chOff x="0" y="0"/>
-          <a:chExt cx="0" cy="0"/>
-        </a:xfrm>
-      </p:grpSpPr>
-      <p:sp>
-        <p:nvSpPr>
-          <p:cNvPr id="8" name="Titre 7"/>
-          <p:cNvSpPr>
-            <a:spLocks noGrp="1"/>
-          </p:cNvSpPr>
-          <p:nvPr>
-            <p:ph type="title"/>
-          </p:nvPr>
-        </p:nvSpPr>
-        <p:spPr>
-          <a:xfrm>
-            <a:off x="359532" y="411163"/>
-            <a:ext cx="8533643" cy="540000"/>
-          </a:xfrm>
-        </p:spPr>
-        <p:txBody>
-          <a:bodyPr/>
-          <a:lstStyle/>
-          <a:p>
-            <a:r>
-              <a:rPr lang="fr-FR" dirty="0" smtClean="0"/>
-              <a:t>Annexe : preuve alternative du th. D’incomplétude</a:t>
-            </a:r>
-            <a:endParaRPr lang="fr-FR" dirty="0"/>
-          </a:p>
-        </p:txBody>
-      </p:sp>
-      <p:sp>
-        <p:nvSpPr>
-          <p:cNvPr id="10" name="Espace réservé de la date 9"/>
-          <p:cNvSpPr>
-            <a:spLocks noGrp="1"/>
-          </p:cNvSpPr>
-          <p:nvPr>
-            <p:ph type="dt" sz="half" idx="10"/>
-          </p:nvPr>
-        </p:nvSpPr>
-        <p:spPr/>
-        <p:txBody>
-          <a:bodyPr/>
-          <a:lstStyle/>
-          <a:p>
-            <a:r>
-              <a:rPr lang="fr-FR" smtClean="0"/>
-              <a:t>27 sept. 2019, Jean-Louis DUFOUR</a:t>
-            </a:r>
-            <a:endParaRPr lang="fr-FR" dirty="0"/>
-          </a:p>
-        </p:txBody>
-      </p:sp>
-      <p:sp>
-        <p:nvSpPr>
-          <p:cNvPr id="11" name="Espace réservé du pied de page 10"/>
-          <p:cNvSpPr>
-            <a:spLocks noGrp="1"/>
-          </p:cNvSpPr>
-          <p:nvPr>
-            <p:ph type="ftr" sz="quarter" idx="11"/>
-          </p:nvPr>
-        </p:nvSpPr>
-        <p:spPr/>
-        <p:txBody>
-          <a:bodyPr/>
-          <a:lstStyle/>
-          <a:p>
-            <a:pPr algn="l"/>
-            <a:r>
-              <a:rPr lang="en-US" dirty="0"/>
-              <a:t>Comment </a:t>
-            </a:r>
-            <a:r>
-              <a:rPr lang="en-US" dirty="0" err="1"/>
-              <a:t>réussir</a:t>
-            </a:r>
-            <a:r>
-              <a:rPr lang="en-US" dirty="0"/>
-              <a:t> </a:t>
-            </a:r>
-            <a:r>
-              <a:rPr lang="en-US" dirty="0" err="1"/>
-              <a:t>vos</a:t>
-            </a:r>
-            <a:r>
-              <a:rPr lang="en-US" dirty="0"/>
-              <a:t> </a:t>
-            </a:r>
-            <a:r>
-              <a:rPr lang="en-US" dirty="0" err="1"/>
-              <a:t>sudokus</a:t>
-            </a:r>
-            <a:r>
-              <a:rPr lang="en-US" dirty="0"/>
-              <a:t> ? </a:t>
-            </a:r>
-            <a:r>
-              <a:rPr lang="en-US" dirty="0" smtClean="0"/>
-              <a:t>[2ième </a:t>
-            </a:r>
-            <a:r>
-              <a:rPr lang="en-US" dirty="0" err="1" smtClean="0"/>
-              <a:t>partie</a:t>
-            </a:r>
-            <a:r>
-              <a:rPr lang="en-US" dirty="0" smtClean="0"/>
-              <a:t>] P </a:t>
-            </a:r>
-            <a:r>
-              <a:rPr lang="en-US" dirty="0" err="1" smtClean="0"/>
-              <a:t>est-il</a:t>
-            </a:r>
-            <a:r>
-              <a:rPr lang="en-US" dirty="0" smtClean="0"/>
-              <a:t> </a:t>
-            </a:r>
-            <a:r>
-              <a:rPr lang="en-US" dirty="0" err="1" smtClean="0"/>
-              <a:t>égal</a:t>
-            </a:r>
-            <a:r>
-              <a:rPr lang="en-US" dirty="0" smtClean="0"/>
-              <a:t> à NP ? </a:t>
-            </a:r>
-            <a:r>
-              <a:rPr lang="en-US" dirty="0"/>
-              <a:t>-- </a:t>
-            </a:r>
-            <a:r>
-              <a:rPr lang="en-US" dirty="0" smtClean="0"/>
-              <a:t>6 </a:t>
-            </a:r>
-            <a:r>
-              <a:rPr lang="en-US" dirty="0" err="1" smtClean="0"/>
-              <a:t>mai</a:t>
-            </a:r>
-            <a:r>
-              <a:rPr lang="en-US" dirty="0" smtClean="0"/>
-              <a:t> 2021, Jean-Louis DUFOUR</a:t>
-            </a:r>
-            <a:endParaRPr lang="fr-FR" dirty="0"/>
-          </a:p>
-        </p:txBody>
-      </p:sp>
-      <p:sp>
-        <p:nvSpPr>
-          <p:cNvPr id="12" name="Espace réservé du numéro de diapositive 11"/>
-          <p:cNvSpPr>
-            <a:spLocks noGrp="1"/>
-          </p:cNvSpPr>
-          <p:nvPr>
-            <p:ph type="sldNum" sz="quarter" idx="12"/>
-          </p:nvPr>
-        </p:nvSpPr>
-        <p:spPr/>
-        <p:txBody>
-          <a:bodyPr/>
-          <a:lstStyle/>
-          <a:p>
-            <a:fld id="{733122C9-A0B9-462F-8757-0847AD287B63}" type="slidenum">
-              <a:rPr lang="fr-FR" smtClean="0"/>
-              <a:pPr/>
-              <a:t>17</a:t>
             </a:fld>
             <a:endParaRPr lang="fr-FR" dirty="0"/>
           </a:p>
@@ -22469,7 +21346,7 @@
 </p:sld>
 </file>
 
-<file path=ppt/slides/slide2.xml><?xml version="1.0" encoding="utf-8"?>
+<file path=ppt/slides/slide15.xml><?xml version="1.0" encoding="utf-8"?>
 <p:sld xmlns:a="http://schemas.openxmlformats.org/drawingml/2006/main" xmlns:r="http://schemas.openxmlformats.org/officeDocument/2006/relationships" xmlns:p="http://schemas.openxmlformats.org/presentationml/2006/main">
   <p:cSld>
     <p:spTree>
@@ -22647,7 +21524,7 @@
             <a:fld id="{733122C9-A0B9-462F-8757-0847AD287B63}" type="slidenum">
               <a:rPr lang="fr-FR" smtClean="0"/>
               <a:pPr/>
-              <a:t>2</a:t>
+              <a:t>15</a:t>
             </a:fld>
             <a:endParaRPr lang="fr-FR" dirty="0"/>
           </a:p>
@@ -23313,7 +22190,7 @@
 </p:sld>
 </file>
 
-<file path=ppt/slides/slide3.xml><?xml version="1.0" encoding="utf-8"?>
+<file path=ppt/slides/slide16.xml><?xml version="1.0" encoding="utf-8"?>
 <p:sld xmlns:a="http://schemas.openxmlformats.org/drawingml/2006/main" xmlns:r="http://schemas.openxmlformats.org/officeDocument/2006/relationships" xmlns:p="http://schemas.openxmlformats.org/presentationml/2006/main">
   <p:cSld>
     <p:spTree>
@@ -23491,7 +22368,7 @@
             <a:fld id="{733122C9-A0B9-462F-8757-0847AD287B63}" type="slidenum">
               <a:rPr lang="fr-FR" smtClean="0"/>
               <a:pPr/>
-              <a:t>3</a:t>
+              <a:t>16</a:t>
             </a:fld>
             <a:endParaRPr lang="fr-FR" dirty="0"/>
           </a:p>
@@ -25905,7 +24782,7 @@
 </p:sld>
 </file>
 
-<file path=ppt/slides/slide4.xml><?xml version="1.0" encoding="utf-8"?>
+<file path=ppt/slides/slide17.xml><?xml version="1.0" encoding="utf-8"?>
 <p:sld xmlns:a="http://schemas.openxmlformats.org/drawingml/2006/main" xmlns:r="http://schemas.openxmlformats.org/officeDocument/2006/relationships" xmlns:p="http://schemas.openxmlformats.org/presentationml/2006/main">
   <p:cSld>
     <p:spTree>
@@ -26083,7 +24960,7 @@
             <a:fld id="{733122C9-A0B9-462F-8757-0847AD287B63}" type="slidenum">
               <a:rPr lang="fr-FR" smtClean="0"/>
               <a:pPr/>
-              <a:t>4</a:t>
+              <a:t>17</a:t>
             </a:fld>
             <a:endParaRPr lang="fr-FR" dirty="0"/>
           </a:p>
@@ -26883,7 +25760,7 @@
 </p:sld>
 </file>
 
-<file path=ppt/slides/slide5.xml><?xml version="1.0" encoding="utf-8"?>
+<file path=ppt/slides/slide2.xml><?xml version="1.0" encoding="utf-8"?>
 <p:sld xmlns:a="http://schemas.openxmlformats.org/drawingml/2006/main" xmlns:r="http://schemas.openxmlformats.org/officeDocument/2006/relationships" xmlns:p="http://schemas.openxmlformats.org/presentationml/2006/main">
   <p:cSld>
     <p:spTree>
@@ -26922,7 +25799,7 @@
           <a:p>
             <a:r>
               <a:rPr lang="fr-FR" dirty="0" smtClean="0"/>
-              <a:t>1874 : Cantor</a:t>
+              <a:t>1874 : Cantor compare les infinis</a:t>
             </a:r>
             <a:endParaRPr lang="fr-FR" dirty="0"/>
           </a:p>
@@ -27061,7 +25938,7 @@
             <a:fld id="{733122C9-A0B9-462F-8757-0847AD287B63}" type="slidenum">
               <a:rPr lang="fr-FR" smtClean="0"/>
               <a:pPr/>
-              <a:t>5</a:t>
+              <a:t>2</a:t>
             </a:fld>
             <a:endParaRPr lang="fr-FR" dirty="0"/>
           </a:p>
@@ -27079,8 +25956,8 @@
         </p:nvSpPr>
         <p:spPr>
           <a:xfrm>
-            <a:off x="35496" y="2760898"/>
-            <a:ext cx="4428491" cy="1575048"/>
+            <a:off x="242072" y="951570"/>
+            <a:ext cx="6706192" cy="3266887"/>
           </a:xfrm>
         </p:spPr>
         <p:txBody>
@@ -27089,23 +25966,102 @@
           <a:p>
             <a:r>
               <a:rPr lang="fr-FR" dirty="0" smtClean="0"/>
-              <a:t>1</a:t>
-            </a:r>
-            <a:r>
-              <a:rPr lang="fr-FR" baseline="30000" dirty="0" smtClean="0"/>
-              <a:t>ier</a:t>
-            </a:r>
+              <a:t>Contexte : fonder l’analyse </a:t>
+            </a:r>
+            <a:r>
+              <a:rPr lang="fr-FR" dirty="0" smtClean="0">
+                <a:sym typeface="Wingdings" panose="05000000000000000000" pitchFamily="2" charset="2"/>
+              </a:rPr>
+              <a:t> fonder les mathématiques !!!</a:t>
+            </a:r>
+            <a:endParaRPr lang="fr-FR" dirty="0" smtClean="0"/>
+          </a:p>
+          <a:p>
+            <a:endParaRPr lang="fr-FR" dirty="0" smtClean="0"/>
+          </a:p>
+          <a:p>
             <a:r>
               <a:rPr lang="fr-FR" dirty="0" smtClean="0"/>
-              <a:t> à accepter qu’Euclide a tort</a:t>
-            </a:r>
-            <a:endParaRPr lang="fr-FR" dirty="0"/>
-          </a:p>
-          <a:p>
-            <a:pPr lvl="1"/>
+              <a:t>1874 : R est plus grand que N</a:t>
+            </a:r>
+          </a:p>
+          <a:p>
+            <a:r>
+              <a:rPr lang="fr-FR" dirty="0" smtClean="0"/>
+              <a:t>1891 : la diagonale inversée</a:t>
+            </a:r>
+          </a:p>
+          <a:p>
+            <a:endParaRPr lang="fr-FR" dirty="0"/>
+          </a:p>
+          <a:p>
+            <a:r>
+              <a:rPr lang="fr-FR" dirty="0" smtClean="0"/>
+              <a:t>Q vs. N ?</a:t>
+            </a:r>
+          </a:p>
+          <a:p>
+            <a:r>
+              <a:rPr lang="fr-FR" dirty="0" smtClean="0"/>
+              <a:t>STRINGS vs. N ?</a:t>
+            </a:r>
+          </a:p>
+          <a:p>
             <a:endParaRPr lang="fr-FR" dirty="0" smtClean="0"/>
           </a:p>
           <a:p>
+            <a:r>
+              <a:rPr lang="fr-FR" dirty="0" smtClean="0"/>
+              <a:t>Le carré unité est-il plus ‘grand’ que le segment unité ?</a:t>
+            </a:r>
+          </a:p>
+          <a:p>
+            <a:pPr marL="0" indent="0">
+              <a:buNone/>
+            </a:pPr>
+            <a:endParaRPr lang="fr-FR" dirty="0" smtClean="0"/>
+          </a:p>
+          <a:p>
+            <a:endParaRPr lang="fr-FR" i="1" u="sng" dirty="0" smtClean="0">
+              <a:solidFill>
+                <a:srgbClr val="FF0000"/>
+              </a:solidFill>
+            </a:endParaRPr>
+          </a:p>
+          <a:p>
+            <a:r>
+              <a:rPr lang="fr-FR" i="1" u="sng" dirty="0" smtClean="0">
+                <a:solidFill>
+                  <a:srgbClr val="FF0000"/>
+                </a:solidFill>
+              </a:rPr>
+              <a:t>Tout est nombre (naturel)</a:t>
+            </a:r>
+            <a:endParaRPr lang="fr-FR" i="1" u="sng" dirty="0">
+              <a:solidFill>
+                <a:srgbClr val="FF0000"/>
+              </a:solidFill>
+            </a:endParaRPr>
+          </a:p>
+          <a:p>
+            <a:r>
+              <a:rPr lang="fr-FR" i="1" u="sng" dirty="0" smtClean="0">
+                <a:solidFill>
+                  <a:srgbClr val="FF0000"/>
+                </a:solidFill>
+              </a:rPr>
+              <a:t>Un LANGAGE, c’est …</a:t>
+            </a:r>
+          </a:p>
+          <a:p>
+            <a:r>
+              <a:rPr lang="fr-FR" i="1" u="sng" dirty="0" smtClean="0">
+                <a:solidFill>
+                  <a:srgbClr val="FF0000"/>
+                </a:solidFill>
+              </a:rPr>
+              <a:t>Autre nom : problème de DECISION</a:t>
+            </a:r>
             <a:endParaRPr lang="fr-FR" i="1" u="sng" dirty="0">
               <a:solidFill>
                 <a:srgbClr val="FF0000"/>
@@ -27205,352 +26161,27 @@
                       </p:childTnLst>
                     </p:cTn>
                   </p:par>
-                </p:childTnLst>
-              </p:cTn>
-              <p:prevCondLst>
-                <p:cond evt="onPrev" delay="0">
-                  <p:tgtEl>
-                    <p:sldTgt/>
-                  </p:tgtEl>
-                </p:cond>
-              </p:prevCondLst>
-              <p:nextCondLst>
-                <p:cond evt="onNext" delay="0">
-                  <p:tgtEl>
-                    <p:sldTgt/>
-                  </p:tgtEl>
-                </p:cond>
-              </p:nextCondLst>
-            </p:seq>
-          </p:childTnLst>
-        </p:cTn>
-      </p:par>
-    </p:tnLst>
-    <p:bldLst>
-      <p:bldP spid="2" grpId="0" build="p" bldLvl="3"/>
-    </p:bldLst>
-  </p:timing>
-</p:sld>
-</file>
-
-<file path=ppt/slides/slide6.xml><?xml version="1.0" encoding="utf-8"?>
-<p:sld xmlns:a="http://schemas.openxmlformats.org/drawingml/2006/main" xmlns:r="http://schemas.openxmlformats.org/officeDocument/2006/relationships" xmlns:p="http://schemas.openxmlformats.org/presentationml/2006/main">
-  <p:cSld>
-    <p:spTree>
-      <p:nvGrpSpPr>
-        <p:cNvPr id="1" name=""/>
-        <p:cNvGrpSpPr/>
-        <p:nvPr/>
-      </p:nvGrpSpPr>
-      <p:grpSpPr>
-        <a:xfrm>
-          <a:off x="0" y="0"/>
-          <a:ext cx="0" cy="0"/>
-          <a:chOff x="0" y="0"/>
-          <a:chExt cx="0" cy="0"/>
-        </a:xfrm>
-      </p:grpSpPr>
-      <p:sp>
-        <p:nvSpPr>
-          <p:cNvPr id="8" name="Titre 7"/>
-          <p:cNvSpPr>
-            <a:spLocks noGrp="1"/>
-          </p:cNvSpPr>
-          <p:nvPr>
-            <p:ph type="title"/>
-          </p:nvPr>
-        </p:nvSpPr>
-        <p:spPr>
-          <a:xfrm>
-            <a:off x="359532" y="411163"/>
-            <a:ext cx="8533643" cy="540000"/>
-          </a:xfrm>
-        </p:spPr>
-        <p:txBody>
-          <a:bodyPr/>
-          <a:lstStyle/>
-          <a:p>
-            <a:r>
-              <a:rPr lang="fr-FR" dirty="0" smtClean="0"/>
-              <a:t>Juin 1902 : Bertrand Russell écrit à </a:t>
-            </a:r>
-            <a:r>
-              <a:rPr lang="fr-FR" dirty="0" err="1" smtClean="0"/>
-              <a:t>Gottlob</a:t>
-            </a:r>
-            <a:r>
-              <a:rPr lang="fr-FR" dirty="0" smtClean="0"/>
-              <a:t> Frege</a:t>
-            </a:r>
-            <a:endParaRPr lang="fr-FR" dirty="0"/>
-          </a:p>
-        </p:txBody>
-      </p:sp>
-      <p:sp>
-        <p:nvSpPr>
-          <p:cNvPr id="10" name="Espace réservé de la date 9"/>
-          <p:cNvSpPr>
-            <a:spLocks noGrp="1"/>
-          </p:cNvSpPr>
-          <p:nvPr>
-            <p:ph type="dt" sz="half" idx="10"/>
-          </p:nvPr>
-        </p:nvSpPr>
-        <p:spPr/>
-        <p:txBody>
-          <a:bodyPr/>
-          <a:lstStyle/>
-          <a:p>
-            <a:r>
-              <a:rPr lang="fr-FR" smtClean="0"/>
-              <a:t>27 sept. 2019, Jean-Louis DUFOUR</a:t>
-            </a:r>
-            <a:endParaRPr lang="fr-FR" dirty="0"/>
-          </a:p>
-        </p:txBody>
-      </p:sp>
-      <p:sp>
-        <p:nvSpPr>
-          <p:cNvPr id="11" name="Espace réservé du pied de page 10"/>
-          <p:cNvSpPr>
-            <a:spLocks noGrp="1"/>
-          </p:cNvSpPr>
-          <p:nvPr>
-            <p:ph type="ftr" sz="quarter" idx="11"/>
-          </p:nvPr>
-        </p:nvSpPr>
-        <p:spPr/>
-        <p:txBody>
-          <a:bodyPr/>
-          <a:lstStyle/>
-          <a:p>
-            <a:pPr algn="l"/>
-            <a:r>
-              <a:rPr lang="en-US" dirty="0"/>
-              <a:t>Comment </a:t>
-            </a:r>
-            <a:r>
-              <a:rPr lang="en-US" dirty="0" err="1"/>
-              <a:t>réussir</a:t>
-            </a:r>
-            <a:r>
-              <a:rPr lang="en-US" dirty="0"/>
-              <a:t> </a:t>
-            </a:r>
-            <a:r>
-              <a:rPr lang="en-US" dirty="0" err="1"/>
-              <a:t>vos</a:t>
-            </a:r>
-            <a:r>
-              <a:rPr lang="en-US" dirty="0"/>
-              <a:t> </a:t>
-            </a:r>
-            <a:r>
-              <a:rPr lang="en-US" dirty="0" err="1"/>
-              <a:t>sudokus</a:t>
-            </a:r>
-            <a:r>
-              <a:rPr lang="en-US" dirty="0"/>
-              <a:t> ? </a:t>
-            </a:r>
-            <a:r>
-              <a:rPr lang="en-US" dirty="0" smtClean="0"/>
-              <a:t>[2ième </a:t>
-            </a:r>
-            <a:r>
-              <a:rPr lang="en-US" dirty="0" err="1" smtClean="0"/>
-              <a:t>partie</a:t>
-            </a:r>
-            <a:r>
-              <a:rPr lang="en-US" dirty="0" smtClean="0"/>
-              <a:t>] P </a:t>
-            </a:r>
-            <a:r>
-              <a:rPr lang="en-US" dirty="0" err="1" smtClean="0"/>
-              <a:t>est-il</a:t>
-            </a:r>
-            <a:r>
-              <a:rPr lang="en-US" dirty="0" smtClean="0"/>
-              <a:t> </a:t>
-            </a:r>
-            <a:r>
-              <a:rPr lang="en-US" dirty="0" err="1" smtClean="0"/>
-              <a:t>égal</a:t>
-            </a:r>
-            <a:r>
-              <a:rPr lang="en-US" dirty="0" smtClean="0"/>
-              <a:t> à NP ? </a:t>
-            </a:r>
-            <a:r>
-              <a:rPr lang="en-US" dirty="0"/>
-              <a:t>-- </a:t>
-            </a:r>
-            <a:r>
-              <a:rPr lang="en-US" dirty="0" smtClean="0"/>
-              <a:t>6 </a:t>
-            </a:r>
-            <a:r>
-              <a:rPr lang="en-US" dirty="0" err="1" smtClean="0"/>
-              <a:t>mai</a:t>
-            </a:r>
-            <a:r>
-              <a:rPr lang="en-US" dirty="0" smtClean="0"/>
-              <a:t> 2021, Jean-Louis DUFOUR</a:t>
-            </a:r>
-            <a:endParaRPr lang="fr-FR" dirty="0"/>
-          </a:p>
-        </p:txBody>
-      </p:sp>
-      <p:sp>
-        <p:nvSpPr>
-          <p:cNvPr id="12" name="Espace réservé du numéro de diapositive 11"/>
-          <p:cNvSpPr>
-            <a:spLocks noGrp="1"/>
-          </p:cNvSpPr>
-          <p:nvPr>
-            <p:ph type="sldNum" sz="quarter" idx="12"/>
-          </p:nvPr>
-        </p:nvSpPr>
-        <p:spPr/>
-        <p:txBody>
-          <a:bodyPr/>
-          <a:lstStyle/>
-          <a:p>
-            <a:fld id="{733122C9-A0B9-462F-8757-0847AD287B63}" type="slidenum">
-              <a:rPr lang="fr-FR" smtClean="0"/>
-              <a:pPr/>
-              <a:t>6</a:t>
-            </a:fld>
-            <a:endParaRPr lang="fr-FR" dirty="0"/>
-          </a:p>
-        </p:txBody>
-      </p:sp>
-      <p:sp>
-        <p:nvSpPr>
-          <p:cNvPr id="2" name="Espace réservé du contenu 1"/>
-          <p:cNvSpPr>
-            <a:spLocks noGrp="1"/>
-          </p:cNvSpPr>
-          <p:nvPr>
-            <p:ph idx="1"/>
-          </p:nvPr>
-        </p:nvSpPr>
-        <p:spPr>
-          <a:xfrm>
-            <a:off x="35496" y="2760898"/>
-            <a:ext cx="4428491" cy="1575048"/>
-          </a:xfrm>
-        </p:spPr>
-        <p:txBody>
-          <a:bodyPr/>
-          <a:lstStyle/>
-          <a:p>
-            <a:r>
-              <a:rPr lang="fr-FR" dirty="0" smtClean="0"/>
-              <a:t>Fonction « A sens unique »</a:t>
-            </a:r>
-            <a:endParaRPr lang="fr-FR" dirty="0"/>
-          </a:p>
-          <a:p>
-            <a:pPr lvl="1"/>
-            <a:endParaRPr lang="fr-FR" dirty="0" smtClean="0"/>
-          </a:p>
-          <a:p>
-            <a:endParaRPr lang="fr-FR" i="1" u="sng" dirty="0">
-              <a:solidFill>
-                <a:srgbClr val="FF0000"/>
-              </a:solidFill>
-            </a:endParaRPr>
-          </a:p>
-        </p:txBody>
-      </p:sp>
-      <p:pic>
-        <p:nvPicPr>
-          <p:cNvPr id="3" name="Image 2"/>
-          <p:cNvPicPr>
-            <a:picLocks noChangeAspect="1"/>
-          </p:cNvPicPr>
-          <p:nvPr/>
-        </p:nvPicPr>
-        <p:blipFill>
-          <a:blip r:link="rId2"/>
-          <a:stretch>
-            <a:fillRect/>
-          </a:stretch>
-        </p:blipFill>
-        <p:spPr>
-          <a:xfrm>
-            <a:off x="7132323" y="68547"/>
-            <a:ext cx="1994334" cy="2692351"/>
-          </a:xfrm>
-          <a:prstGeom prst="rect">
-            <a:avLst/>
-          </a:prstGeom>
-        </p:spPr>
-      </p:pic>
-      <p:pic>
-        <p:nvPicPr>
-          <p:cNvPr id="4" name="Image 3"/>
-          <p:cNvPicPr>
-            <a:picLocks noChangeAspect="1"/>
-          </p:cNvPicPr>
-          <p:nvPr/>
-        </p:nvPicPr>
-        <p:blipFill>
-          <a:blip r:link="rId3"/>
-          <a:stretch>
-            <a:fillRect/>
-          </a:stretch>
-        </p:blipFill>
-        <p:spPr>
-          <a:xfrm>
-            <a:off x="4499992" y="1022764"/>
-            <a:ext cx="2334869" cy="3457403"/>
-          </a:xfrm>
-          <a:prstGeom prst="rect">
-            <a:avLst/>
-          </a:prstGeom>
-        </p:spPr>
-      </p:pic>
-    </p:spTree>
-    <p:extLst>
-      <p:ext uri="{BB962C8B-B14F-4D97-AF65-F5344CB8AC3E}">
-        <p14:creationId xmlns:p14="http://schemas.microsoft.com/office/powerpoint/2010/main" val="3986647900"/>
-      </p:ext>
-    </p:extLst>
-  </p:cSld>
-  <p:clrMapOvr>
-    <a:masterClrMapping/>
-  </p:clrMapOvr>
-  <p:timing>
-    <p:tnLst>
-      <p:par>
-        <p:cTn id="1" dur="indefinite" restart="never" nodeType="tmRoot">
-          <p:childTnLst>
-            <p:seq concurrent="1" nextAc="seek">
-              <p:cTn id="2" dur="indefinite" nodeType="mainSeq">
-                <p:childTnLst>
                   <p:par>
-                    <p:cTn id="3" fill="hold">
+                    <p:cTn id="7" fill="hold">
                       <p:stCondLst>
                         <p:cond delay="indefinite"/>
                       </p:stCondLst>
                       <p:childTnLst>
                         <p:par>
-                          <p:cTn id="4" fill="hold">
+                          <p:cTn id="8" fill="hold">
                             <p:stCondLst>
                               <p:cond delay="0"/>
                             </p:stCondLst>
                             <p:childTnLst>
                               <p:par>
-                                <p:cTn id="5" presetID="1" presetClass="entr" presetSubtype="0" fill="hold" grpId="0" nodeType="clickEffect">
+                                <p:cTn id="9" presetID="1" presetClass="entr" presetSubtype="0" fill="hold" grpId="0" nodeType="clickEffect">
                                   <p:stCondLst>
                                     <p:cond delay="0"/>
                                   </p:stCondLst>
                                   <p:childTnLst>
                                     <p:set>
                                       <p:cBhvr>
-                                        <p:cTn id="6" dur="1" fill="hold">
+                                        <p:cTn id="10" dur="1" fill="hold">
                                           <p:stCondLst>
                                             <p:cond delay="0"/>
                                           </p:stCondLst>
@@ -27558,7 +26189,350 @@
                                         <p:tgtEl>
                                           <p:spTgt spid="2">
                                             <p:txEl>
-                                              <p:pRg st="0" end="0"/>
+                                              <p:pRg st="2" end="2"/>
+                                            </p:txEl>
+                                          </p:spTgt>
+                                        </p:tgtEl>
+                                        <p:attrNameLst>
+                                          <p:attrName>style.visibility</p:attrName>
+                                        </p:attrNameLst>
+                                      </p:cBhvr>
+                                      <p:to>
+                                        <p:strVal val="visible"/>
+                                      </p:to>
+                                    </p:set>
+                                  </p:childTnLst>
+                                </p:cTn>
+                              </p:par>
+                            </p:childTnLst>
+                          </p:cTn>
+                        </p:par>
+                      </p:childTnLst>
+                    </p:cTn>
+                  </p:par>
+                  <p:par>
+                    <p:cTn id="11" fill="hold">
+                      <p:stCondLst>
+                        <p:cond delay="indefinite"/>
+                      </p:stCondLst>
+                      <p:childTnLst>
+                        <p:par>
+                          <p:cTn id="12" fill="hold">
+                            <p:stCondLst>
+                              <p:cond delay="0"/>
+                            </p:stCondLst>
+                            <p:childTnLst>
+                              <p:par>
+                                <p:cTn id="13" presetID="1" presetClass="entr" presetSubtype="0" fill="hold" grpId="0" nodeType="clickEffect">
+                                  <p:stCondLst>
+                                    <p:cond delay="0"/>
+                                  </p:stCondLst>
+                                  <p:childTnLst>
+                                    <p:set>
+                                      <p:cBhvr>
+                                        <p:cTn id="14" dur="1" fill="hold">
+                                          <p:stCondLst>
+                                            <p:cond delay="0"/>
+                                          </p:stCondLst>
+                                        </p:cTn>
+                                        <p:tgtEl>
+                                          <p:spTgt spid="2">
+                                            <p:txEl>
+                                              <p:pRg st="3" end="3"/>
+                                            </p:txEl>
+                                          </p:spTgt>
+                                        </p:tgtEl>
+                                        <p:attrNameLst>
+                                          <p:attrName>style.visibility</p:attrName>
+                                        </p:attrNameLst>
+                                      </p:cBhvr>
+                                      <p:to>
+                                        <p:strVal val="visible"/>
+                                      </p:to>
+                                    </p:set>
+                                  </p:childTnLst>
+                                </p:cTn>
+                              </p:par>
+                            </p:childTnLst>
+                          </p:cTn>
+                        </p:par>
+                      </p:childTnLst>
+                    </p:cTn>
+                  </p:par>
+                  <p:par>
+                    <p:cTn id="15" fill="hold">
+                      <p:stCondLst>
+                        <p:cond delay="indefinite"/>
+                      </p:stCondLst>
+                      <p:childTnLst>
+                        <p:par>
+                          <p:cTn id="16" fill="hold">
+                            <p:stCondLst>
+                              <p:cond delay="0"/>
+                            </p:stCondLst>
+                            <p:childTnLst>
+                              <p:par>
+                                <p:cTn id="17" presetID="1" presetClass="entr" presetSubtype="0" fill="hold" grpId="0" nodeType="clickEffect">
+                                  <p:stCondLst>
+                                    <p:cond delay="0"/>
+                                  </p:stCondLst>
+                                  <p:childTnLst>
+                                    <p:set>
+                                      <p:cBhvr>
+                                        <p:cTn id="18" dur="1" fill="hold">
+                                          <p:stCondLst>
+                                            <p:cond delay="0"/>
+                                          </p:stCondLst>
+                                        </p:cTn>
+                                        <p:tgtEl>
+                                          <p:spTgt spid="2">
+                                            <p:txEl>
+                                              <p:pRg st="5" end="5"/>
+                                            </p:txEl>
+                                          </p:spTgt>
+                                        </p:tgtEl>
+                                        <p:attrNameLst>
+                                          <p:attrName>style.visibility</p:attrName>
+                                        </p:attrNameLst>
+                                      </p:cBhvr>
+                                      <p:to>
+                                        <p:strVal val="visible"/>
+                                      </p:to>
+                                    </p:set>
+                                  </p:childTnLst>
+                                </p:cTn>
+                              </p:par>
+                            </p:childTnLst>
+                          </p:cTn>
+                        </p:par>
+                      </p:childTnLst>
+                    </p:cTn>
+                  </p:par>
+                  <p:par>
+                    <p:cTn id="19" fill="hold">
+                      <p:stCondLst>
+                        <p:cond delay="indefinite"/>
+                      </p:stCondLst>
+                      <p:childTnLst>
+                        <p:par>
+                          <p:cTn id="20" fill="hold">
+                            <p:stCondLst>
+                              <p:cond delay="0"/>
+                            </p:stCondLst>
+                            <p:childTnLst>
+                              <p:par>
+                                <p:cTn id="21" presetID="1" presetClass="entr" presetSubtype="0" fill="hold" grpId="0" nodeType="clickEffect">
+                                  <p:stCondLst>
+                                    <p:cond delay="0"/>
+                                  </p:stCondLst>
+                                  <p:childTnLst>
+                                    <p:set>
+                                      <p:cBhvr>
+                                        <p:cTn id="22" dur="1" fill="hold">
+                                          <p:stCondLst>
+                                            <p:cond delay="0"/>
+                                          </p:stCondLst>
+                                        </p:cTn>
+                                        <p:tgtEl>
+                                          <p:spTgt spid="2">
+                                            <p:txEl>
+                                              <p:pRg st="6" end="6"/>
+                                            </p:txEl>
+                                          </p:spTgt>
+                                        </p:tgtEl>
+                                        <p:attrNameLst>
+                                          <p:attrName>style.visibility</p:attrName>
+                                        </p:attrNameLst>
+                                      </p:cBhvr>
+                                      <p:to>
+                                        <p:strVal val="visible"/>
+                                      </p:to>
+                                    </p:set>
+                                  </p:childTnLst>
+                                </p:cTn>
+                              </p:par>
+                            </p:childTnLst>
+                          </p:cTn>
+                        </p:par>
+                      </p:childTnLst>
+                    </p:cTn>
+                  </p:par>
+                  <p:par>
+                    <p:cTn id="23" fill="hold">
+                      <p:stCondLst>
+                        <p:cond delay="indefinite"/>
+                      </p:stCondLst>
+                      <p:childTnLst>
+                        <p:par>
+                          <p:cTn id="24" fill="hold">
+                            <p:stCondLst>
+                              <p:cond delay="0"/>
+                            </p:stCondLst>
+                            <p:childTnLst>
+                              <p:par>
+                                <p:cTn id="25" presetID="1" presetClass="entr" presetSubtype="0" fill="hold" grpId="0" nodeType="clickEffect">
+                                  <p:stCondLst>
+                                    <p:cond delay="0"/>
+                                  </p:stCondLst>
+                                  <p:childTnLst>
+                                    <p:set>
+                                      <p:cBhvr>
+                                        <p:cTn id="26" dur="1" fill="hold">
+                                          <p:stCondLst>
+                                            <p:cond delay="0"/>
+                                          </p:stCondLst>
+                                        </p:cTn>
+                                        <p:tgtEl>
+                                          <p:spTgt spid="2">
+                                            <p:txEl>
+                                              <p:pRg st="8" end="8"/>
+                                            </p:txEl>
+                                          </p:spTgt>
+                                        </p:tgtEl>
+                                        <p:attrNameLst>
+                                          <p:attrName>style.visibility</p:attrName>
+                                        </p:attrNameLst>
+                                      </p:cBhvr>
+                                      <p:to>
+                                        <p:strVal val="visible"/>
+                                      </p:to>
+                                    </p:set>
+                                  </p:childTnLst>
+                                </p:cTn>
+                              </p:par>
+                            </p:childTnLst>
+                          </p:cTn>
+                        </p:par>
+                      </p:childTnLst>
+                    </p:cTn>
+                  </p:par>
+                  <p:par>
+                    <p:cTn id="27" fill="hold">
+                      <p:stCondLst>
+                        <p:cond delay="indefinite"/>
+                      </p:stCondLst>
+                      <p:childTnLst>
+                        <p:par>
+                          <p:cTn id="28" fill="hold">
+                            <p:stCondLst>
+                              <p:cond delay="0"/>
+                            </p:stCondLst>
+                            <p:childTnLst>
+                              <p:par>
+                                <p:cTn id="29" presetID="1" presetClass="entr" presetSubtype="0" fill="hold" grpId="0" nodeType="clickEffect">
+                                  <p:stCondLst>
+                                    <p:cond delay="0"/>
+                                  </p:stCondLst>
+                                  <p:childTnLst>
+                                    <p:set>
+                                      <p:cBhvr>
+                                        <p:cTn id="30" dur="1" fill="hold">
+                                          <p:stCondLst>
+                                            <p:cond delay="0"/>
+                                          </p:stCondLst>
+                                        </p:cTn>
+                                        <p:tgtEl>
+                                          <p:spTgt spid="2">
+                                            <p:txEl>
+                                              <p:pRg st="11" end="11"/>
+                                            </p:txEl>
+                                          </p:spTgt>
+                                        </p:tgtEl>
+                                        <p:attrNameLst>
+                                          <p:attrName>style.visibility</p:attrName>
+                                        </p:attrNameLst>
+                                      </p:cBhvr>
+                                      <p:to>
+                                        <p:strVal val="visible"/>
+                                      </p:to>
+                                    </p:set>
+                                  </p:childTnLst>
+                                </p:cTn>
+                              </p:par>
+                            </p:childTnLst>
+                          </p:cTn>
+                        </p:par>
+                      </p:childTnLst>
+                    </p:cTn>
+                  </p:par>
+                  <p:par>
+                    <p:cTn id="31" fill="hold">
+                      <p:stCondLst>
+                        <p:cond delay="indefinite"/>
+                      </p:stCondLst>
+                      <p:childTnLst>
+                        <p:par>
+                          <p:cTn id="32" fill="hold">
+                            <p:stCondLst>
+                              <p:cond delay="0"/>
+                            </p:stCondLst>
+                            <p:childTnLst>
+                              <p:par>
+                                <p:cTn id="33" presetID="1" presetClass="entr" presetSubtype="0" fill="hold" grpId="0" nodeType="clickEffect">
+                                  <p:stCondLst>
+                                    <p:cond delay="0"/>
+                                  </p:stCondLst>
+                                  <p:childTnLst>
+                                    <p:set>
+                                      <p:cBhvr>
+                                        <p:cTn id="34" dur="1" fill="hold">
+                                          <p:stCondLst>
+                                            <p:cond delay="0"/>
+                                          </p:stCondLst>
+                                        </p:cTn>
+                                        <p:tgtEl>
+                                          <p:spTgt spid="2">
+                                            <p:txEl>
+                                              <p:pRg st="12" end="12"/>
+                                            </p:txEl>
+                                          </p:spTgt>
+                                        </p:tgtEl>
+                                        <p:attrNameLst>
+                                          <p:attrName>style.visibility</p:attrName>
+                                        </p:attrNameLst>
+                                      </p:cBhvr>
+                                      <p:to>
+                                        <p:strVal val="visible"/>
+                                      </p:to>
+                                    </p:set>
+                                  </p:childTnLst>
+                                </p:cTn>
+                              </p:par>
+                            </p:childTnLst>
+                          </p:cTn>
+                        </p:par>
+                      </p:childTnLst>
+                    </p:cTn>
+                  </p:par>
+                  <p:par>
+                    <p:cTn id="35" fill="hold">
+                      <p:stCondLst>
+                        <p:cond delay="indefinite"/>
+                      </p:stCondLst>
+                      <p:childTnLst>
+                        <p:par>
+                          <p:cTn id="36" fill="hold">
+                            <p:stCondLst>
+                              <p:cond delay="0"/>
+                            </p:stCondLst>
+                            <p:childTnLst>
+                              <p:par>
+                                <p:cTn id="37" presetID="1" presetClass="entr" presetSubtype="0" fill="hold" grpId="0" nodeType="clickEffect">
+                                  <p:stCondLst>
+                                    <p:cond delay="0"/>
+                                  </p:stCondLst>
+                                  <p:childTnLst>
+                                    <p:set>
+                                      <p:cBhvr>
+                                        <p:cTn id="38" dur="1" fill="hold">
+                                          <p:stCondLst>
+                                            <p:cond delay="0"/>
+                                          </p:stCondLst>
+                                        </p:cTn>
+                                        <p:tgtEl>
+                                          <p:spTgt spid="2">
+                                            <p:txEl>
+                                              <p:pRg st="13" end="13"/>
                                             </p:txEl>
                                           </p:spTgt>
                                         </p:tgtEl>
@@ -27607,7 +26581,7 @@
 </p:sld>
 </file>
 
-<file path=ppt/slides/slide7.xml><?xml version="1.0" encoding="utf-8"?>
+<file path=ppt/slides/slide3.xml><?xml version="1.0" encoding="utf-8"?>
 <p:sld xmlns:a="http://schemas.openxmlformats.org/drawingml/2006/main" xmlns:r="http://schemas.openxmlformats.org/officeDocument/2006/relationships" xmlns:p="http://schemas.openxmlformats.org/presentationml/2006/main">
   <p:cSld>
     <p:spTree>
@@ -27624,224 +26598,6 @@
           <a:chExt cx="0" cy="0"/>
         </a:xfrm>
       </p:grpSpPr>
-      <p:sp>
-        <p:nvSpPr>
-          <p:cNvPr id="8" name="Titre 7"/>
-          <p:cNvSpPr>
-            <a:spLocks noGrp="1"/>
-          </p:cNvSpPr>
-          <p:nvPr>
-            <p:ph type="title"/>
-          </p:nvPr>
-        </p:nvSpPr>
-        <p:spPr>
-          <a:xfrm>
-            <a:off x="359532" y="411163"/>
-            <a:ext cx="8533643" cy="540000"/>
-          </a:xfrm>
-        </p:spPr>
-        <p:txBody>
-          <a:bodyPr/>
-          <a:lstStyle/>
-          <a:p>
-            <a:r>
-              <a:rPr lang="fr-FR" dirty="0" smtClean="0"/>
-              <a:t>1910 : </a:t>
-            </a:r>
-            <a:r>
-              <a:rPr lang="fr-FR" dirty="0" err="1" smtClean="0"/>
-              <a:t>Principia</a:t>
-            </a:r>
-            <a:r>
-              <a:rPr lang="fr-FR" dirty="0" smtClean="0"/>
-              <a:t> </a:t>
-            </a:r>
-            <a:r>
-              <a:rPr lang="fr-FR" dirty="0" err="1" smtClean="0"/>
-              <a:t>Mathematica</a:t>
-            </a:r>
-            <a:endParaRPr lang="fr-FR" dirty="0"/>
-          </a:p>
-        </p:txBody>
-      </p:sp>
-      <p:sp>
-        <p:nvSpPr>
-          <p:cNvPr id="10" name="Espace réservé de la date 9"/>
-          <p:cNvSpPr>
-            <a:spLocks noGrp="1"/>
-          </p:cNvSpPr>
-          <p:nvPr>
-            <p:ph type="dt" sz="half" idx="10"/>
-          </p:nvPr>
-        </p:nvSpPr>
-        <p:spPr/>
-        <p:txBody>
-          <a:bodyPr/>
-          <a:lstStyle/>
-          <a:p>
-            <a:r>
-              <a:rPr lang="fr-FR" smtClean="0"/>
-              <a:t>27 sept. 2019, Jean-Louis DUFOUR</a:t>
-            </a:r>
-            <a:endParaRPr lang="fr-FR" dirty="0"/>
-          </a:p>
-        </p:txBody>
-      </p:sp>
-      <p:sp>
-        <p:nvSpPr>
-          <p:cNvPr id="11" name="Espace réservé du pied de page 10"/>
-          <p:cNvSpPr>
-            <a:spLocks noGrp="1"/>
-          </p:cNvSpPr>
-          <p:nvPr>
-            <p:ph type="ftr" sz="quarter" idx="11"/>
-          </p:nvPr>
-        </p:nvSpPr>
-        <p:spPr/>
-        <p:txBody>
-          <a:bodyPr/>
-          <a:lstStyle/>
-          <a:p>
-            <a:pPr algn="l"/>
-            <a:r>
-              <a:rPr lang="en-US" dirty="0"/>
-              <a:t>Comment </a:t>
-            </a:r>
-            <a:r>
-              <a:rPr lang="en-US" dirty="0" err="1"/>
-              <a:t>réussir</a:t>
-            </a:r>
-            <a:r>
-              <a:rPr lang="en-US" dirty="0"/>
-              <a:t> </a:t>
-            </a:r>
-            <a:r>
-              <a:rPr lang="en-US" dirty="0" err="1"/>
-              <a:t>vos</a:t>
-            </a:r>
-            <a:r>
-              <a:rPr lang="en-US" dirty="0"/>
-              <a:t> </a:t>
-            </a:r>
-            <a:r>
-              <a:rPr lang="en-US" dirty="0" err="1"/>
-              <a:t>sudokus</a:t>
-            </a:r>
-            <a:r>
-              <a:rPr lang="en-US" dirty="0"/>
-              <a:t> ? </a:t>
-            </a:r>
-            <a:r>
-              <a:rPr lang="en-US" dirty="0" smtClean="0"/>
-              <a:t>[2ième </a:t>
-            </a:r>
-            <a:r>
-              <a:rPr lang="en-US" dirty="0" err="1" smtClean="0"/>
-              <a:t>partie</a:t>
-            </a:r>
-            <a:r>
-              <a:rPr lang="en-US" dirty="0" smtClean="0"/>
-              <a:t>] P </a:t>
-            </a:r>
-            <a:r>
-              <a:rPr lang="en-US" dirty="0" err="1" smtClean="0"/>
-              <a:t>est-il</a:t>
-            </a:r>
-            <a:r>
-              <a:rPr lang="en-US" dirty="0" smtClean="0"/>
-              <a:t> </a:t>
-            </a:r>
-            <a:r>
-              <a:rPr lang="en-US" dirty="0" err="1" smtClean="0"/>
-              <a:t>égal</a:t>
-            </a:r>
-            <a:r>
-              <a:rPr lang="en-US" dirty="0" smtClean="0"/>
-              <a:t> à NP ? </a:t>
-            </a:r>
-            <a:r>
-              <a:rPr lang="en-US" dirty="0"/>
-              <a:t>-- </a:t>
-            </a:r>
-            <a:r>
-              <a:rPr lang="en-US" dirty="0" smtClean="0"/>
-              <a:t>6 </a:t>
-            </a:r>
-            <a:r>
-              <a:rPr lang="en-US" dirty="0" err="1" smtClean="0"/>
-              <a:t>mai</a:t>
-            </a:r>
-            <a:r>
-              <a:rPr lang="en-US" dirty="0" smtClean="0"/>
-              <a:t> 2021, Jean-Louis DUFOUR</a:t>
-            </a:r>
-            <a:endParaRPr lang="fr-FR" dirty="0"/>
-          </a:p>
-        </p:txBody>
-      </p:sp>
-      <p:sp>
-        <p:nvSpPr>
-          <p:cNvPr id="12" name="Espace réservé du numéro de diapositive 11"/>
-          <p:cNvSpPr>
-            <a:spLocks noGrp="1"/>
-          </p:cNvSpPr>
-          <p:nvPr>
-            <p:ph type="sldNum" sz="quarter" idx="12"/>
-          </p:nvPr>
-        </p:nvSpPr>
-        <p:spPr/>
-        <p:txBody>
-          <a:bodyPr/>
-          <a:lstStyle/>
-          <a:p>
-            <a:fld id="{733122C9-A0B9-462F-8757-0847AD287B63}" type="slidenum">
-              <a:rPr lang="fr-FR" smtClean="0"/>
-              <a:pPr/>
-              <a:t>7</a:t>
-            </a:fld>
-            <a:endParaRPr lang="fr-FR" dirty="0"/>
-          </a:p>
-        </p:txBody>
-      </p:sp>
-      <p:sp>
-        <p:nvSpPr>
-          <p:cNvPr id="2" name="Espace réservé du contenu 1"/>
-          <p:cNvSpPr>
-            <a:spLocks noGrp="1"/>
-          </p:cNvSpPr>
-          <p:nvPr>
-            <p:ph idx="1"/>
-          </p:nvPr>
-        </p:nvSpPr>
-        <p:spPr>
-          <a:xfrm>
-            <a:off x="35496" y="2760898"/>
-            <a:ext cx="4428491" cy="1575048"/>
-          </a:xfrm>
-        </p:spPr>
-        <p:txBody>
-          <a:bodyPr/>
-          <a:lstStyle/>
-          <a:p>
-            <a:r>
-              <a:rPr lang="fr-FR" dirty="0" smtClean="0"/>
-              <a:t>Fonction « A sens unique »</a:t>
-            </a:r>
-            <a:endParaRPr lang="fr-FR" dirty="0"/>
-          </a:p>
-          <a:p>
-            <a:pPr lvl="1"/>
-            <a:endParaRPr lang="fr-FR" dirty="0" smtClean="0"/>
-          </a:p>
-          <a:p>
-            <a:endParaRPr lang="fr-FR" i="1" u="sng" dirty="0">
-              <a:solidFill>
-                <a:srgbClr val="FF0000"/>
-              </a:solidFill>
-            </a:endParaRPr>
-          </a:p>
-        </p:txBody>
-      </p:sp>
       <p:pic>
         <p:nvPicPr>
           <p:cNvPr id="3" name="Image 2"/>
@@ -27858,14 +26614,328 @@
         </p:blipFill>
         <p:spPr>
           <a:xfrm>
-            <a:off x="6876256" y="87474"/>
-            <a:ext cx="2095500" cy="2352675"/>
+            <a:off x="4581983" y="195486"/>
+            <a:ext cx="2366281" cy="3194480"/>
           </a:xfrm>
           <a:prstGeom prst="rect">
             <a:avLst/>
           </a:prstGeom>
         </p:spPr>
       </p:pic>
+      <p:sp>
+        <p:nvSpPr>
+          <p:cNvPr id="8" name="Titre 7"/>
+          <p:cNvSpPr>
+            <a:spLocks noGrp="1"/>
+          </p:cNvSpPr>
+          <p:nvPr>
+            <p:ph type="title"/>
+          </p:nvPr>
+        </p:nvSpPr>
+        <p:spPr>
+          <a:xfrm>
+            <a:off x="359532" y="411163"/>
+            <a:ext cx="8533643" cy="540000"/>
+          </a:xfrm>
+        </p:spPr>
+        <p:txBody>
+          <a:bodyPr/>
+          <a:lstStyle/>
+          <a:p>
+            <a:r>
+              <a:rPr lang="fr-FR" dirty="0" smtClean="0"/>
+              <a:t>Juin 1902 : Bertrand Russell ruine les vacances de </a:t>
+            </a:r>
+            <a:r>
+              <a:rPr lang="fr-FR" dirty="0" err="1" smtClean="0"/>
+              <a:t>Gottlob</a:t>
+            </a:r>
+            <a:r>
+              <a:rPr lang="fr-FR" dirty="0" smtClean="0"/>
+              <a:t> Frege …</a:t>
+            </a:r>
+            <a:endParaRPr lang="fr-FR" dirty="0"/>
+          </a:p>
+        </p:txBody>
+      </p:sp>
+      <p:sp>
+        <p:nvSpPr>
+          <p:cNvPr id="10" name="Espace réservé de la date 9"/>
+          <p:cNvSpPr>
+            <a:spLocks noGrp="1"/>
+          </p:cNvSpPr>
+          <p:nvPr>
+            <p:ph type="dt" sz="half" idx="10"/>
+          </p:nvPr>
+        </p:nvSpPr>
+        <p:spPr/>
+        <p:txBody>
+          <a:bodyPr/>
+          <a:lstStyle/>
+          <a:p>
+            <a:r>
+              <a:rPr lang="fr-FR" smtClean="0"/>
+              <a:t>27 sept. 2019, Jean-Louis DUFOUR</a:t>
+            </a:r>
+            <a:endParaRPr lang="fr-FR" dirty="0"/>
+          </a:p>
+        </p:txBody>
+      </p:sp>
+      <p:sp>
+        <p:nvSpPr>
+          <p:cNvPr id="11" name="Espace réservé du pied de page 10"/>
+          <p:cNvSpPr>
+            <a:spLocks noGrp="1"/>
+          </p:cNvSpPr>
+          <p:nvPr>
+            <p:ph type="ftr" sz="quarter" idx="11"/>
+          </p:nvPr>
+        </p:nvSpPr>
+        <p:spPr/>
+        <p:txBody>
+          <a:bodyPr/>
+          <a:lstStyle/>
+          <a:p>
+            <a:pPr algn="l"/>
+            <a:r>
+              <a:rPr lang="en-US" dirty="0"/>
+              <a:t>Comment </a:t>
+            </a:r>
+            <a:r>
+              <a:rPr lang="en-US" dirty="0" err="1"/>
+              <a:t>réussir</a:t>
+            </a:r>
+            <a:r>
+              <a:rPr lang="en-US" dirty="0"/>
+              <a:t> </a:t>
+            </a:r>
+            <a:r>
+              <a:rPr lang="en-US" dirty="0" err="1"/>
+              <a:t>vos</a:t>
+            </a:r>
+            <a:r>
+              <a:rPr lang="en-US" dirty="0"/>
+              <a:t> </a:t>
+            </a:r>
+            <a:r>
+              <a:rPr lang="en-US" dirty="0" err="1"/>
+              <a:t>sudokus</a:t>
+            </a:r>
+            <a:r>
+              <a:rPr lang="en-US" dirty="0"/>
+              <a:t> ? </a:t>
+            </a:r>
+            <a:r>
+              <a:rPr lang="en-US" dirty="0" smtClean="0"/>
+              <a:t>[2ième </a:t>
+            </a:r>
+            <a:r>
+              <a:rPr lang="en-US" dirty="0" err="1" smtClean="0"/>
+              <a:t>partie</a:t>
+            </a:r>
+            <a:r>
+              <a:rPr lang="en-US" dirty="0" smtClean="0"/>
+              <a:t>] P </a:t>
+            </a:r>
+            <a:r>
+              <a:rPr lang="en-US" dirty="0" err="1" smtClean="0"/>
+              <a:t>est-il</a:t>
+            </a:r>
+            <a:r>
+              <a:rPr lang="en-US" dirty="0" smtClean="0"/>
+              <a:t> </a:t>
+            </a:r>
+            <a:r>
+              <a:rPr lang="en-US" dirty="0" err="1" smtClean="0"/>
+              <a:t>égal</a:t>
+            </a:r>
+            <a:r>
+              <a:rPr lang="en-US" dirty="0" smtClean="0"/>
+              <a:t> à NP ? </a:t>
+            </a:r>
+            <a:r>
+              <a:rPr lang="en-US" dirty="0"/>
+              <a:t>-- </a:t>
+            </a:r>
+            <a:r>
+              <a:rPr lang="en-US" dirty="0" smtClean="0"/>
+              <a:t>6 </a:t>
+            </a:r>
+            <a:r>
+              <a:rPr lang="en-US" dirty="0" err="1" smtClean="0"/>
+              <a:t>mai</a:t>
+            </a:r>
+            <a:r>
+              <a:rPr lang="en-US" dirty="0" smtClean="0"/>
+              <a:t> 2021, Jean-Louis DUFOUR</a:t>
+            </a:r>
+            <a:endParaRPr lang="fr-FR" dirty="0"/>
+          </a:p>
+        </p:txBody>
+      </p:sp>
+      <p:sp>
+        <p:nvSpPr>
+          <p:cNvPr id="12" name="Espace réservé du numéro de diapositive 11"/>
+          <p:cNvSpPr>
+            <a:spLocks noGrp="1"/>
+          </p:cNvSpPr>
+          <p:nvPr>
+            <p:ph type="sldNum" sz="quarter" idx="12"/>
+          </p:nvPr>
+        </p:nvSpPr>
+        <p:spPr/>
+        <p:txBody>
+          <a:bodyPr/>
+          <a:lstStyle/>
+          <a:p>
+            <a:fld id="{733122C9-A0B9-462F-8757-0847AD287B63}" type="slidenum">
+              <a:rPr lang="fr-FR" smtClean="0"/>
+              <a:pPr/>
+              <a:t>3</a:t>
+            </a:fld>
+            <a:endParaRPr lang="fr-FR" dirty="0"/>
+          </a:p>
+        </p:txBody>
+      </p:sp>
+      <p:sp>
+        <p:nvSpPr>
+          <p:cNvPr id="2" name="Espace réservé du contenu 1"/>
+          <p:cNvSpPr>
+            <a:spLocks noGrp="1"/>
+          </p:cNvSpPr>
+          <p:nvPr>
+            <p:ph idx="1"/>
+          </p:nvPr>
+        </p:nvSpPr>
+        <p:spPr>
+          <a:xfrm>
+            <a:off x="71501" y="1419622"/>
+            <a:ext cx="4428491" cy="2628292"/>
+          </a:xfrm>
+        </p:spPr>
+        <p:txBody>
+          <a:bodyPr/>
+          <a:lstStyle/>
+          <a:p>
+            <a:r>
+              <a:rPr lang="fr-FR" dirty="0" smtClean="0"/>
+              <a:t>{x | x not in x}</a:t>
+            </a:r>
+          </a:p>
+          <a:p>
+            <a:r>
+              <a:rPr lang="fr-FR" dirty="0" smtClean="0"/>
+              <a:t>Où le barbier du village se rase-t-il ?</a:t>
+            </a:r>
+            <a:endParaRPr lang="fr-FR" dirty="0"/>
+          </a:p>
+          <a:p>
+            <a:endParaRPr lang="fr-FR" dirty="0" smtClean="0"/>
+          </a:p>
+          <a:p>
+            <a:r>
+              <a:rPr lang="fr-FR" dirty="0" smtClean="0"/>
+              <a:t>Brouwer et le ‘péril’ INTUITIONISTE</a:t>
+            </a:r>
+          </a:p>
+          <a:p>
+            <a:r>
+              <a:rPr lang="fr-FR" dirty="0" smtClean="0"/>
+              <a:t>La réponse de Hilbert : le FORMALISME</a:t>
+            </a:r>
+            <a:endParaRPr lang="fr-FR" dirty="0"/>
+          </a:p>
+          <a:p>
+            <a:r>
+              <a:rPr lang="fr-FR" dirty="0" smtClean="0"/>
+              <a:t>1910 : </a:t>
+            </a:r>
+            <a:r>
+              <a:rPr lang="fr-FR" dirty="0" err="1" smtClean="0"/>
+              <a:t>Principia</a:t>
+            </a:r>
+            <a:r>
+              <a:rPr lang="fr-FR" dirty="0" smtClean="0"/>
+              <a:t> </a:t>
+            </a:r>
+            <a:r>
+              <a:rPr lang="fr-FR" dirty="0" err="1" smtClean="0"/>
+              <a:t>Mathematica</a:t>
+            </a:r>
+            <a:endParaRPr lang="fr-FR" dirty="0" smtClean="0"/>
+          </a:p>
+          <a:p>
+            <a:pPr lvl="1"/>
+            <a:r>
+              <a:rPr lang="fr-FR" dirty="0" smtClean="0"/>
+              <a:t>1+1 = 2 en page 300</a:t>
+            </a:r>
+          </a:p>
+          <a:p>
+            <a:endParaRPr lang="fr-FR" dirty="0"/>
+          </a:p>
+          <a:p>
+            <a:r>
+              <a:rPr lang="fr-FR" dirty="0" smtClean="0"/>
+              <a:t>Les défis de Hilbert :</a:t>
+            </a:r>
+          </a:p>
+          <a:p>
+            <a:r>
+              <a:rPr lang="fr-FR" dirty="0" smtClean="0"/>
+              <a:t>1900 : consistance de l’arithmétique</a:t>
+            </a:r>
+          </a:p>
+          <a:p>
+            <a:r>
+              <a:rPr lang="fr-FR" dirty="0" smtClean="0"/>
+              <a:t>1900 : </a:t>
+            </a:r>
+            <a:r>
+              <a:rPr lang="fr-FR" smtClean="0"/>
+              <a:t>équations diophantiennes</a:t>
+            </a:r>
+            <a:endParaRPr lang="fr-FR" dirty="0" smtClean="0"/>
+          </a:p>
+          <a:p>
+            <a:r>
+              <a:rPr lang="fr-FR" dirty="0" smtClean="0"/>
+              <a:t>1928 : </a:t>
+            </a:r>
+            <a:r>
+              <a:rPr lang="fr-FR" dirty="0" err="1" smtClean="0"/>
+              <a:t>entscheidungproblem</a:t>
+            </a:r>
+            <a:endParaRPr lang="fr-FR" dirty="0" smtClean="0"/>
+          </a:p>
+          <a:p>
+            <a:pPr marL="180000" lvl="1" indent="0">
+              <a:buNone/>
+            </a:pPr>
+            <a:endParaRPr lang="fr-FR" dirty="0" smtClean="0"/>
+          </a:p>
+          <a:p>
+            <a:pPr marL="180000" lvl="1" indent="0">
+              <a:buNone/>
+            </a:pPr>
+            <a:endParaRPr lang="fr-FR" dirty="0"/>
+          </a:p>
+          <a:p>
+            <a:pPr lvl="1"/>
+            <a:endParaRPr lang="fr-FR" dirty="0" smtClean="0"/>
+          </a:p>
+          <a:p>
+            <a:pPr marL="0" indent="0">
+              <a:buNone/>
+            </a:pPr>
+            <a:endParaRPr lang="fr-FR" i="1" u="sng" dirty="0">
+              <a:solidFill>
+                <a:srgbClr val="FF0000"/>
+              </a:solidFill>
+            </a:endParaRPr>
+          </a:p>
+        </p:txBody>
+      </p:sp>
       <p:pic>
         <p:nvPicPr>
           <p:cNvPr id="4" name="Image 3"/>
@@ -27882,14 +26952,316 @@
         </p:blipFill>
         <p:spPr>
           <a:xfrm>
-            <a:off x="7128284" y="2101519"/>
-            <a:ext cx="1843472" cy="2497067"/>
+            <a:off x="6809639" y="14447"/>
+            <a:ext cx="2334869" cy="3457403"/>
           </a:xfrm>
           <a:prstGeom prst="rect">
             <a:avLst/>
           </a:prstGeom>
         </p:spPr>
       </p:pic>
+      <p:pic>
+        <p:nvPicPr>
+          <p:cNvPr id="9" name="Image 8"/>
+          <p:cNvPicPr>
+            <a:picLocks noChangeAspect="1"/>
+          </p:cNvPicPr>
+          <p:nvPr/>
+        </p:nvPicPr>
+        <p:blipFill>
+          <a:blip r:link="rId4"/>
+          <a:stretch>
+            <a:fillRect/>
+          </a:stretch>
+        </p:blipFill>
+        <p:spPr>
+          <a:xfrm>
+            <a:off x="7049008" y="2415319"/>
+            <a:ext cx="2095500" cy="2352675"/>
+          </a:xfrm>
+          <a:prstGeom prst="rect">
+            <a:avLst/>
+          </a:prstGeom>
+        </p:spPr>
+      </p:pic>
+      <p:pic>
+        <p:nvPicPr>
+          <p:cNvPr id="13" name="Image 12"/>
+          <p:cNvPicPr>
+            <a:picLocks noChangeAspect="1"/>
+          </p:cNvPicPr>
+          <p:nvPr/>
+        </p:nvPicPr>
+        <p:blipFill>
+          <a:blip r:link="rId5"/>
+          <a:stretch>
+            <a:fillRect/>
+          </a:stretch>
+        </p:blipFill>
+        <p:spPr>
+          <a:xfrm>
+            <a:off x="4932040" y="2270927"/>
+            <a:ext cx="1843472" cy="2497067"/>
+          </a:xfrm>
+          <a:prstGeom prst="rect">
+            <a:avLst/>
+          </a:prstGeom>
+        </p:spPr>
+      </p:pic>
+    </p:spTree>
+    <p:extLst>
+      <p:ext uri="{BB962C8B-B14F-4D97-AF65-F5344CB8AC3E}">
+        <p14:creationId xmlns:p14="http://schemas.microsoft.com/office/powerpoint/2010/main" val="3986647900"/>
+      </p:ext>
+    </p:extLst>
+  </p:cSld>
+  <p:clrMapOvr>
+    <a:masterClrMapping/>
+  </p:clrMapOvr>
+  <p:timing>
+    <p:tnLst>
+      <p:par>
+        <p:cTn id="1" dur="indefinite" restart="never" nodeType="tmRoot"/>
+      </p:par>
+    </p:tnLst>
+  </p:timing>
+</p:sld>
+</file>
+
+<file path=ppt/slides/slide4.xml><?xml version="1.0" encoding="utf-8"?>
+<p:sld xmlns:a="http://schemas.openxmlformats.org/drawingml/2006/main" xmlns:r="http://schemas.openxmlformats.org/officeDocument/2006/relationships" xmlns:p="http://schemas.openxmlformats.org/presentationml/2006/main">
+  <p:cSld>
+    <p:spTree>
+      <p:nvGrpSpPr>
+        <p:cNvPr id="1" name=""/>
+        <p:cNvGrpSpPr/>
+        <p:nvPr/>
+      </p:nvGrpSpPr>
+      <p:grpSpPr>
+        <a:xfrm>
+          <a:off x="0" y="0"/>
+          <a:ext cx="0" cy="0"/>
+          <a:chOff x="0" y="0"/>
+          <a:chExt cx="0" cy="0"/>
+        </a:xfrm>
+      </p:grpSpPr>
+      <p:sp>
+        <p:nvSpPr>
+          <p:cNvPr id="8" name="Titre 7"/>
+          <p:cNvSpPr>
+            <a:spLocks noGrp="1"/>
+          </p:cNvSpPr>
+          <p:nvPr>
+            <p:ph type="title"/>
+          </p:nvPr>
+        </p:nvSpPr>
+        <p:spPr>
+          <a:xfrm>
+            <a:off x="359532" y="411163"/>
+            <a:ext cx="8533643" cy="540000"/>
+          </a:xfrm>
+        </p:spPr>
+        <p:txBody>
+          <a:bodyPr/>
+          <a:lstStyle/>
+          <a:p>
+            <a:r>
+              <a:rPr lang="fr-FR" dirty="0" smtClean="0"/>
+              <a:t>1930 : le calme avant la tempête</a:t>
+            </a:r>
+            <a:endParaRPr lang="fr-FR" dirty="0"/>
+          </a:p>
+        </p:txBody>
+      </p:sp>
+      <p:sp>
+        <p:nvSpPr>
+          <p:cNvPr id="10" name="Espace réservé de la date 9"/>
+          <p:cNvSpPr>
+            <a:spLocks noGrp="1"/>
+          </p:cNvSpPr>
+          <p:nvPr>
+            <p:ph type="dt" sz="half" idx="10"/>
+          </p:nvPr>
+        </p:nvSpPr>
+        <p:spPr/>
+        <p:txBody>
+          <a:bodyPr/>
+          <a:lstStyle/>
+          <a:p>
+            <a:r>
+              <a:rPr lang="fr-FR" smtClean="0"/>
+              <a:t>27 sept. 2019, Jean-Louis DUFOUR</a:t>
+            </a:r>
+            <a:endParaRPr lang="fr-FR" dirty="0"/>
+          </a:p>
+        </p:txBody>
+      </p:sp>
+      <p:sp>
+        <p:nvSpPr>
+          <p:cNvPr id="11" name="Espace réservé du pied de page 10"/>
+          <p:cNvSpPr>
+            <a:spLocks noGrp="1"/>
+          </p:cNvSpPr>
+          <p:nvPr>
+            <p:ph type="ftr" sz="quarter" idx="11"/>
+          </p:nvPr>
+        </p:nvSpPr>
+        <p:spPr/>
+        <p:txBody>
+          <a:bodyPr/>
+          <a:lstStyle/>
+          <a:p>
+            <a:pPr algn="l"/>
+            <a:r>
+              <a:rPr lang="en-US" dirty="0"/>
+              <a:t>Comment </a:t>
+            </a:r>
+            <a:r>
+              <a:rPr lang="en-US" dirty="0" err="1"/>
+              <a:t>réussir</a:t>
+            </a:r>
+            <a:r>
+              <a:rPr lang="en-US" dirty="0"/>
+              <a:t> </a:t>
+            </a:r>
+            <a:r>
+              <a:rPr lang="en-US" dirty="0" err="1"/>
+              <a:t>vos</a:t>
+            </a:r>
+            <a:r>
+              <a:rPr lang="en-US" dirty="0"/>
+              <a:t> </a:t>
+            </a:r>
+            <a:r>
+              <a:rPr lang="en-US" dirty="0" err="1"/>
+              <a:t>sudokus</a:t>
+            </a:r>
+            <a:r>
+              <a:rPr lang="en-US" dirty="0"/>
+              <a:t> ? </a:t>
+            </a:r>
+            <a:r>
+              <a:rPr lang="en-US" dirty="0" smtClean="0"/>
+              <a:t>[2ième </a:t>
+            </a:r>
+            <a:r>
+              <a:rPr lang="en-US" dirty="0" err="1" smtClean="0"/>
+              <a:t>partie</a:t>
+            </a:r>
+            <a:r>
+              <a:rPr lang="en-US" dirty="0" smtClean="0"/>
+              <a:t>] P </a:t>
+            </a:r>
+            <a:r>
+              <a:rPr lang="en-US" dirty="0" err="1" smtClean="0"/>
+              <a:t>est-il</a:t>
+            </a:r>
+            <a:r>
+              <a:rPr lang="en-US" dirty="0" smtClean="0"/>
+              <a:t> </a:t>
+            </a:r>
+            <a:r>
+              <a:rPr lang="en-US" dirty="0" err="1" smtClean="0"/>
+              <a:t>égal</a:t>
+            </a:r>
+            <a:r>
+              <a:rPr lang="en-US" dirty="0" smtClean="0"/>
+              <a:t> à NP ? </a:t>
+            </a:r>
+            <a:r>
+              <a:rPr lang="en-US" dirty="0"/>
+              <a:t>-- </a:t>
+            </a:r>
+            <a:r>
+              <a:rPr lang="en-US" dirty="0" smtClean="0"/>
+              <a:t>6 </a:t>
+            </a:r>
+            <a:r>
+              <a:rPr lang="en-US" dirty="0" err="1" smtClean="0"/>
+              <a:t>mai</a:t>
+            </a:r>
+            <a:r>
+              <a:rPr lang="en-US" dirty="0" smtClean="0"/>
+              <a:t> 2021, Jean-Louis DUFOUR</a:t>
+            </a:r>
+            <a:endParaRPr lang="fr-FR" dirty="0"/>
+          </a:p>
+        </p:txBody>
+      </p:sp>
+      <p:sp>
+        <p:nvSpPr>
+          <p:cNvPr id="12" name="Espace réservé du numéro de diapositive 11"/>
+          <p:cNvSpPr>
+            <a:spLocks noGrp="1"/>
+          </p:cNvSpPr>
+          <p:nvPr>
+            <p:ph type="sldNum" sz="quarter" idx="12"/>
+          </p:nvPr>
+        </p:nvSpPr>
+        <p:spPr/>
+        <p:txBody>
+          <a:bodyPr/>
+          <a:lstStyle/>
+          <a:p>
+            <a:fld id="{733122C9-A0B9-462F-8757-0847AD287B63}" type="slidenum">
+              <a:rPr lang="fr-FR" smtClean="0"/>
+              <a:pPr/>
+              <a:t>4</a:t>
+            </a:fld>
+            <a:endParaRPr lang="fr-FR" dirty="0"/>
+          </a:p>
+        </p:txBody>
+      </p:sp>
+      <p:sp>
+        <p:nvSpPr>
+          <p:cNvPr id="2" name="Espace réservé du contenu 1"/>
+          <p:cNvSpPr>
+            <a:spLocks noGrp="1"/>
+          </p:cNvSpPr>
+          <p:nvPr>
+            <p:ph idx="1"/>
+          </p:nvPr>
+        </p:nvSpPr>
+        <p:spPr>
+          <a:xfrm>
+            <a:off x="368412" y="1635646"/>
+            <a:ext cx="4428491" cy="1575048"/>
+          </a:xfrm>
+        </p:spPr>
+        <p:txBody>
+          <a:bodyPr/>
+          <a:lstStyle/>
+          <a:p>
+            <a:r>
+              <a:rPr lang="fr-FR" dirty="0" smtClean="0"/>
+              <a:t>1929 : </a:t>
+            </a:r>
+            <a:r>
+              <a:rPr lang="fr-FR" dirty="0" err="1" smtClean="0"/>
+              <a:t>Presburger</a:t>
+            </a:r>
+            <a:endParaRPr lang="fr-FR" dirty="0" smtClean="0"/>
+          </a:p>
+          <a:p>
+            <a:r>
+              <a:rPr lang="fr-FR" dirty="0" smtClean="0"/>
+              <a:t>1930 : Gödel</a:t>
+            </a:r>
+            <a:endParaRPr lang="fr-FR" dirty="0"/>
+          </a:p>
+          <a:p>
+            <a:pPr lvl="1"/>
+            <a:endParaRPr lang="fr-FR" dirty="0" smtClean="0"/>
+          </a:p>
+          <a:p>
+            <a:endParaRPr lang="fr-FR" i="1" u="sng" dirty="0">
+              <a:solidFill>
+                <a:srgbClr val="FF0000"/>
+              </a:solidFill>
+            </a:endParaRPr>
+          </a:p>
+        </p:txBody>
+      </p:sp>
     </p:spTree>
     <p:extLst>
       <p:ext uri="{BB962C8B-B14F-4D97-AF65-F5344CB8AC3E}">
@@ -27957,6 +27329,55 @@
                       </p:childTnLst>
                     </p:cTn>
                   </p:par>
+                  <p:par>
+                    <p:cTn id="7" fill="hold">
+                      <p:stCondLst>
+                        <p:cond delay="indefinite"/>
+                      </p:stCondLst>
+                      <p:childTnLst>
+                        <p:par>
+                          <p:cTn id="8" fill="hold">
+                            <p:stCondLst>
+                              <p:cond delay="0"/>
+                            </p:stCondLst>
+                            <p:childTnLst>
+                              <p:par>
+                                <p:cTn id="9" presetID="1" presetClass="entr" presetSubtype="0" fill="hold" grpId="0" nodeType="clickEffect">
+                                  <p:stCondLst>
+                                    <p:cond delay="0"/>
+                                  </p:stCondLst>
+                                  <p:childTnLst>
+                                    <p:set>
+                                      <p:cBhvr>
+                                        <p:cTn id="10" dur="1" fill="hold">
+                                          <p:stCondLst>
+                                            <p:cond delay="0"/>
+                                          </p:stCondLst>
+                                        </p:cTn>
+                                        <p:tgtEl>
+                                          <p:spTgt spid="2">
+                                            <p:txEl>
+                                              <p:pRg st="1" end="1"/>
+                                            </p:txEl>
+                                          </p:spTgt>
+                                        </p:tgtEl>
+                                        <p:attrNameLst>
+                                          <p:attrName>style.visibility</p:attrName>
+                                        </p:attrNameLst>
+                                      </p:cBhvr>
+                                      <p:to>
+                                        <p:strVal val="visible"/>
+                                      </p:to>
+                                    </p:set>
+                                  </p:childTnLst>
+                                </p:cTn>
+                              </p:par>
+                            </p:childTnLst>
+                          </p:cTn>
+                        </p:par>
+                      </p:childTnLst>
+                    </p:cTn>
+                  </p:par>
                 </p:childTnLst>
               </p:cTn>
               <p:prevCondLst>
@@ -27985,7 +27406,7 @@
 </p:sld>
 </file>
 
-<file path=ppt/slides/slide8.xml><?xml version="1.0" encoding="utf-8"?>
+<file path=ppt/slides/slide5.xml><?xml version="1.0" encoding="utf-8"?>
 <p:sld xmlns:a="http://schemas.openxmlformats.org/drawingml/2006/main" xmlns:r="http://schemas.openxmlformats.org/officeDocument/2006/relationships" xmlns:p="http://schemas.openxmlformats.org/presentationml/2006/main">
   <p:cSld>
     <p:spTree>
@@ -28163,7 +27584,7 @@
             <a:fld id="{733122C9-A0B9-462F-8757-0847AD287B63}" type="slidenum">
               <a:rPr lang="fr-FR" smtClean="0"/>
               <a:pPr/>
-              <a:t>8</a:t>
+              <a:t>5</a:t>
             </a:fld>
             <a:endParaRPr lang="fr-FR" dirty="0"/>
           </a:p>
@@ -28181,13 +27602,34 @@
         </p:nvSpPr>
         <p:spPr>
           <a:xfrm>
-            <a:off x="35496" y="2760898"/>
+            <a:off x="247050" y="1504314"/>
             <a:ext cx="4428491" cy="1575048"/>
           </a:xfrm>
         </p:spPr>
         <p:txBody>
           <a:bodyPr/>
           <a:lstStyle/>
+          <a:p>
+            <a:r>
+              <a:rPr lang="fr-FR" dirty="0" smtClean="0"/>
+              <a:t>Tout est nombre …</a:t>
+            </a:r>
+          </a:p>
+          <a:p>
+            <a:r>
+              <a:rPr lang="fr-FR" dirty="0" smtClean="0"/>
+              <a:t>Donc une proposition est un nombre …</a:t>
+            </a:r>
+          </a:p>
+          <a:p>
+            <a:r>
+              <a:rPr lang="fr-FR" dirty="0" smtClean="0"/>
+              <a:t>Donc une preuve est un nombre …</a:t>
+            </a:r>
+          </a:p>
+          <a:p>
+            <a:endParaRPr lang="fr-FR" dirty="0"/>
+          </a:p>
           <a:p>
             <a:r>
               <a:rPr lang="fr-FR" dirty="0" smtClean="0"/>
@@ -28303,6 +27745,153 @@
                       </p:childTnLst>
                     </p:cTn>
                   </p:par>
+                  <p:par>
+                    <p:cTn id="7" fill="hold">
+                      <p:stCondLst>
+                        <p:cond delay="indefinite"/>
+                      </p:stCondLst>
+                      <p:childTnLst>
+                        <p:par>
+                          <p:cTn id="8" fill="hold">
+                            <p:stCondLst>
+                              <p:cond delay="0"/>
+                            </p:stCondLst>
+                            <p:childTnLst>
+                              <p:par>
+                                <p:cTn id="9" presetID="1" presetClass="entr" presetSubtype="0" fill="hold" grpId="0" nodeType="clickEffect">
+                                  <p:stCondLst>
+                                    <p:cond delay="0"/>
+                                  </p:stCondLst>
+                                  <p:childTnLst>
+                                    <p:set>
+                                      <p:cBhvr>
+                                        <p:cTn id="10" dur="1" fill="hold">
+                                          <p:stCondLst>
+                                            <p:cond delay="0"/>
+                                          </p:stCondLst>
+                                        </p:cTn>
+                                        <p:tgtEl>
+                                          <p:spTgt spid="2">
+                                            <p:txEl>
+                                              <p:pRg st="1" end="1"/>
+                                            </p:txEl>
+                                          </p:spTgt>
+                                        </p:tgtEl>
+                                        <p:attrNameLst>
+                                          <p:attrName>style.visibility</p:attrName>
+                                        </p:attrNameLst>
+                                      </p:cBhvr>
+                                      <p:to>
+                                        <p:strVal val="visible"/>
+                                      </p:to>
+                                    </p:set>
+                                  </p:childTnLst>
+                                </p:cTn>
+                              </p:par>
+                            </p:childTnLst>
+                          </p:cTn>
+                        </p:par>
+                      </p:childTnLst>
+                    </p:cTn>
+                  </p:par>
+                  <p:par>
+                    <p:cTn id="11" fill="hold">
+                      <p:stCondLst>
+                        <p:cond delay="indefinite"/>
+                      </p:stCondLst>
+                      <p:childTnLst>
+                        <p:par>
+                          <p:cTn id="12" fill="hold">
+                            <p:stCondLst>
+                              <p:cond delay="0"/>
+                            </p:stCondLst>
+                            <p:childTnLst>
+                              <p:par>
+                                <p:cTn id="13" presetID="1" presetClass="entr" presetSubtype="0" fill="hold" grpId="0" nodeType="clickEffect">
+                                  <p:stCondLst>
+                                    <p:cond delay="0"/>
+                                  </p:stCondLst>
+                                  <p:childTnLst>
+                                    <p:set>
+                                      <p:cBhvr>
+                                        <p:cTn id="14" dur="1" fill="hold">
+                                          <p:stCondLst>
+                                            <p:cond delay="0"/>
+                                          </p:stCondLst>
+                                        </p:cTn>
+                                        <p:tgtEl>
+                                          <p:spTgt spid="2">
+                                            <p:txEl>
+                                              <p:pRg st="2" end="2"/>
+                                            </p:txEl>
+                                          </p:spTgt>
+                                        </p:tgtEl>
+                                        <p:attrNameLst>
+                                          <p:attrName>style.visibility</p:attrName>
+                                        </p:attrNameLst>
+                                      </p:cBhvr>
+                                      <p:to>
+                                        <p:strVal val="visible"/>
+                                      </p:to>
+                                    </p:set>
+                                  </p:childTnLst>
+                                </p:cTn>
+                              </p:par>
+                            </p:childTnLst>
+                          </p:cTn>
+                        </p:par>
+                      </p:childTnLst>
+                    </p:cTn>
+                  </p:par>
+                  <p:par>
+                    <p:cTn id="15" fill="hold">
+                      <p:stCondLst>
+                        <p:cond delay="indefinite"/>
+                      </p:stCondLst>
+                      <p:childTnLst>
+                        <p:par>
+                          <p:cTn id="16" fill="hold">
+                            <p:stCondLst>
+                              <p:cond delay="0"/>
+                            </p:stCondLst>
+                            <p:childTnLst>
+                              <p:par>
+                                <p:cTn id="17" presetID="1" presetClass="entr" presetSubtype="0" fill="hold" grpId="0" nodeType="clickEffect">
+                                  <p:stCondLst>
+                                    <p:cond delay="0"/>
+                                  </p:stCondLst>
+                                  <p:childTnLst>
+                                    <p:set>
+                                      <p:cBhvr>
+                                        <p:cTn id="18" dur="1" fill="hold">
+                                          <p:stCondLst>
+                                            <p:cond delay="0"/>
+                                          </p:stCondLst>
+                                        </p:cTn>
+                                        <p:tgtEl>
+                                          <p:spTgt spid="2">
+                                            <p:txEl>
+                                              <p:pRg st="4" end="4"/>
+                                            </p:txEl>
+                                          </p:spTgt>
+                                        </p:tgtEl>
+                                        <p:attrNameLst>
+                                          <p:attrName>style.visibility</p:attrName>
+                                        </p:attrNameLst>
+                                      </p:cBhvr>
+                                      <p:to>
+                                        <p:strVal val="visible"/>
+                                      </p:to>
+                                    </p:set>
+                                  </p:childTnLst>
+                                </p:cTn>
+                              </p:par>
+                            </p:childTnLst>
+                          </p:cTn>
+                        </p:par>
+                      </p:childTnLst>
+                    </p:cTn>
+                  </p:par>
                 </p:childTnLst>
               </p:cTn>
               <p:prevCondLst>
@@ -28331,7 +27920,7 @@
 </p:sld>
 </file>
 
-<file path=ppt/slides/slide9.xml><?xml version="1.0" encoding="utf-8"?>
+<file path=ppt/slides/slide6.xml><?xml version="1.0" encoding="utf-8"?>
 <p:sld xmlns:a="http://schemas.openxmlformats.org/drawingml/2006/main" xmlns:r="http://schemas.openxmlformats.org/officeDocument/2006/relationships" xmlns:p="http://schemas.openxmlformats.org/presentationml/2006/main">
   <p:cSld>
     <p:spTree>
@@ -28509,7 +28098,7 @@
             <a:fld id="{733122C9-A0B9-462F-8757-0847AD287B63}" type="slidenum">
               <a:rPr lang="fr-FR" smtClean="0"/>
               <a:pPr/>
-              <a:t>9</a:t>
+              <a:t>6</a:t>
             </a:fld>
             <a:endParaRPr lang="fr-FR" dirty="0"/>
           </a:p>
@@ -28528,7 +28117,7 @@
         <p:spPr>
           <a:xfrm>
             <a:off x="35496" y="2760898"/>
-            <a:ext cx="4428491" cy="1575048"/>
+            <a:ext cx="5184576" cy="1575048"/>
           </a:xfrm>
         </p:spPr>
         <p:txBody>
@@ -28537,7 +28126,35 @@
           <a:p>
             <a:r>
               <a:rPr lang="fr-FR" dirty="0" smtClean="0"/>
-              <a:t>Fonction « A sens unique »</a:t>
+              <a:t>Lambda- calcul (= </a:t>
+            </a:r>
+            <a:r>
+              <a:rPr lang="fr-FR" dirty="0" err="1" smtClean="0"/>
+              <a:t>Haskell</a:t>
+            </a:r>
+            <a:r>
+              <a:rPr lang="fr-FR" dirty="0" smtClean="0"/>
+              <a:t>)</a:t>
+            </a:r>
+          </a:p>
+          <a:p>
+            <a:r>
+              <a:rPr lang="fr-FR" dirty="0" err="1" smtClean="0"/>
+              <a:t>Entscheidungsproblem</a:t>
+            </a:r>
+            <a:endParaRPr lang="fr-FR" dirty="0" smtClean="0"/>
+          </a:p>
+          <a:p>
+            <a:endParaRPr lang="fr-FR" dirty="0"/>
+          </a:p>
+          <a:p>
+            <a:r>
+              <a:rPr lang="fr-FR" dirty="0" err="1" smtClean="0"/>
+              <a:t>Probleme</a:t>
+            </a:r>
+            <a:r>
+              <a:rPr lang="fr-FR" dirty="0" smtClean="0"/>
+              <a:t> : le lambda-calcul ne ressemble pas à un calcul</a:t>
             </a:r>
             <a:endParaRPr lang="fr-FR" dirty="0"/>
           </a:p>
@@ -28645,6 +28262,104 @@
                       </p:childTnLst>
                     </p:cTn>
                   </p:par>
+                  <p:par>
+                    <p:cTn id="7" fill="hold">
+                      <p:stCondLst>
+                        <p:cond delay="indefinite"/>
+                      </p:stCondLst>
+                      <p:childTnLst>
+                        <p:par>
+                          <p:cTn id="8" fill="hold">
+                            <p:stCondLst>
+                              <p:cond delay="0"/>
+                            </p:stCondLst>
+                            <p:childTnLst>
+                              <p:par>
+                                <p:cTn id="9" presetID="1" presetClass="entr" presetSubtype="0" fill="hold" grpId="0" nodeType="clickEffect">
+                                  <p:stCondLst>
+                                    <p:cond delay="0"/>
+                                  </p:stCondLst>
+                                  <p:childTnLst>
+                                    <p:set>
+                                      <p:cBhvr>
+                                        <p:cTn id="10" dur="1" fill="hold">
+                                          <p:stCondLst>
+                                            <p:cond delay="0"/>
+                                          </p:stCondLst>
+                                        </p:cTn>
+                                        <p:tgtEl>
+                                          <p:spTgt spid="2">
+                                            <p:txEl>
+                                              <p:pRg st="1" end="1"/>
+                                            </p:txEl>
+                                          </p:spTgt>
+                                        </p:tgtEl>
+                                        <p:attrNameLst>
+                                          <p:attrName>style.visibility</p:attrName>
+                                        </p:attrNameLst>
+                                      </p:cBhvr>
+                                      <p:to>
+                                        <p:strVal val="visible"/>
+                                      </p:to>
+                                    </p:set>
+                                  </p:childTnLst>
+                                </p:cTn>
+                              </p:par>
+                            </p:childTnLst>
+                          </p:cTn>
+                        </p:par>
+                      </p:childTnLst>
+                    </p:cTn>
+                  </p:par>
+                  <p:par>
+                    <p:cTn id="11" fill="hold">
+                      <p:stCondLst>
+                        <p:cond delay="indefinite"/>
+                      </p:stCondLst>
+                      <p:childTnLst>
+                        <p:par>
+                          <p:cTn id="12" fill="hold">
+                            <p:stCondLst>
+                              <p:cond delay="0"/>
+                            </p:stCondLst>
+                            <p:childTnLst>
+                              <p:par>
+                                <p:cTn id="13" presetID="1" presetClass="entr" presetSubtype="0" fill="hold" grpId="0" nodeType="clickEffect">
+                                  <p:stCondLst>
+                                    <p:cond delay="0"/>
+                                  </p:stCondLst>
+                                  <p:childTnLst>
+                                    <p:set>
+                                      <p:cBhvr>
+                                        <p:cTn id="14" dur="1" fill="hold">
+                                          <p:stCondLst>
+                                            <p:cond delay="0"/>
+                                          </p:stCondLst>
+                                        </p:cTn>
+                                        <p:tgtEl>
+                                          <p:spTgt spid="2">
+                                            <p:txEl>
+                                              <p:pRg st="3" end="3"/>
+                                            </p:txEl>
+                                          </p:spTgt>
+                                        </p:tgtEl>
+                                        <p:attrNameLst>
+                                          <p:attrName>style.visibility</p:attrName>
+                                        </p:attrNameLst>
+                                      </p:cBhvr>
+                                      <p:to>
+                                        <p:strVal val="visible"/>
+                                      </p:to>
+                                    </p:set>
+                                  </p:childTnLst>
+                                </p:cTn>
+                              </p:par>
+                            </p:childTnLst>
+                          </p:cTn>
+                        </p:par>
+                      </p:childTnLst>
+                    </p:cTn>
+                  </p:par>
                 </p:childTnLst>
               </p:cTn>
               <p:prevCondLst>
@@ -28669,6 +28384,1384 @@
     <p:bldLst>
       <p:bldP spid="2" grpId="0" build="p" bldLvl="3"/>
     </p:bldLst>
+  </p:timing>
+</p:sld>
+</file>
+
+<file path=ppt/slides/slide7.xml><?xml version="1.0" encoding="utf-8"?>
+<p:sld xmlns:a="http://schemas.openxmlformats.org/drawingml/2006/main" xmlns:r="http://schemas.openxmlformats.org/officeDocument/2006/relationships" xmlns:p="http://schemas.openxmlformats.org/presentationml/2006/main">
+  <p:cSld>
+    <p:spTree>
+      <p:nvGrpSpPr>
+        <p:cNvPr id="1" name=""/>
+        <p:cNvGrpSpPr/>
+        <p:nvPr/>
+      </p:nvGrpSpPr>
+      <p:grpSpPr>
+        <a:xfrm>
+          <a:off x="0" y="0"/>
+          <a:ext cx="0" cy="0"/>
+          <a:chOff x="0" y="0"/>
+          <a:chExt cx="0" cy="0"/>
+        </a:xfrm>
+      </p:grpSpPr>
+      <p:sp>
+        <p:nvSpPr>
+          <p:cNvPr id="8" name="Titre 7"/>
+          <p:cNvSpPr>
+            <a:spLocks noGrp="1"/>
+          </p:cNvSpPr>
+          <p:nvPr>
+            <p:ph type="title"/>
+          </p:nvPr>
+        </p:nvSpPr>
+        <p:spPr>
+          <a:xfrm>
+            <a:off x="359532" y="411163"/>
+            <a:ext cx="8533643" cy="540000"/>
+          </a:xfrm>
+        </p:spPr>
+        <p:txBody>
+          <a:bodyPr/>
+          <a:lstStyle/>
+          <a:p>
+            <a:r>
+              <a:rPr lang="fr-FR" dirty="0" smtClean="0"/>
+              <a:t>1936 : Turing</a:t>
+            </a:r>
+            <a:endParaRPr lang="fr-FR" dirty="0"/>
+          </a:p>
+        </p:txBody>
+      </p:sp>
+      <p:sp>
+        <p:nvSpPr>
+          <p:cNvPr id="10" name="Espace réservé de la date 9"/>
+          <p:cNvSpPr>
+            <a:spLocks noGrp="1"/>
+          </p:cNvSpPr>
+          <p:nvPr>
+            <p:ph type="dt" sz="half" idx="10"/>
+          </p:nvPr>
+        </p:nvSpPr>
+        <p:spPr/>
+        <p:txBody>
+          <a:bodyPr/>
+          <a:lstStyle/>
+          <a:p>
+            <a:r>
+              <a:rPr lang="fr-FR" smtClean="0"/>
+              <a:t>27 sept. 2019, Jean-Louis DUFOUR</a:t>
+            </a:r>
+            <a:endParaRPr lang="fr-FR" dirty="0"/>
+          </a:p>
+        </p:txBody>
+      </p:sp>
+      <p:sp>
+        <p:nvSpPr>
+          <p:cNvPr id="11" name="Espace réservé du pied de page 10"/>
+          <p:cNvSpPr>
+            <a:spLocks noGrp="1"/>
+          </p:cNvSpPr>
+          <p:nvPr>
+            <p:ph type="ftr" sz="quarter" idx="11"/>
+          </p:nvPr>
+        </p:nvSpPr>
+        <p:spPr/>
+        <p:txBody>
+          <a:bodyPr/>
+          <a:lstStyle/>
+          <a:p>
+            <a:pPr algn="l"/>
+            <a:r>
+              <a:rPr lang="en-US" dirty="0"/>
+              <a:t>Comment </a:t>
+            </a:r>
+            <a:r>
+              <a:rPr lang="en-US" dirty="0" err="1"/>
+              <a:t>réussir</a:t>
+            </a:r>
+            <a:r>
+              <a:rPr lang="en-US" dirty="0"/>
+              <a:t> </a:t>
+            </a:r>
+            <a:r>
+              <a:rPr lang="en-US" dirty="0" err="1"/>
+              <a:t>vos</a:t>
+            </a:r>
+            <a:r>
+              <a:rPr lang="en-US" dirty="0"/>
+              <a:t> </a:t>
+            </a:r>
+            <a:r>
+              <a:rPr lang="en-US" dirty="0" err="1"/>
+              <a:t>sudokus</a:t>
+            </a:r>
+            <a:r>
+              <a:rPr lang="en-US" dirty="0"/>
+              <a:t> ? </a:t>
+            </a:r>
+            <a:r>
+              <a:rPr lang="en-US" dirty="0" smtClean="0"/>
+              <a:t>[2ième </a:t>
+            </a:r>
+            <a:r>
+              <a:rPr lang="en-US" dirty="0" err="1" smtClean="0"/>
+              <a:t>partie</a:t>
+            </a:r>
+            <a:r>
+              <a:rPr lang="en-US" dirty="0" smtClean="0"/>
+              <a:t>] P </a:t>
+            </a:r>
+            <a:r>
+              <a:rPr lang="en-US" dirty="0" err="1" smtClean="0"/>
+              <a:t>est-il</a:t>
+            </a:r>
+            <a:r>
+              <a:rPr lang="en-US" dirty="0" smtClean="0"/>
+              <a:t> </a:t>
+            </a:r>
+            <a:r>
+              <a:rPr lang="en-US" dirty="0" err="1" smtClean="0"/>
+              <a:t>égal</a:t>
+            </a:r>
+            <a:r>
+              <a:rPr lang="en-US" dirty="0" smtClean="0"/>
+              <a:t> à NP ? </a:t>
+            </a:r>
+            <a:r>
+              <a:rPr lang="en-US" dirty="0"/>
+              <a:t>-- </a:t>
+            </a:r>
+            <a:r>
+              <a:rPr lang="en-US" dirty="0" smtClean="0"/>
+              <a:t>6 </a:t>
+            </a:r>
+            <a:r>
+              <a:rPr lang="en-US" dirty="0" err="1" smtClean="0"/>
+              <a:t>mai</a:t>
+            </a:r>
+            <a:r>
+              <a:rPr lang="en-US" dirty="0" smtClean="0"/>
+              <a:t> 2021, Jean-Louis DUFOUR</a:t>
+            </a:r>
+            <a:endParaRPr lang="fr-FR" dirty="0"/>
+          </a:p>
+        </p:txBody>
+      </p:sp>
+      <p:sp>
+        <p:nvSpPr>
+          <p:cNvPr id="12" name="Espace réservé du numéro de diapositive 11"/>
+          <p:cNvSpPr>
+            <a:spLocks noGrp="1"/>
+          </p:cNvSpPr>
+          <p:nvPr>
+            <p:ph type="sldNum" sz="quarter" idx="12"/>
+          </p:nvPr>
+        </p:nvSpPr>
+        <p:spPr/>
+        <p:txBody>
+          <a:bodyPr/>
+          <a:lstStyle/>
+          <a:p>
+            <a:fld id="{733122C9-A0B9-462F-8757-0847AD287B63}" type="slidenum">
+              <a:rPr lang="fr-FR" smtClean="0"/>
+              <a:pPr/>
+              <a:t>7</a:t>
+            </a:fld>
+            <a:endParaRPr lang="fr-FR" dirty="0"/>
+          </a:p>
+        </p:txBody>
+      </p:sp>
+      <p:sp>
+        <p:nvSpPr>
+          <p:cNvPr id="2" name="Espace réservé du contenu 1"/>
+          <p:cNvSpPr>
+            <a:spLocks noGrp="1"/>
+          </p:cNvSpPr>
+          <p:nvPr>
+            <p:ph idx="1"/>
+          </p:nvPr>
+        </p:nvSpPr>
+        <p:spPr>
+          <a:xfrm>
+            <a:off x="485999" y="2394804"/>
+            <a:ext cx="5796644" cy="1575048"/>
+          </a:xfrm>
+        </p:spPr>
+        <p:txBody>
+          <a:bodyPr/>
+          <a:lstStyle/>
+          <a:p>
+            <a:r>
+              <a:rPr lang="fr-FR" dirty="0" smtClean="0"/>
+              <a:t>Turing = ‘Taylor des calculateurs’</a:t>
+            </a:r>
+          </a:p>
+          <a:p>
+            <a:endParaRPr lang="fr-FR" dirty="0"/>
+          </a:p>
+          <a:p>
+            <a:r>
+              <a:rPr lang="fr-FR" dirty="0" smtClean="0"/>
+              <a:t>Machine Universelle = </a:t>
+            </a:r>
+            <a:r>
+              <a:rPr lang="fr-FR" dirty="0" smtClean="0"/>
+              <a:t>interpréteur</a:t>
+            </a:r>
+          </a:p>
+          <a:p>
+            <a:endParaRPr lang="fr-FR" dirty="0"/>
+          </a:p>
+          <a:p>
+            <a:r>
+              <a:rPr lang="fr-FR" dirty="0" smtClean="0"/>
+              <a:t>‘</a:t>
+            </a:r>
+            <a:r>
+              <a:rPr lang="fr-FR" dirty="0" err="1" smtClean="0"/>
+              <a:t>Halting</a:t>
+            </a:r>
+            <a:r>
+              <a:rPr lang="fr-FR" dirty="0" smtClean="0"/>
+              <a:t> </a:t>
+            </a:r>
+            <a:r>
+              <a:rPr lang="fr-FR" dirty="0" err="1" smtClean="0"/>
+              <a:t>problem</a:t>
+            </a:r>
+            <a:r>
+              <a:rPr lang="fr-FR" dirty="0" smtClean="0"/>
+              <a:t>’ : Kleene 1952, Davis 1958</a:t>
+            </a:r>
+            <a:endParaRPr lang="fr-FR" dirty="0" smtClean="0"/>
+          </a:p>
+          <a:p>
+            <a:endParaRPr lang="fr-FR" dirty="0"/>
+          </a:p>
+          <a:p>
+            <a:endParaRPr lang="fr-FR" dirty="0"/>
+          </a:p>
+          <a:p>
+            <a:pPr lvl="1"/>
+            <a:endParaRPr lang="fr-FR" dirty="0" smtClean="0"/>
+          </a:p>
+          <a:p>
+            <a:endParaRPr lang="fr-FR" i="1" u="sng" dirty="0">
+              <a:solidFill>
+                <a:srgbClr val="FF0000"/>
+              </a:solidFill>
+            </a:endParaRPr>
+          </a:p>
+        </p:txBody>
+      </p:sp>
+      <p:pic>
+        <p:nvPicPr>
+          <p:cNvPr id="3" name="Image 2"/>
+          <p:cNvPicPr>
+            <a:picLocks noChangeAspect="1"/>
+          </p:cNvPicPr>
+          <p:nvPr/>
+        </p:nvPicPr>
+        <p:blipFill>
+          <a:blip r:link="rId2"/>
+          <a:stretch>
+            <a:fillRect/>
+          </a:stretch>
+        </p:blipFill>
+        <p:spPr>
+          <a:xfrm>
+            <a:off x="6238875" y="51470"/>
+            <a:ext cx="2857500" cy="1600200"/>
+          </a:xfrm>
+          <a:prstGeom prst="rect">
+            <a:avLst/>
+          </a:prstGeom>
+        </p:spPr>
+      </p:pic>
+    </p:spTree>
+    <p:extLst>
+      <p:ext uri="{BB962C8B-B14F-4D97-AF65-F5344CB8AC3E}">
+        <p14:creationId xmlns:p14="http://schemas.microsoft.com/office/powerpoint/2010/main" val="4206735828"/>
+      </p:ext>
+    </p:extLst>
+  </p:cSld>
+  <p:clrMapOvr>
+    <a:masterClrMapping/>
+  </p:clrMapOvr>
+  <p:timing>
+    <p:tnLst>
+      <p:par>
+        <p:cTn id="1" dur="indefinite" restart="never" nodeType="tmRoot">
+          <p:childTnLst>
+            <p:seq concurrent="1" nextAc="seek">
+              <p:cTn id="2" dur="indefinite" nodeType="mainSeq">
+                <p:childTnLst>
+                  <p:par>
+                    <p:cTn id="3" fill="hold">
+                      <p:stCondLst>
+                        <p:cond delay="indefinite"/>
+                      </p:stCondLst>
+                      <p:childTnLst>
+                        <p:par>
+                          <p:cTn id="4" fill="hold">
+                            <p:stCondLst>
+                              <p:cond delay="0"/>
+                            </p:stCondLst>
+                            <p:childTnLst>
+                              <p:par>
+                                <p:cTn id="5" presetID="1" presetClass="entr" presetSubtype="0" fill="hold" grpId="0" nodeType="clickEffect">
+                                  <p:stCondLst>
+                                    <p:cond delay="0"/>
+                                  </p:stCondLst>
+                                  <p:childTnLst>
+                                    <p:set>
+                                      <p:cBhvr>
+                                        <p:cTn id="6" dur="1" fill="hold">
+                                          <p:stCondLst>
+                                            <p:cond delay="0"/>
+                                          </p:stCondLst>
+                                        </p:cTn>
+                                        <p:tgtEl>
+                                          <p:spTgt spid="2">
+                                            <p:txEl>
+                                              <p:pRg st="0" end="0"/>
+                                            </p:txEl>
+                                          </p:spTgt>
+                                        </p:tgtEl>
+                                        <p:attrNameLst>
+                                          <p:attrName>style.visibility</p:attrName>
+                                        </p:attrNameLst>
+                                      </p:cBhvr>
+                                      <p:to>
+                                        <p:strVal val="visible"/>
+                                      </p:to>
+                                    </p:set>
+                                  </p:childTnLst>
+                                </p:cTn>
+                              </p:par>
+                            </p:childTnLst>
+                          </p:cTn>
+                        </p:par>
+                      </p:childTnLst>
+                    </p:cTn>
+                  </p:par>
+                  <p:par>
+                    <p:cTn id="7" fill="hold">
+                      <p:stCondLst>
+                        <p:cond delay="indefinite"/>
+                      </p:stCondLst>
+                      <p:childTnLst>
+                        <p:par>
+                          <p:cTn id="8" fill="hold">
+                            <p:stCondLst>
+                              <p:cond delay="0"/>
+                            </p:stCondLst>
+                            <p:childTnLst>
+                              <p:par>
+                                <p:cTn id="9" presetID="1" presetClass="entr" presetSubtype="0" fill="hold" grpId="0" nodeType="clickEffect">
+                                  <p:stCondLst>
+                                    <p:cond delay="0"/>
+                                  </p:stCondLst>
+                                  <p:childTnLst>
+                                    <p:set>
+                                      <p:cBhvr>
+                                        <p:cTn id="10" dur="1" fill="hold">
+                                          <p:stCondLst>
+                                            <p:cond delay="0"/>
+                                          </p:stCondLst>
+                                        </p:cTn>
+                                        <p:tgtEl>
+                                          <p:spTgt spid="2">
+                                            <p:txEl>
+                                              <p:pRg st="2" end="2"/>
+                                            </p:txEl>
+                                          </p:spTgt>
+                                        </p:tgtEl>
+                                        <p:attrNameLst>
+                                          <p:attrName>style.visibility</p:attrName>
+                                        </p:attrNameLst>
+                                      </p:cBhvr>
+                                      <p:to>
+                                        <p:strVal val="visible"/>
+                                      </p:to>
+                                    </p:set>
+                                  </p:childTnLst>
+                                </p:cTn>
+                              </p:par>
+                            </p:childTnLst>
+                          </p:cTn>
+                        </p:par>
+                      </p:childTnLst>
+                    </p:cTn>
+                  </p:par>
+                  <p:par>
+                    <p:cTn id="11" fill="hold">
+                      <p:stCondLst>
+                        <p:cond delay="indefinite"/>
+                      </p:stCondLst>
+                      <p:childTnLst>
+                        <p:par>
+                          <p:cTn id="12" fill="hold">
+                            <p:stCondLst>
+                              <p:cond delay="0"/>
+                            </p:stCondLst>
+                            <p:childTnLst>
+                              <p:par>
+                                <p:cTn id="13" presetID="1" presetClass="entr" presetSubtype="0" fill="hold" grpId="0" nodeType="clickEffect">
+                                  <p:stCondLst>
+                                    <p:cond delay="0"/>
+                                  </p:stCondLst>
+                                  <p:childTnLst>
+                                    <p:set>
+                                      <p:cBhvr>
+                                        <p:cTn id="14" dur="1" fill="hold">
+                                          <p:stCondLst>
+                                            <p:cond delay="0"/>
+                                          </p:stCondLst>
+                                        </p:cTn>
+                                        <p:tgtEl>
+                                          <p:spTgt spid="2">
+                                            <p:txEl>
+                                              <p:pRg st="4" end="4"/>
+                                            </p:txEl>
+                                          </p:spTgt>
+                                        </p:tgtEl>
+                                        <p:attrNameLst>
+                                          <p:attrName>style.visibility</p:attrName>
+                                        </p:attrNameLst>
+                                      </p:cBhvr>
+                                      <p:to>
+                                        <p:strVal val="visible"/>
+                                      </p:to>
+                                    </p:set>
+                                  </p:childTnLst>
+                                </p:cTn>
+                              </p:par>
+                            </p:childTnLst>
+                          </p:cTn>
+                        </p:par>
+                      </p:childTnLst>
+                    </p:cTn>
+                  </p:par>
+                </p:childTnLst>
+              </p:cTn>
+              <p:prevCondLst>
+                <p:cond evt="onPrev" delay="0">
+                  <p:tgtEl>
+                    <p:sldTgt/>
+                  </p:tgtEl>
+                </p:cond>
+              </p:prevCondLst>
+              <p:nextCondLst>
+                <p:cond evt="onNext" delay="0">
+                  <p:tgtEl>
+                    <p:sldTgt/>
+                  </p:tgtEl>
+                </p:cond>
+              </p:nextCondLst>
+            </p:seq>
+          </p:childTnLst>
+        </p:cTn>
+      </p:par>
+    </p:tnLst>
+    <p:bldLst>
+      <p:bldP spid="2" grpId="0" build="p" bldLvl="3"/>
+    </p:bldLst>
+  </p:timing>
+</p:sld>
+</file>
+
+<file path=ppt/slides/slide8.xml><?xml version="1.0" encoding="utf-8"?>
+<p:sld xmlns:a="http://schemas.openxmlformats.org/drawingml/2006/main" xmlns:r="http://schemas.openxmlformats.org/officeDocument/2006/relationships" xmlns:p="http://schemas.openxmlformats.org/presentationml/2006/main">
+  <p:cSld>
+    <p:spTree>
+      <p:nvGrpSpPr>
+        <p:cNvPr id="1" name=""/>
+        <p:cNvGrpSpPr/>
+        <p:nvPr/>
+      </p:nvGrpSpPr>
+      <p:grpSpPr>
+        <a:xfrm>
+          <a:off x="0" y="0"/>
+          <a:ext cx="0" cy="0"/>
+          <a:chOff x="0" y="0"/>
+          <a:chExt cx="0" cy="0"/>
+        </a:xfrm>
+      </p:grpSpPr>
+      <p:sp>
+        <p:nvSpPr>
+          <p:cNvPr id="8" name="Titre 7"/>
+          <p:cNvSpPr>
+            <a:spLocks noGrp="1"/>
+          </p:cNvSpPr>
+          <p:nvPr>
+            <p:ph type="title"/>
+          </p:nvPr>
+        </p:nvSpPr>
+        <p:spPr>
+          <a:xfrm>
+            <a:off x="359532" y="411163"/>
+            <a:ext cx="8533643" cy="540000"/>
+          </a:xfrm>
+        </p:spPr>
+        <p:txBody>
+          <a:bodyPr/>
+          <a:lstStyle/>
+          <a:p>
+            <a:r>
+              <a:rPr lang="fr-FR" dirty="0" smtClean="0"/>
+              <a:t>‘Turing </a:t>
+            </a:r>
+            <a:r>
+              <a:rPr lang="fr-FR" dirty="0" err="1" smtClean="0"/>
+              <a:t>completeness</a:t>
+            </a:r>
+            <a:r>
+              <a:rPr lang="fr-FR" dirty="0" smtClean="0"/>
+              <a:t>’</a:t>
+            </a:r>
+            <a:endParaRPr lang="fr-FR" dirty="0"/>
+          </a:p>
+        </p:txBody>
+      </p:sp>
+      <p:sp>
+        <p:nvSpPr>
+          <p:cNvPr id="10" name="Espace réservé de la date 9"/>
+          <p:cNvSpPr>
+            <a:spLocks noGrp="1"/>
+          </p:cNvSpPr>
+          <p:nvPr>
+            <p:ph type="dt" sz="half" idx="10"/>
+          </p:nvPr>
+        </p:nvSpPr>
+        <p:spPr/>
+        <p:txBody>
+          <a:bodyPr/>
+          <a:lstStyle/>
+          <a:p>
+            <a:r>
+              <a:rPr lang="fr-FR" smtClean="0"/>
+              <a:t>27 sept. 2019, Jean-Louis DUFOUR</a:t>
+            </a:r>
+            <a:endParaRPr lang="fr-FR" dirty="0"/>
+          </a:p>
+        </p:txBody>
+      </p:sp>
+      <p:sp>
+        <p:nvSpPr>
+          <p:cNvPr id="11" name="Espace réservé du pied de page 10"/>
+          <p:cNvSpPr>
+            <a:spLocks noGrp="1"/>
+          </p:cNvSpPr>
+          <p:nvPr>
+            <p:ph type="ftr" sz="quarter" idx="11"/>
+          </p:nvPr>
+        </p:nvSpPr>
+        <p:spPr/>
+        <p:txBody>
+          <a:bodyPr/>
+          <a:lstStyle/>
+          <a:p>
+            <a:pPr algn="l"/>
+            <a:r>
+              <a:rPr lang="en-US" dirty="0"/>
+              <a:t>Comment </a:t>
+            </a:r>
+            <a:r>
+              <a:rPr lang="en-US" dirty="0" err="1"/>
+              <a:t>réussir</a:t>
+            </a:r>
+            <a:r>
+              <a:rPr lang="en-US" dirty="0"/>
+              <a:t> </a:t>
+            </a:r>
+            <a:r>
+              <a:rPr lang="en-US" dirty="0" err="1"/>
+              <a:t>vos</a:t>
+            </a:r>
+            <a:r>
+              <a:rPr lang="en-US" dirty="0"/>
+              <a:t> </a:t>
+            </a:r>
+            <a:r>
+              <a:rPr lang="en-US" dirty="0" err="1"/>
+              <a:t>sudokus</a:t>
+            </a:r>
+            <a:r>
+              <a:rPr lang="en-US" dirty="0"/>
+              <a:t> ? </a:t>
+            </a:r>
+            <a:r>
+              <a:rPr lang="en-US" dirty="0" smtClean="0"/>
+              <a:t>[2ième </a:t>
+            </a:r>
+            <a:r>
+              <a:rPr lang="en-US" dirty="0" err="1" smtClean="0"/>
+              <a:t>partie</a:t>
+            </a:r>
+            <a:r>
+              <a:rPr lang="en-US" dirty="0" smtClean="0"/>
+              <a:t>] P </a:t>
+            </a:r>
+            <a:r>
+              <a:rPr lang="en-US" dirty="0" err="1" smtClean="0"/>
+              <a:t>est-il</a:t>
+            </a:r>
+            <a:r>
+              <a:rPr lang="en-US" dirty="0" smtClean="0"/>
+              <a:t> </a:t>
+            </a:r>
+            <a:r>
+              <a:rPr lang="en-US" dirty="0" err="1" smtClean="0"/>
+              <a:t>égal</a:t>
+            </a:r>
+            <a:r>
+              <a:rPr lang="en-US" dirty="0" smtClean="0"/>
+              <a:t> à NP ? </a:t>
+            </a:r>
+            <a:r>
+              <a:rPr lang="en-US" dirty="0"/>
+              <a:t>-- </a:t>
+            </a:r>
+            <a:r>
+              <a:rPr lang="en-US" dirty="0" smtClean="0"/>
+              <a:t>6 </a:t>
+            </a:r>
+            <a:r>
+              <a:rPr lang="en-US" dirty="0" err="1" smtClean="0"/>
+              <a:t>mai</a:t>
+            </a:r>
+            <a:r>
+              <a:rPr lang="en-US" dirty="0" smtClean="0"/>
+              <a:t> 2021, Jean-Louis DUFOUR</a:t>
+            </a:r>
+            <a:endParaRPr lang="fr-FR" dirty="0"/>
+          </a:p>
+        </p:txBody>
+      </p:sp>
+      <p:sp>
+        <p:nvSpPr>
+          <p:cNvPr id="12" name="Espace réservé du numéro de diapositive 11"/>
+          <p:cNvSpPr>
+            <a:spLocks noGrp="1"/>
+          </p:cNvSpPr>
+          <p:nvPr>
+            <p:ph type="sldNum" sz="quarter" idx="12"/>
+          </p:nvPr>
+        </p:nvSpPr>
+        <p:spPr/>
+        <p:txBody>
+          <a:bodyPr/>
+          <a:lstStyle/>
+          <a:p>
+            <a:fld id="{733122C9-A0B9-462F-8757-0847AD287B63}" type="slidenum">
+              <a:rPr lang="fr-FR" smtClean="0"/>
+              <a:pPr/>
+              <a:t>8</a:t>
+            </a:fld>
+            <a:endParaRPr lang="fr-FR" dirty="0"/>
+          </a:p>
+        </p:txBody>
+      </p:sp>
+      <p:sp>
+        <p:nvSpPr>
+          <p:cNvPr id="2" name="Espace réservé du contenu 1"/>
+          <p:cNvSpPr>
+            <a:spLocks noGrp="1"/>
+          </p:cNvSpPr>
+          <p:nvPr>
+            <p:ph idx="1"/>
+          </p:nvPr>
+        </p:nvSpPr>
+        <p:spPr>
+          <a:xfrm>
+            <a:off x="107504" y="1023578"/>
+            <a:ext cx="7452828" cy="3312368"/>
+          </a:xfrm>
+        </p:spPr>
+        <p:txBody>
+          <a:bodyPr/>
+          <a:lstStyle/>
+          <a:p>
+            <a:r>
+              <a:rPr lang="fr-FR" dirty="0" err="1" smtClean="0"/>
+              <a:t>Haskell</a:t>
+            </a:r>
+            <a:r>
+              <a:rPr lang="fr-FR" dirty="0" smtClean="0"/>
+              <a:t> == </a:t>
+            </a:r>
+            <a:r>
+              <a:rPr lang="fr-FR" dirty="0" err="1" smtClean="0"/>
+              <a:t>asm</a:t>
+            </a:r>
+            <a:r>
+              <a:rPr lang="fr-FR" dirty="0" smtClean="0"/>
+              <a:t> x86 == VB == </a:t>
+            </a:r>
+            <a:r>
+              <a:rPr lang="fr-FR" dirty="0" smtClean="0"/>
+              <a:t>Matlab == …</a:t>
+            </a:r>
+            <a:endParaRPr lang="fr-FR" dirty="0" smtClean="0"/>
+          </a:p>
+          <a:p>
+            <a:endParaRPr lang="fr-FR" dirty="0"/>
+          </a:p>
+          <a:p>
+            <a:r>
+              <a:rPr lang="fr-FR" dirty="0" err="1" smtClean="0"/>
+              <a:t>Minecraft</a:t>
+            </a:r>
+            <a:endParaRPr lang="fr-FR" dirty="0" smtClean="0"/>
+          </a:p>
+          <a:p>
+            <a:endParaRPr lang="fr-FR" dirty="0"/>
+          </a:p>
+          <a:p>
+            <a:r>
+              <a:rPr lang="fr-FR" dirty="0" smtClean="0"/>
+              <a:t>CSS3 (+ user interaction)</a:t>
+            </a:r>
+          </a:p>
+          <a:p>
+            <a:pPr lvl="1"/>
+            <a:r>
+              <a:rPr lang="fr-FR" dirty="0" smtClean="0"/>
+              <a:t>Google « </a:t>
+            </a:r>
+            <a:r>
+              <a:rPr lang="en-US" dirty="0"/>
+              <a:t>css3-proven-to-be-turing-complete</a:t>
+            </a:r>
+            <a:r>
+              <a:rPr lang="fr-FR" dirty="0" smtClean="0"/>
+              <a:t> »</a:t>
+            </a:r>
+          </a:p>
+          <a:p>
+            <a:pPr lvl="1"/>
+            <a:r>
+              <a:rPr lang="fr-FR" dirty="0" smtClean="0"/>
+              <a:t>Un concepteur de page HTML5+CSS3 (sans </a:t>
+            </a:r>
+            <a:r>
+              <a:rPr lang="fr-FR" dirty="0" err="1" smtClean="0"/>
+              <a:t>Javascript</a:t>
+            </a:r>
+            <a:r>
+              <a:rPr lang="fr-FR" dirty="0" smtClean="0"/>
+              <a:t>) est PRESQUE un PROGRAMMEUR !!!</a:t>
+            </a:r>
+          </a:p>
+          <a:p>
+            <a:pPr lvl="1"/>
+            <a:endParaRPr lang="fr-FR" dirty="0"/>
+          </a:p>
+          <a:p>
+            <a:r>
+              <a:rPr lang="fr-FR" dirty="0" err="1" smtClean="0"/>
+              <a:t>Scade</a:t>
+            </a:r>
+            <a:r>
+              <a:rPr lang="fr-FR" dirty="0" smtClean="0"/>
+              <a:t> / Lustre : plus subtil</a:t>
+            </a:r>
+            <a:endParaRPr lang="fr-FR" dirty="0"/>
+          </a:p>
+          <a:p>
+            <a:pPr lvl="1"/>
+            <a:endParaRPr lang="fr-FR" dirty="0" smtClean="0"/>
+          </a:p>
+          <a:p>
+            <a:endParaRPr lang="fr-FR" i="1" u="sng" dirty="0">
+              <a:solidFill>
+                <a:srgbClr val="FF0000"/>
+              </a:solidFill>
+            </a:endParaRPr>
+          </a:p>
+        </p:txBody>
+      </p:sp>
+    </p:spTree>
+    <p:extLst>
+      <p:ext uri="{BB962C8B-B14F-4D97-AF65-F5344CB8AC3E}">
+        <p14:creationId xmlns:p14="http://schemas.microsoft.com/office/powerpoint/2010/main" val="3416661777"/>
+      </p:ext>
+    </p:extLst>
+  </p:cSld>
+  <p:clrMapOvr>
+    <a:masterClrMapping/>
+  </p:clrMapOvr>
+  <p:timing>
+    <p:tnLst>
+      <p:par>
+        <p:cTn id="1" dur="indefinite" restart="never" nodeType="tmRoot">
+          <p:childTnLst>
+            <p:seq concurrent="1" nextAc="seek">
+              <p:cTn id="2" dur="indefinite" nodeType="mainSeq">
+                <p:childTnLst>
+                  <p:par>
+                    <p:cTn id="3" fill="hold">
+                      <p:stCondLst>
+                        <p:cond delay="indefinite"/>
+                      </p:stCondLst>
+                      <p:childTnLst>
+                        <p:par>
+                          <p:cTn id="4" fill="hold">
+                            <p:stCondLst>
+                              <p:cond delay="0"/>
+                            </p:stCondLst>
+                            <p:childTnLst>
+                              <p:par>
+                                <p:cTn id="5" presetID="1" presetClass="entr" presetSubtype="0" fill="hold" grpId="0" nodeType="clickEffect">
+                                  <p:stCondLst>
+                                    <p:cond delay="0"/>
+                                  </p:stCondLst>
+                                  <p:childTnLst>
+                                    <p:set>
+                                      <p:cBhvr>
+                                        <p:cTn id="6" dur="1" fill="hold">
+                                          <p:stCondLst>
+                                            <p:cond delay="0"/>
+                                          </p:stCondLst>
+                                        </p:cTn>
+                                        <p:tgtEl>
+                                          <p:spTgt spid="2">
+                                            <p:txEl>
+                                              <p:pRg st="0" end="0"/>
+                                            </p:txEl>
+                                          </p:spTgt>
+                                        </p:tgtEl>
+                                        <p:attrNameLst>
+                                          <p:attrName>style.visibility</p:attrName>
+                                        </p:attrNameLst>
+                                      </p:cBhvr>
+                                      <p:to>
+                                        <p:strVal val="visible"/>
+                                      </p:to>
+                                    </p:set>
+                                  </p:childTnLst>
+                                </p:cTn>
+                              </p:par>
+                            </p:childTnLst>
+                          </p:cTn>
+                        </p:par>
+                      </p:childTnLst>
+                    </p:cTn>
+                  </p:par>
+                  <p:par>
+                    <p:cTn id="7" fill="hold">
+                      <p:stCondLst>
+                        <p:cond delay="indefinite"/>
+                      </p:stCondLst>
+                      <p:childTnLst>
+                        <p:par>
+                          <p:cTn id="8" fill="hold">
+                            <p:stCondLst>
+                              <p:cond delay="0"/>
+                            </p:stCondLst>
+                            <p:childTnLst>
+                              <p:par>
+                                <p:cTn id="9" presetID="1" presetClass="entr" presetSubtype="0" fill="hold" grpId="0" nodeType="clickEffect">
+                                  <p:stCondLst>
+                                    <p:cond delay="0"/>
+                                  </p:stCondLst>
+                                  <p:childTnLst>
+                                    <p:set>
+                                      <p:cBhvr>
+                                        <p:cTn id="10" dur="1" fill="hold">
+                                          <p:stCondLst>
+                                            <p:cond delay="0"/>
+                                          </p:stCondLst>
+                                        </p:cTn>
+                                        <p:tgtEl>
+                                          <p:spTgt spid="2">
+                                            <p:txEl>
+                                              <p:pRg st="2" end="2"/>
+                                            </p:txEl>
+                                          </p:spTgt>
+                                        </p:tgtEl>
+                                        <p:attrNameLst>
+                                          <p:attrName>style.visibility</p:attrName>
+                                        </p:attrNameLst>
+                                      </p:cBhvr>
+                                      <p:to>
+                                        <p:strVal val="visible"/>
+                                      </p:to>
+                                    </p:set>
+                                  </p:childTnLst>
+                                </p:cTn>
+                              </p:par>
+                            </p:childTnLst>
+                          </p:cTn>
+                        </p:par>
+                      </p:childTnLst>
+                    </p:cTn>
+                  </p:par>
+                  <p:par>
+                    <p:cTn id="11" fill="hold">
+                      <p:stCondLst>
+                        <p:cond delay="indefinite"/>
+                      </p:stCondLst>
+                      <p:childTnLst>
+                        <p:par>
+                          <p:cTn id="12" fill="hold">
+                            <p:stCondLst>
+                              <p:cond delay="0"/>
+                            </p:stCondLst>
+                            <p:childTnLst>
+                              <p:par>
+                                <p:cTn id="13" presetID="1" presetClass="entr" presetSubtype="0" fill="hold" grpId="0" nodeType="clickEffect">
+                                  <p:stCondLst>
+                                    <p:cond delay="0"/>
+                                  </p:stCondLst>
+                                  <p:childTnLst>
+                                    <p:set>
+                                      <p:cBhvr>
+                                        <p:cTn id="14" dur="1" fill="hold">
+                                          <p:stCondLst>
+                                            <p:cond delay="0"/>
+                                          </p:stCondLst>
+                                        </p:cTn>
+                                        <p:tgtEl>
+                                          <p:spTgt spid="2">
+                                            <p:txEl>
+                                              <p:pRg st="4" end="4"/>
+                                            </p:txEl>
+                                          </p:spTgt>
+                                        </p:tgtEl>
+                                        <p:attrNameLst>
+                                          <p:attrName>style.visibility</p:attrName>
+                                        </p:attrNameLst>
+                                      </p:cBhvr>
+                                      <p:to>
+                                        <p:strVal val="visible"/>
+                                      </p:to>
+                                    </p:set>
+                                  </p:childTnLst>
+                                </p:cTn>
+                              </p:par>
+                            </p:childTnLst>
+                          </p:cTn>
+                        </p:par>
+                      </p:childTnLst>
+                    </p:cTn>
+                  </p:par>
+                  <p:par>
+                    <p:cTn id="15" fill="hold">
+                      <p:stCondLst>
+                        <p:cond delay="indefinite"/>
+                      </p:stCondLst>
+                      <p:childTnLst>
+                        <p:par>
+                          <p:cTn id="16" fill="hold">
+                            <p:stCondLst>
+                              <p:cond delay="0"/>
+                            </p:stCondLst>
+                            <p:childTnLst>
+                              <p:par>
+                                <p:cTn id="17" presetID="1" presetClass="entr" presetSubtype="0" fill="hold" grpId="0" nodeType="clickEffect">
+                                  <p:stCondLst>
+                                    <p:cond delay="0"/>
+                                  </p:stCondLst>
+                                  <p:childTnLst>
+                                    <p:set>
+                                      <p:cBhvr>
+                                        <p:cTn id="18" dur="1" fill="hold">
+                                          <p:stCondLst>
+                                            <p:cond delay="0"/>
+                                          </p:stCondLst>
+                                        </p:cTn>
+                                        <p:tgtEl>
+                                          <p:spTgt spid="2">
+                                            <p:txEl>
+                                              <p:pRg st="5" end="5"/>
+                                            </p:txEl>
+                                          </p:spTgt>
+                                        </p:tgtEl>
+                                        <p:attrNameLst>
+                                          <p:attrName>style.visibility</p:attrName>
+                                        </p:attrNameLst>
+                                      </p:cBhvr>
+                                      <p:to>
+                                        <p:strVal val="visible"/>
+                                      </p:to>
+                                    </p:set>
+                                  </p:childTnLst>
+                                </p:cTn>
+                              </p:par>
+                            </p:childTnLst>
+                          </p:cTn>
+                        </p:par>
+                      </p:childTnLst>
+                    </p:cTn>
+                  </p:par>
+                  <p:par>
+                    <p:cTn id="19" fill="hold">
+                      <p:stCondLst>
+                        <p:cond delay="indefinite"/>
+                      </p:stCondLst>
+                      <p:childTnLst>
+                        <p:par>
+                          <p:cTn id="20" fill="hold">
+                            <p:stCondLst>
+                              <p:cond delay="0"/>
+                            </p:stCondLst>
+                            <p:childTnLst>
+                              <p:par>
+                                <p:cTn id="21" presetID="1" presetClass="entr" presetSubtype="0" fill="hold" grpId="0" nodeType="clickEffect">
+                                  <p:stCondLst>
+                                    <p:cond delay="0"/>
+                                  </p:stCondLst>
+                                  <p:childTnLst>
+                                    <p:set>
+                                      <p:cBhvr>
+                                        <p:cTn id="22" dur="1" fill="hold">
+                                          <p:stCondLst>
+                                            <p:cond delay="0"/>
+                                          </p:stCondLst>
+                                        </p:cTn>
+                                        <p:tgtEl>
+                                          <p:spTgt spid="2">
+                                            <p:txEl>
+                                              <p:pRg st="6" end="6"/>
+                                            </p:txEl>
+                                          </p:spTgt>
+                                        </p:tgtEl>
+                                        <p:attrNameLst>
+                                          <p:attrName>style.visibility</p:attrName>
+                                        </p:attrNameLst>
+                                      </p:cBhvr>
+                                      <p:to>
+                                        <p:strVal val="visible"/>
+                                      </p:to>
+                                    </p:set>
+                                  </p:childTnLst>
+                                </p:cTn>
+                              </p:par>
+                            </p:childTnLst>
+                          </p:cTn>
+                        </p:par>
+                      </p:childTnLst>
+                    </p:cTn>
+                  </p:par>
+                  <p:par>
+                    <p:cTn id="23" fill="hold">
+                      <p:stCondLst>
+                        <p:cond delay="indefinite"/>
+                      </p:stCondLst>
+                      <p:childTnLst>
+                        <p:par>
+                          <p:cTn id="24" fill="hold">
+                            <p:stCondLst>
+                              <p:cond delay="0"/>
+                            </p:stCondLst>
+                            <p:childTnLst>
+                              <p:par>
+                                <p:cTn id="25" presetID="1" presetClass="entr" presetSubtype="0" fill="hold" grpId="0" nodeType="clickEffect">
+                                  <p:stCondLst>
+                                    <p:cond delay="0"/>
+                                  </p:stCondLst>
+                                  <p:childTnLst>
+                                    <p:set>
+                                      <p:cBhvr>
+                                        <p:cTn id="26" dur="1" fill="hold">
+                                          <p:stCondLst>
+                                            <p:cond delay="0"/>
+                                          </p:stCondLst>
+                                        </p:cTn>
+                                        <p:tgtEl>
+                                          <p:spTgt spid="2">
+                                            <p:txEl>
+                                              <p:pRg st="8" end="8"/>
+                                            </p:txEl>
+                                          </p:spTgt>
+                                        </p:tgtEl>
+                                        <p:attrNameLst>
+                                          <p:attrName>style.visibility</p:attrName>
+                                        </p:attrNameLst>
+                                      </p:cBhvr>
+                                      <p:to>
+                                        <p:strVal val="visible"/>
+                                      </p:to>
+                                    </p:set>
+                                  </p:childTnLst>
+                                </p:cTn>
+                              </p:par>
+                            </p:childTnLst>
+                          </p:cTn>
+                        </p:par>
+                      </p:childTnLst>
+                    </p:cTn>
+                  </p:par>
+                </p:childTnLst>
+              </p:cTn>
+              <p:prevCondLst>
+                <p:cond evt="onPrev" delay="0">
+                  <p:tgtEl>
+                    <p:sldTgt/>
+                  </p:tgtEl>
+                </p:cond>
+              </p:prevCondLst>
+              <p:nextCondLst>
+                <p:cond evt="onNext" delay="0">
+                  <p:tgtEl>
+                    <p:sldTgt/>
+                  </p:tgtEl>
+                </p:cond>
+              </p:nextCondLst>
+            </p:seq>
+          </p:childTnLst>
+        </p:cTn>
+      </p:par>
+    </p:tnLst>
+    <p:bldLst>
+      <p:bldP spid="2" grpId="0" build="p" bldLvl="3"/>
+    </p:bldLst>
+  </p:timing>
+</p:sld>
+</file>
+
+<file path=ppt/slides/slide9.xml><?xml version="1.0" encoding="utf-8"?>
+<p:sld xmlns:a="http://schemas.openxmlformats.org/drawingml/2006/main" xmlns:r="http://schemas.openxmlformats.org/officeDocument/2006/relationships" xmlns:p="http://schemas.openxmlformats.org/presentationml/2006/main">
+  <p:cSld>
+    <p:spTree>
+      <p:nvGrpSpPr>
+        <p:cNvPr id="1" name=""/>
+        <p:cNvGrpSpPr/>
+        <p:nvPr/>
+      </p:nvGrpSpPr>
+      <p:grpSpPr>
+        <a:xfrm>
+          <a:off x="0" y="0"/>
+          <a:ext cx="0" cy="0"/>
+          <a:chOff x="0" y="0"/>
+          <a:chExt cx="0" cy="0"/>
+        </a:xfrm>
+      </p:grpSpPr>
+      <p:sp>
+        <p:nvSpPr>
+          <p:cNvPr id="8" name="Titre 7"/>
+          <p:cNvSpPr>
+            <a:spLocks noGrp="1"/>
+          </p:cNvSpPr>
+          <p:nvPr>
+            <p:ph type="title"/>
+          </p:nvPr>
+        </p:nvSpPr>
+        <p:spPr>
+          <a:xfrm>
+            <a:off x="359532" y="411163"/>
+            <a:ext cx="8533643" cy="540000"/>
+          </a:xfrm>
+        </p:spPr>
+        <p:txBody>
+          <a:bodyPr/>
+          <a:lstStyle/>
+          <a:p>
+            <a:r>
+              <a:rPr lang="fr-FR" dirty="0" smtClean="0"/>
+              <a:t>1953 : </a:t>
+            </a:r>
+            <a:r>
+              <a:rPr lang="fr-FR" dirty="0" err="1" smtClean="0"/>
+              <a:t>Rice</a:t>
+            </a:r>
+            <a:endParaRPr lang="fr-FR" dirty="0"/>
+          </a:p>
+        </p:txBody>
+      </p:sp>
+      <p:sp>
+        <p:nvSpPr>
+          <p:cNvPr id="10" name="Espace réservé de la date 9"/>
+          <p:cNvSpPr>
+            <a:spLocks noGrp="1"/>
+          </p:cNvSpPr>
+          <p:nvPr>
+            <p:ph type="dt" sz="half" idx="10"/>
+          </p:nvPr>
+        </p:nvSpPr>
+        <p:spPr/>
+        <p:txBody>
+          <a:bodyPr/>
+          <a:lstStyle/>
+          <a:p>
+            <a:r>
+              <a:rPr lang="fr-FR" smtClean="0"/>
+              <a:t>27 sept. 2019, Jean-Louis DUFOUR</a:t>
+            </a:r>
+            <a:endParaRPr lang="fr-FR" dirty="0"/>
+          </a:p>
+        </p:txBody>
+      </p:sp>
+      <p:sp>
+        <p:nvSpPr>
+          <p:cNvPr id="11" name="Espace réservé du pied de page 10"/>
+          <p:cNvSpPr>
+            <a:spLocks noGrp="1"/>
+          </p:cNvSpPr>
+          <p:nvPr>
+            <p:ph type="ftr" sz="quarter" idx="11"/>
+          </p:nvPr>
+        </p:nvSpPr>
+        <p:spPr/>
+        <p:txBody>
+          <a:bodyPr/>
+          <a:lstStyle/>
+          <a:p>
+            <a:pPr algn="l"/>
+            <a:r>
+              <a:rPr lang="en-US" dirty="0"/>
+              <a:t>Comment </a:t>
+            </a:r>
+            <a:r>
+              <a:rPr lang="en-US" dirty="0" err="1"/>
+              <a:t>réussir</a:t>
+            </a:r>
+            <a:r>
+              <a:rPr lang="en-US" dirty="0"/>
+              <a:t> </a:t>
+            </a:r>
+            <a:r>
+              <a:rPr lang="en-US" dirty="0" err="1"/>
+              <a:t>vos</a:t>
+            </a:r>
+            <a:r>
+              <a:rPr lang="en-US" dirty="0"/>
+              <a:t> </a:t>
+            </a:r>
+            <a:r>
+              <a:rPr lang="en-US" dirty="0" err="1"/>
+              <a:t>sudokus</a:t>
+            </a:r>
+            <a:r>
+              <a:rPr lang="en-US" dirty="0"/>
+              <a:t> ? </a:t>
+            </a:r>
+            <a:r>
+              <a:rPr lang="en-US" dirty="0" smtClean="0"/>
+              <a:t>[2ième </a:t>
+            </a:r>
+            <a:r>
+              <a:rPr lang="en-US" dirty="0" err="1" smtClean="0"/>
+              <a:t>partie</a:t>
+            </a:r>
+            <a:r>
+              <a:rPr lang="en-US" dirty="0" smtClean="0"/>
+              <a:t>] P </a:t>
+            </a:r>
+            <a:r>
+              <a:rPr lang="en-US" dirty="0" err="1" smtClean="0"/>
+              <a:t>est-il</a:t>
+            </a:r>
+            <a:r>
+              <a:rPr lang="en-US" dirty="0" smtClean="0"/>
+              <a:t> </a:t>
+            </a:r>
+            <a:r>
+              <a:rPr lang="en-US" dirty="0" err="1" smtClean="0"/>
+              <a:t>égal</a:t>
+            </a:r>
+            <a:r>
+              <a:rPr lang="en-US" dirty="0" smtClean="0"/>
+              <a:t> à NP ? </a:t>
+            </a:r>
+            <a:r>
+              <a:rPr lang="en-US" dirty="0"/>
+              <a:t>-- </a:t>
+            </a:r>
+            <a:r>
+              <a:rPr lang="en-US" dirty="0" smtClean="0"/>
+              <a:t>6 </a:t>
+            </a:r>
+            <a:r>
+              <a:rPr lang="en-US" dirty="0" err="1" smtClean="0"/>
+              <a:t>mai</a:t>
+            </a:r>
+            <a:r>
+              <a:rPr lang="en-US" dirty="0" smtClean="0"/>
+              <a:t> 2021, Jean-Louis DUFOUR</a:t>
+            </a:r>
+            <a:endParaRPr lang="fr-FR" dirty="0"/>
+          </a:p>
+        </p:txBody>
+      </p:sp>
+      <p:sp>
+        <p:nvSpPr>
+          <p:cNvPr id="12" name="Espace réservé du numéro de diapositive 11"/>
+          <p:cNvSpPr>
+            <a:spLocks noGrp="1"/>
+          </p:cNvSpPr>
+          <p:nvPr>
+            <p:ph type="sldNum" sz="quarter" idx="12"/>
+          </p:nvPr>
+        </p:nvSpPr>
+        <p:spPr/>
+        <p:txBody>
+          <a:bodyPr/>
+          <a:lstStyle/>
+          <a:p>
+            <a:fld id="{733122C9-A0B9-462F-8757-0847AD287B63}" type="slidenum">
+              <a:rPr lang="fr-FR" smtClean="0"/>
+              <a:pPr/>
+              <a:t>9</a:t>
+            </a:fld>
+            <a:endParaRPr lang="fr-FR" dirty="0"/>
+          </a:p>
+        </p:txBody>
+      </p:sp>
+      <p:sp>
+        <p:nvSpPr>
+          <p:cNvPr id="2" name="Espace réservé du contenu 1"/>
+          <p:cNvSpPr>
+            <a:spLocks noGrp="1"/>
+          </p:cNvSpPr>
+          <p:nvPr>
+            <p:ph idx="1"/>
+          </p:nvPr>
+        </p:nvSpPr>
+        <p:spPr>
+          <a:xfrm>
+            <a:off x="611560" y="1023578"/>
+            <a:ext cx="4428491" cy="1575048"/>
+          </a:xfrm>
+        </p:spPr>
+        <p:txBody>
+          <a:bodyPr/>
+          <a:lstStyle/>
+          <a:p>
+            <a:r>
+              <a:rPr lang="fr-FR" dirty="0" smtClean="0"/>
+              <a:t>Toute propriété ‘sémantique’ non triviale est indécidable</a:t>
+            </a:r>
+            <a:endParaRPr lang="fr-FR" dirty="0" smtClean="0"/>
+          </a:p>
+          <a:p>
+            <a:endParaRPr lang="fr-FR" i="1" u="sng" dirty="0">
+              <a:solidFill>
+                <a:srgbClr val="FF0000"/>
+              </a:solidFill>
+            </a:endParaRPr>
+          </a:p>
+        </p:txBody>
+      </p:sp>
+    </p:spTree>
+    <p:extLst>
+      <p:ext uri="{BB962C8B-B14F-4D97-AF65-F5344CB8AC3E}">
+        <p14:creationId xmlns:p14="http://schemas.microsoft.com/office/powerpoint/2010/main" val="2757221063"/>
+      </p:ext>
+    </p:extLst>
+  </p:cSld>
+  <p:clrMapOvr>
+    <a:masterClrMapping/>
+  </p:clrMapOvr>
+  <p:timing>
+    <p:tnLst>
+      <p:par>
+        <p:cTn id="1" dur="indefinite" restart="never" nodeType="tmRoot"/>
+      </p:par>
+    </p:tnLst>
   </p:timing>
 </p:sld>
 </file>
@@ -30586,15 +31679,15 @@
 <file path=customXml/itemProps4.xml><?xml version="1.0" encoding="utf-8"?>
 <ds:datastoreItem xmlns:ds="http://schemas.openxmlformats.org/officeDocument/2006/customXml" ds:itemID="{ACBB7B86-1A6B-4396-82CD-495CB7635E87}">
   <ds:schemaRefs>
-    <ds:schemaRef ds:uri="http://schemas.openxmlformats.org/package/2006/metadata/core-properties"/>
     <ds:schemaRef ds:uri="http://schemas.microsoft.com/office/2006/documentManagement/types"/>
+    <ds:schemaRef ds:uri="http://schemas.microsoft.com/office/2006/metadata/properties"/>
     <ds:schemaRef ds:uri="http://purl.org/dc/terms/"/>
+    <ds:schemaRef ds:uri="http://schemas.microsoft.com/sharepoint/v3"/>
     <ds:schemaRef ds:uri="http://purl.org/dc/dcmitype/"/>
-    <ds:schemaRef ds:uri="http://schemas.microsoft.com/office/2006/metadata/properties"/>
     <ds:schemaRef ds:uri="http://schemas.microsoft.com/office/infopath/2007/PartnerControls"/>
     <ds:schemaRef ds:uri="http://purl.org/dc/elements/1.1/"/>
+    <ds:schemaRef ds:uri="http://schemas.openxmlformats.org/package/2006/metadata/core-properties"/>
     <ds:schemaRef ds:uri="594212a7-a8eb-497d-bd6b-0e3a174923ee"/>
-    <ds:schemaRef ds:uri="http://schemas.microsoft.com/sharepoint/v3"/>
     <ds:schemaRef ds:uri="http://www.w3.org/XML/1998/namespace"/>
   </ds:schemaRefs>
 </ds:datastoreItem>
